--- a/Assignments/Coding_Challenges/Challenge_9/Challenge_9_Outline_Guide.pptx
+++ b/Assignments/Coding_Challenges/Challenge_9/Challenge_9_Outline_Guide.pptx
@@ -7,6 +7,9 @@
   <p:sldIdLst>
     <p:sldId id="256" r:id="rId2"/>
     <p:sldId id="258" r:id="rId3"/>
+    <p:sldId id="261" r:id="rId4"/>
+    <p:sldId id="259" r:id="rId5"/>
+    <p:sldId id="260" r:id="rId6"/>
   </p:sldIdLst>
   <p:sldSz cx="12192000" cy="6858000"/>
   <p:notesSz cx="6858000" cy="9144000"/>
@@ -260,7 +263,7 @@
           <a:p>
             <a:fld id="{28EC7CBF-2CD6-004F-A6A7-DBBCBFA64491}" type="datetimeFigureOut">
               <a:rPr lang="en-US" smtClean="0"/>
-              <a:t>4/26/20</a:t>
+              <a:t>4/27/20</a:t>
             </a:fld>
             <a:endParaRPr lang="en-US"/>
           </a:p>
@@ -458,7 +461,7 @@
           <a:p>
             <a:fld id="{28EC7CBF-2CD6-004F-A6A7-DBBCBFA64491}" type="datetimeFigureOut">
               <a:rPr lang="en-US" smtClean="0"/>
-              <a:t>4/26/20</a:t>
+              <a:t>4/27/20</a:t>
             </a:fld>
             <a:endParaRPr lang="en-US"/>
           </a:p>
@@ -666,7 +669,7 @@
           <a:p>
             <a:fld id="{28EC7CBF-2CD6-004F-A6A7-DBBCBFA64491}" type="datetimeFigureOut">
               <a:rPr lang="en-US" smtClean="0"/>
-              <a:t>4/26/20</a:t>
+              <a:t>4/27/20</a:t>
             </a:fld>
             <a:endParaRPr lang="en-US"/>
           </a:p>
@@ -864,7 +867,7 @@
           <a:p>
             <a:fld id="{28EC7CBF-2CD6-004F-A6A7-DBBCBFA64491}" type="datetimeFigureOut">
               <a:rPr lang="en-US" smtClean="0"/>
-              <a:t>4/26/20</a:t>
+              <a:t>4/27/20</a:t>
             </a:fld>
             <a:endParaRPr lang="en-US"/>
           </a:p>
@@ -1139,7 +1142,7 @@
           <a:p>
             <a:fld id="{28EC7CBF-2CD6-004F-A6A7-DBBCBFA64491}" type="datetimeFigureOut">
               <a:rPr lang="en-US" smtClean="0"/>
-              <a:t>4/26/20</a:t>
+              <a:t>4/27/20</a:t>
             </a:fld>
             <a:endParaRPr lang="en-US"/>
           </a:p>
@@ -1404,7 +1407,7 @@
           <a:p>
             <a:fld id="{28EC7CBF-2CD6-004F-A6A7-DBBCBFA64491}" type="datetimeFigureOut">
               <a:rPr lang="en-US" smtClean="0"/>
-              <a:t>4/26/20</a:t>
+              <a:t>4/27/20</a:t>
             </a:fld>
             <a:endParaRPr lang="en-US"/>
           </a:p>
@@ -1816,7 +1819,7 @@
           <a:p>
             <a:fld id="{28EC7CBF-2CD6-004F-A6A7-DBBCBFA64491}" type="datetimeFigureOut">
               <a:rPr lang="en-US" smtClean="0"/>
-              <a:t>4/26/20</a:t>
+              <a:t>4/27/20</a:t>
             </a:fld>
             <a:endParaRPr lang="en-US"/>
           </a:p>
@@ -1957,7 +1960,7 @@
           <a:p>
             <a:fld id="{28EC7CBF-2CD6-004F-A6A7-DBBCBFA64491}" type="datetimeFigureOut">
               <a:rPr lang="en-US" smtClean="0"/>
-              <a:t>4/26/20</a:t>
+              <a:t>4/27/20</a:t>
             </a:fld>
             <a:endParaRPr lang="en-US"/>
           </a:p>
@@ -2070,7 +2073,7 @@
           <a:p>
             <a:fld id="{28EC7CBF-2CD6-004F-A6A7-DBBCBFA64491}" type="datetimeFigureOut">
               <a:rPr lang="en-US" smtClean="0"/>
-              <a:t>4/26/20</a:t>
+              <a:t>4/27/20</a:t>
             </a:fld>
             <a:endParaRPr lang="en-US"/>
           </a:p>
@@ -2381,7 +2384,7 @@
           <a:p>
             <a:fld id="{28EC7CBF-2CD6-004F-A6A7-DBBCBFA64491}" type="datetimeFigureOut">
               <a:rPr lang="en-US" smtClean="0"/>
-              <a:t>4/26/20</a:t>
+              <a:t>4/27/20</a:t>
             </a:fld>
             <a:endParaRPr lang="en-US"/>
           </a:p>
@@ -2669,7 +2672,7 @@
           <a:p>
             <a:fld id="{28EC7CBF-2CD6-004F-A6A7-DBBCBFA64491}" type="datetimeFigureOut">
               <a:rPr lang="en-US" smtClean="0"/>
-              <a:t>4/26/20</a:t>
+              <a:t>4/27/20</a:t>
             </a:fld>
             <a:endParaRPr lang="en-US"/>
           </a:p>
@@ -2910,7 +2913,7 @@
           <a:p>
             <a:fld id="{28EC7CBF-2CD6-004F-A6A7-DBBCBFA64491}" type="datetimeFigureOut">
               <a:rPr lang="en-US" smtClean="0"/>
-              <a:t>4/26/20</a:t>
+              <a:t>4/27/20</a:t>
             </a:fld>
             <a:endParaRPr lang="en-US"/>
           </a:p>
@@ -3912,6 +3915,2377 @@
 </p:sld>
 </file>
 
+<file path=ppt/slides/slide3.xml><?xml version="1.0" encoding="utf-8"?>
+<p:sld xmlns:a="http://schemas.openxmlformats.org/drawingml/2006/main" xmlns:r="http://schemas.openxmlformats.org/officeDocument/2006/relationships" xmlns:p="http://schemas.openxmlformats.org/presentationml/2006/main">
+  <p:cSld>
+    <p:spTree>
+      <p:nvGrpSpPr>
+        <p:cNvPr id="1" name=""/>
+        <p:cNvGrpSpPr/>
+        <p:nvPr/>
+      </p:nvGrpSpPr>
+      <p:grpSpPr>
+        <a:xfrm>
+          <a:off x="0" y="0"/>
+          <a:ext cx="0" cy="0"/>
+          <a:chOff x="0" y="0"/>
+          <a:chExt cx="0" cy="0"/>
+        </a:xfrm>
+      </p:grpSpPr>
+      <p:sp>
+        <p:nvSpPr>
+          <p:cNvPr id="2" name="Title 1">
+            <a:extLst>
+              <a:ext uri="{FF2B5EF4-FFF2-40B4-BE49-F238E27FC236}">
+                <a16:creationId xmlns:a16="http://schemas.microsoft.com/office/drawing/2014/main" id="{BAA768B2-3C64-8C43-AC9B-E80F03E78576}"/>
+              </a:ext>
+            </a:extLst>
+          </p:cNvPr>
+          <p:cNvSpPr>
+            <a:spLocks noGrp="1"/>
+          </p:cNvSpPr>
+          <p:nvPr>
+            <p:ph type="title"/>
+          </p:nvPr>
+        </p:nvSpPr>
+        <p:spPr/>
+        <p:txBody>
+          <a:bodyPr>
+            <a:normAutofit/>
+          </a:bodyPr>
+          <a:lstStyle/>
+          <a:p>
+            <a:r>
+              <a:rPr lang="en-US" sz="4800" b="1" dirty="0"/>
+              <a:t>AFTER THIS ARE HINTS AND SOLUTIONS</a:t>
+            </a:r>
+          </a:p>
+        </p:txBody>
+      </p:sp>
+      <p:sp>
+        <p:nvSpPr>
+          <p:cNvPr id="3" name="Text Placeholder 2">
+            <a:extLst>
+              <a:ext uri="{FF2B5EF4-FFF2-40B4-BE49-F238E27FC236}">
+                <a16:creationId xmlns:a16="http://schemas.microsoft.com/office/drawing/2014/main" id="{7E400014-4A40-684F-8CDD-F412320E596C}"/>
+              </a:ext>
+            </a:extLst>
+          </p:cNvPr>
+          <p:cNvSpPr>
+            <a:spLocks noGrp="1"/>
+          </p:cNvSpPr>
+          <p:nvPr>
+            <p:ph type="body" idx="1"/>
+          </p:nvPr>
+        </p:nvSpPr>
+        <p:spPr/>
+        <p:txBody>
+          <a:bodyPr/>
+          <a:lstStyle/>
+          <a:p>
+            <a:endParaRPr lang="en-US"/>
+          </a:p>
+        </p:txBody>
+      </p:sp>
+    </p:spTree>
+    <p:extLst>
+      <p:ext uri="{BB962C8B-B14F-4D97-AF65-F5344CB8AC3E}">
+        <p14:creationId xmlns:p14="http://schemas.microsoft.com/office/powerpoint/2010/main" val="3840122029"/>
+      </p:ext>
+    </p:extLst>
+  </p:cSld>
+  <p:clrMapOvr>
+    <a:masterClrMapping/>
+  </p:clrMapOvr>
+</p:sld>
+</file>
+
+<file path=ppt/slides/slide4.xml><?xml version="1.0" encoding="utf-8"?>
+<p:sld xmlns:a="http://schemas.openxmlformats.org/drawingml/2006/main" xmlns:r="http://schemas.openxmlformats.org/officeDocument/2006/relationships" xmlns:p="http://schemas.openxmlformats.org/presentationml/2006/main">
+  <p:cSld>
+    <p:spTree>
+      <p:nvGrpSpPr>
+        <p:cNvPr id="1" name=""/>
+        <p:cNvGrpSpPr/>
+        <p:nvPr/>
+      </p:nvGrpSpPr>
+      <p:grpSpPr>
+        <a:xfrm>
+          <a:off x="0" y="0"/>
+          <a:ext cx="0" cy="0"/>
+          <a:chOff x="0" y="0"/>
+          <a:chExt cx="0" cy="0"/>
+        </a:xfrm>
+      </p:grpSpPr>
+      <p:sp>
+        <p:nvSpPr>
+          <p:cNvPr id="2" name="Title 1">
+            <a:extLst>
+              <a:ext uri="{FF2B5EF4-FFF2-40B4-BE49-F238E27FC236}">
+                <a16:creationId xmlns:a16="http://schemas.microsoft.com/office/drawing/2014/main" id="{3B8FC017-7479-7340-B28F-693966E76E08}"/>
+              </a:ext>
+            </a:extLst>
+          </p:cNvPr>
+          <p:cNvSpPr>
+            <a:spLocks noGrp="1"/>
+          </p:cNvSpPr>
+          <p:nvPr>
+            <p:ph type="title"/>
+          </p:nvPr>
+        </p:nvSpPr>
+        <p:spPr>
+          <a:xfrm>
+            <a:off x="197069" y="131762"/>
+            <a:ext cx="6687207" cy="549275"/>
+          </a:xfrm>
+        </p:spPr>
+        <p:txBody>
+          <a:bodyPr>
+            <a:normAutofit/>
+          </a:bodyPr>
+          <a:lstStyle/>
+          <a:p>
+            <a:r>
+              <a:rPr lang="en-US" sz="2800" b="1" dirty="0">
+                <a:latin typeface="+mn-lt"/>
+              </a:rPr>
+              <a:t>How to carry site ID to your radiating lines?</a:t>
+            </a:r>
+          </a:p>
+        </p:txBody>
+      </p:sp>
+      <p:sp>
+        <p:nvSpPr>
+          <p:cNvPr id="3" name="Content Placeholder 2">
+            <a:extLst>
+              <a:ext uri="{FF2B5EF4-FFF2-40B4-BE49-F238E27FC236}">
+                <a16:creationId xmlns:a16="http://schemas.microsoft.com/office/drawing/2014/main" id="{7882ED3F-7AA1-E547-BBFC-5027AD6F53FE}"/>
+              </a:ext>
+            </a:extLst>
+          </p:cNvPr>
+          <p:cNvSpPr>
+            <a:spLocks noGrp="1"/>
+          </p:cNvSpPr>
+          <p:nvPr>
+            <p:ph idx="1"/>
+          </p:nvPr>
+        </p:nvSpPr>
+        <p:spPr>
+          <a:xfrm>
+            <a:off x="273267" y="681037"/>
+            <a:ext cx="3384333" cy="2547008"/>
+          </a:xfrm>
+        </p:spPr>
+        <p:txBody>
+          <a:bodyPr>
+            <a:normAutofit fontScale="77500" lnSpcReduction="20000"/>
+          </a:bodyPr>
+          <a:lstStyle/>
+          <a:p>
+            <a:pPr marL="0" indent="0">
+              <a:buNone/>
+            </a:pPr>
+            <a:r>
+              <a:rPr lang="en-US" dirty="0"/>
+              <a:t>Not at all tricky, right in your code, you are pulling out the X and Y locations and assigning that as your start and end point in your code. All we are going to do is extend our input file to include an “ID” column and propagate through to the final radiating lines file.</a:t>
+            </a:r>
+          </a:p>
+        </p:txBody>
+      </p:sp>
+      <p:sp>
+        <p:nvSpPr>
+          <p:cNvPr id="4" name="Rectangle 3">
+            <a:extLst>
+              <a:ext uri="{FF2B5EF4-FFF2-40B4-BE49-F238E27FC236}">
+                <a16:creationId xmlns:a16="http://schemas.microsoft.com/office/drawing/2014/main" id="{38B187D3-F917-2547-8606-34B4191906B4}"/>
+              </a:ext>
+            </a:extLst>
+          </p:cNvPr>
+          <p:cNvSpPr/>
+          <p:nvPr/>
+        </p:nvSpPr>
+        <p:spPr>
+          <a:xfrm>
+            <a:off x="3972914" y="902739"/>
+            <a:ext cx="5265680" cy="5370701"/>
+          </a:xfrm>
+          <a:prstGeom prst="rect">
+            <a:avLst/>
+          </a:prstGeom>
+        </p:spPr>
+        <p:txBody>
+          <a:bodyPr wrap="square">
+            <a:spAutoFit/>
+          </a:bodyPr>
+          <a:lstStyle/>
+          <a:p>
+            <a:br>
+              <a:rPr lang="en-US" sz="700" dirty="0">
+                <a:latin typeface="Helvetica" pitchFamily="2" charset="0"/>
+              </a:rPr>
+            </a:br>
+            <a:r>
+              <a:rPr lang="en-US" sz="700" i="1" dirty="0">
+                <a:solidFill>
+                  <a:srgbClr val="808080"/>
+                </a:solidFill>
+                <a:latin typeface="Consolas" panose="020B0609020204030204" pitchFamily="49" charset="0"/>
+              </a:rPr>
+              <a:t># Simulated input file, same format as what would be produced by a </a:t>
+            </a:r>
+            <a:r>
+              <a:rPr lang="en-US" sz="700" i="1" dirty="0" err="1">
+                <a:solidFill>
+                  <a:srgbClr val="808080"/>
+                </a:solidFill>
+                <a:latin typeface="Consolas" panose="020B0609020204030204" pitchFamily="49" charset="0"/>
+              </a:rPr>
+              <a:t>SearchCursor</a:t>
+            </a:r>
+            <a:br>
+              <a:rPr lang="en-US" sz="700" i="1" dirty="0">
+                <a:solidFill>
+                  <a:srgbClr val="808080"/>
+                </a:solidFill>
+                <a:latin typeface="Consolas" panose="020B0609020204030204" pitchFamily="49" charset="0"/>
+              </a:rPr>
+            </a:br>
+            <a:r>
+              <a:rPr lang="en-US" sz="700" dirty="0" err="1">
+                <a:latin typeface="Consolas" panose="020B0609020204030204" pitchFamily="49" charset="0"/>
+              </a:rPr>
+              <a:t>site_locations</a:t>
+            </a:r>
+            <a:r>
+              <a:rPr lang="en-US" sz="700" dirty="0">
+                <a:latin typeface="Consolas" panose="020B0609020204030204" pitchFamily="49" charset="0"/>
+              </a:rPr>
+              <a:t> = [[(-</a:t>
+            </a:r>
+            <a:r>
+              <a:rPr lang="en-US" sz="700" dirty="0">
+                <a:solidFill>
+                  <a:srgbClr val="0000FF"/>
+                </a:solidFill>
+                <a:latin typeface="Consolas" panose="020B0609020204030204" pitchFamily="49" charset="0"/>
+              </a:rPr>
+              <a:t>71.42</a:t>
+            </a:r>
+            <a:r>
+              <a:rPr lang="en-US" sz="700" dirty="0">
+                <a:latin typeface="Consolas" panose="020B0609020204030204" pitchFamily="49" charset="0"/>
+              </a:rPr>
+              <a:t>,  </a:t>
+            </a:r>
+            <a:r>
+              <a:rPr lang="en-US" sz="700" dirty="0">
+                <a:solidFill>
+                  <a:srgbClr val="0000FF"/>
+                </a:solidFill>
+                <a:latin typeface="Consolas" panose="020B0609020204030204" pitchFamily="49" charset="0"/>
+              </a:rPr>
+              <a:t>41.47</a:t>
+            </a:r>
+            <a:r>
+              <a:rPr lang="en-US" sz="700" dirty="0">
+                <a:latin typeface="Consolas" panose="020B0609020204030204" pitchFamily="49" charset="0"/>
+              </a:rPr>
+              <a:t>), </a:t>
+            </a:r>
+            <a:r>
+              <a:rPr lang="en-US" sz="700" b="1" dirty="0">
+                <a:solidFill>
+                  <a:srgbClr val="008000"/>
+                </a:solidFill>
+                <a:latin typeface="Consolas" panose="020B0609020204030204" pitchFamily="49" charset="0"/>
+              </a:rPr>
+              <a:t>"ID1"</a:t>
+            </a:r>
+            <a:r>
+              <a:rPr lang="en-US" sz="700" dirty="0">
+                <a:latin typeface="Consolas" panose="020B0609020204030204" pitchFamily="49" charset="0"/>
+              </a:rPr>
+              <a:t>], [(-</a:t>
+            </a:r>
+            <a:r>
+              <a:rPr lang="en-US" sz="700" dirty="0">
+                <a:solidFill>
+                  <a:srgbClr val="0000FF"/>
+                </a:solidFill>
+                <a:latin typeface="Consolas" panose="020B0609020204030204" pitchFamily="49" charset="0"/>
+              </a:rPr>
+              <a:t>71.42</a:t>
+            </a:r>
+            <a:r>
+              <a:rPr lang="en-US" sz="700" dirty="0">
+                <a:latin typeface="Consolas" panose="020B0609020204030204" pitchFamily="49" charset="0"/>
+              </a:rPr>
+              <a:t>,  </a:t>
+            </a:r>
+            <a:r>
+              <a:rPr lang="en-US" sz="700" dirty="0">
+                <a:solidFill>
+                  <a:srgbClr val="0000FF"/>
+                </a:solidFill>
+                <a:latin typeface="Consolas" panose="020B0609020204030204" pitchFamily="49" charset="0"/>
+              </a:rPr>
+              <a:t>41.47</a:t>
+            </a:r>
+            <a:r>
+              <a:rPr lang="en-US" sz="700" dirty="0">
+                <a:latin typeface="Consolas" panose="020B0609020204030204" pitchFamily="49" charset="0"/>
+              </a:rPr>
+              <a:t>), </a:t>
+            </a:r>
+            <a:r>
+              <a:rPr lang="en-US" sz="700" b="1" dirty="0">
+                <a:solidFill>
+                  <a:srgbClr val="008000"/>
+                </a:solidFill>
+                <a:latin typeface="Consolas" panose="020B0609020204030204" pitchFamily="49" charset="0"/>
+              </a:rPr>
+              <a:t>"ID2"</a:t>
+            </a:r>
+            <a:r>
+              <a:rPr lang="en-US" sz="700" dirty="0">
+                <a:latin typeface="Consolas" panose="020B0609020204030204" pitchFamily="49" charset="0"/>
+              </a:rPr>
+              <a:t>]]</a:t>
+            </a:r>
+            <a:br>
+              <a:rPr lang="en-US" sz="700" dirty="0">
+                <a:latin typeface="Consolas" panose="020B0609020204030204" pitchFamily="49" charset="0"/>
+              </a:rPr>
+            </a:br>
+            <a:br>
+              <a:rPr lang="en-US" sz="700" dirty="0">
+                <a:latin typeface="Consolas" panose="020B0609020204030204" pitchFamily="49" charset="0"/>
+              </a:rPr>
+            </a:br>
+            <a:r>
+              <a:rPr lang="en-US" sz="700" i="1" dirty="0">
+                <a:solidFill>
+                  <a:srgbClr val="808080"/>
+                </a:solidFill>
+                <a:latin typeface="Consolas" panose="020B0609020204030204" pitchFamily="49" charset="0"/>
+              </a:rPr>
+              <a:t># Create Radiating Lines Shapefile</a:t>
+            </a:r>
+            <a:br>
+              <a:rPr lang="en-US" sz="700" i="1" dirty="0">
+                <a:solidFill>
+                  <a:srgbClr val="808080"/>
+                </a:solidFill>
+                <a:latin typeface="Consolas" panose="020B0609020204030204" pitchFamily="49" charset="0"/>
+              </a:rPr>
+            </a:br>
+            <a:r>
+              <a:rPr lang="en-US" sz="700" dirty="0" err="1">
+                <a:latin typeface="Consolas" panose="020B0609020204030204" pitchFamily="49" charset="0"/>
+              </a:rPr>
+              <a:t>out_path</a:t>
+            </a:r>
+            <a:r>
+              <a:rPr lang="en-US" sz="700" dirty="0">
+                <a:latin typeface="Consolas" panose="020B0609020204030204" pitchFamily="49" charset="0"/>
+              </a:rPr>
+              <a:t> = </a:t>
+            </a:r>
+            <a:r>
+              <a:rPr lang="en-US" sz="700" dirty="0" err="1">
+                <a:latin typeface="Consolas" panose="020B0609020204030204" pitchFamily="49" charset="0"/>
+              </a:rPr>
+              <a:t>arcpy.env.workspace</a:t>
+            </a:r>
+            <a:br>
+              <a:rPr lang="en-US" sz="700" dirty="0">
+                <a:latin typeface="Consolas" panose="020B0609020204030204" pitchFamily="49" charset="0"/>
+              </a:rPr>
+            </a:br>
+            <a:r>
+              <a:rPr lang="en-US" sz="700" dirty="0" err="1">
+                <a:latin typeface="Consolas" panose="020B0609020204030204" pitchFamily="49" charset="0"/>
+              </a:rPr>
+              <a:t>out_name</a:t>
+            </a:r>
+            <a:r>
+              <a:rPr lang="en-US" sz="700" dirty="0">
+                <a:latin typeface="Consolas" panose="020B0609020204030204" pitchFamily="49" charset="0"/>
+              </a:rPr>
+              <a:t> = </a:t>
+            </a:r>
+            <a:r>
+              <a:rPr lang="en-US" sz="700" b="1" dirty="0">
+                <a:solidFill>
+                  <a:srgbClr val="008000"/>
+                </a:solidFill>
+                <a:latin typeface="Consolas" panose="020B0609020204030204" pitchFamily="49" charset="0"/>
+              </a:rPr>
+              <a:t>"</a:t>
+            </a:r>
+            <a:r>
+              <a:rPr lang="en-US" sz="700" b="1" dirty="0" err="1">
+                <a:solidFill>
+                  <a:srgbClr val="008000"/>
+                </a:solidFill>
+                <a:latin typeface="Consolas" panose="020B0609020204030204" pitchFamily="49" charset="0"/>
+              </a:rPr>
+              <a:t>radiating_line.shp</a:t>
+            </a:r>
+            <a:r>
+              <a:rPr lang="en-US" sz="700" b="1" dirty="0">
+                <a:solidFill>
+                  <a:srgbClr val="008000"/>
+                </a:solidFill>
+                <a:latin typeface="Consolas" panose="020B0609020204030204" pitchFamily="49" charset="0"/>
+              </a:rPr>
+              <a:t>"</a:t>
+            </a:r>
+            <a:br>
+              <a:rPr lang="en-US" sz="700" b="1" dirty="0">
+                <a:solidFill>
+                  <a:srgbClr val="008000"/>
+                </a:solidFill>
+                <a:latin typeface="Consolas" panose="020B0609020204030204" pitchFamily="49" charset="0"/>
+              </a:rPr>
+            </a:br>
+            <a:r>
+              <a:rPr lang="en-US" sz="700" dirty="0" err="1">
+                <a:latin typeface="Consolas" panose="020B0609020204030204" pitchFamily="49" charset="0"/>
+              </a:rPr>
+              <a:t>geometry_type</a:t>
+            </a:r>
+            <a:r>
+              <a:rPr lang="en-US" sz="700" dirty="0">
+                <a:latin typeface="Consolas" panose="020B0609020204030204" pitchFamily="49" charset="0"/>
+              </a:rPr>
+              <a:t> = </a:t>
+            </a:r>
+            <a:r>
+              <a:rPr lang="en-US" sz="700" b="1" dirty="0">
+                <a:solidFill>
+                  <a:srgbClr val="008000"/>
+                </a:solidFill>
+                <a:latin typeface="Consolas" panose="020B0609020204030204" pitchFamily="49" charset="0"/>
+              </a:rPr>
+              <a:t>"POLYLINE"</a:t>
+            </a:r>
+            <a:br>
+              <a:rPr lang="en-US" sz="700" b="1" dirty="0">
+                <a:solidFill>
+                  <a:srgbClr val="008000"/>
+                </a:solidFill>
+                <a:latin typeface="Consolas" panose="020B0609020204030204" pitchFamily="49" charset="0"/>
+              </a:rPr>
+            </a:br>
+            <a:r>
+              <a:rPr lang="en-US" sz="700" dirty="0">
+                <a:latin typeface="Consolas" panose="020B0609020204030204" pitchFamily="49" charset="0"/>
+              </a:rPr>
+              <a:t>template = </a:t>
+            </a:r>
+            <a:r>
+              <a:rPr lang="en-US" sz="700" b="1" dirty="0">
+                <a:solidFill>
+                  <a:srgbClr val="008000"/>
+                </a:solidFill>
+                <a:latin typeface="Consolas" panose="020B0609020204030204" pitchFamily="49" charset="0"/>
+              </a:rPr>
+              <a:t>"#"</a:t>
+            </a:r>
+            <a:br>
+              <a:rPr lang="en-US" sz="700" b="1" dirty="0">
+                <a:solidFill>
+                  <a:srgbClr val="008000"/>
+                </a:solidFill>
+                <a:latin typeface="Consolas" panose="020B0609020204030204" pitchFamily="49" charset="0"/>
+              </a:rPr>
+            </a:br>
+            <a:r>
+              <a:rPr lang="en-US" sz="700" dirty="0" err="1">
+                <a:latin typeface="Consolas" panose="020B0609020204030204" pitchFamily="49" charset="0"/>
+              </a:rPr>
+              <a:t>has_m</a:t>
+            </a:r>
+            <a:r>
+              <a:rPr lang="en-US" sz="700" dirty="0">
+                <a:latin typeface="Consolas" panose="020B0609020204030204" pitchFamily="49" charset="0"/>
+              </a:rPr>
+              <a:t> = </a:t>
+            </a:r>
+            <a:r>
+              <a:rPr lang="en-US" sz="700" b="1" dirty="0">
+                <a:solidFill>
+                  <a:srgbClr val="008000"/>
+                </a:solidFill>
+                <a:latin typeface="Consolas" panose="020B0609020204030204" pitchFamily="49" charset="0"/>
+              </a:rPr>
+              <a:t>"DISABLED"</a:t>
+            </a:r>
+            <a:br>
+              <a:rPr lang="en-US" sz="700" b="1" dirty="0">
+                <a:solidFill>
+                  <a:srgbClr val="008000"/>
+                </a:solidFill>
+                <a:latin typeface="Consolas" panose="020B0609020204030204" pitchFamily="49" charset="0"/>
+              </a:rPr>
+            </a:br>
+            <a:r>
+              <a:rPr lang="en-US" sz="700" dirty="0" err="1">
+                <a:latin typeface="Consolas" panose="020B0609020204030204" pitchFamily="49" charset="0"/>
+              </a:rPr>
+              <a:t>has_z</a:t>
+            </a:r>
+            <a:r>
+              <a:rPr lang="en-US" sz="700" dirty="0">
+                <a:latin typeface="Consolas" panose="020B0609020204030204" pitchFamily="49" charset="0"/>
+              </a:rPr>
+              <a:t> = </a:t>
+            </a:r>
+            <a:r>
+              <a:rPr lang="en-US" sz="700" b="1" dirty="0">
+                <a:solidFill>
+                  <a:srgbClr val="008000"/>
+                </a:solidFill>
+                <a:latin typeface="Consolas" panose="020B0609020204030204" pitchFamily="49" charset="0"/>
+              </a:rPr>
+              <a:t>"DISABLED"</a:t>
+            </a:r>
+            <a:br>
+              <a:rPr lang="en-US" sz="700" b="1" dirty="0">
+                <a:solidFill>
+                  <a:srgbClr val="008000"/>
+                </a:solidFill>
+                <a:latin typeface="Consolas" panose="020B0609020204030204" pitchFamily="49" charset="0"/>
+              </a:rPr>
+            </a:br>
+            <a:br>
+              <a:rPr lang="en-US" sz="700" b="1" dirty="0">
+                <a:solidFill>
+                  <a:srgbClr val="008000"/>
+                </a:solidFill>
+                <a:latin typeface="Consolas" panose="020B0609020204030204" pitchFamily="49" charset="0"/>
+              </a:rPr>
+            </a:br>
+            <a:r>
+              <a:rPr lang="en-US" sz="700" i="1" dirty="0">
+                <a:solidFill>
+                  <a:srgbClr val="808080"/>
+                </a:solidFill>
+                <a:latin typeface="Consolas" panose="020B0609020204030204" pitchFamily="49" charset="0"/>
+              </a:rPr>
+              <a:t># Should Use Describe to get a </a:t>
+            </a:r>
+            <a:r>
+              <a:rPr lang="en-US" sz="700" i="1" dirty="0" err="1">
+                <a:solidFill>
+                  <a:srgbClr val="808080"/>
+                </a:solidFill>
+                <a:latin typeface="Consolas" panose="020B0609020204030204" pitchFamily="49" charset="0"/>
+              </a:rPr>
+              <a:t>SpatialReference</a:t>
+            </a:r>
+            <a:r>
+              <a:rPr lang="en-US" sz="700" i="1" dirty="0">
+                <a:solidFill>
+                  <a:srgbClr val="808080"/>
+                </a:solidFill>
+                <a:latin typeface="Consolas" panose="020B0609020204030204" pitchFamily="49" charset="0"/>
+              </a:rPr>
+              <a:t> object from your input file</a:t>
+            </a:r>
+            <a:br>
+              <a:rPr lang="en-US" sz="700" i="1" dirty="0">
+                <a:solidFill>
+                  <a:srgbClr val="808080"/>
+                </a:solidFill>
+                <a:latin typeface="Consolas" panose="020B0609020204030204" pitchFamily="49" charset="0"/>
+              </a:rPr>
+            </a:br>
+            <a:r>
+              <a:rPr lang="en-US" sz="700" dirty="0" err="1">
+                <a:latin typeface="Consolas" panose="020B0609020204030204" pitchFamily="49" charset="0"/>
+              </a:rPr>
+              <a:t>spatial_ref</a:t>
+            </a:r>
+            <a:r>
+              <a:rPr lang="en-US" sz="700" dirty="0">
+                <a:latin typeface="Consolas" panose="020B0609020204030204" pitchFamily="49" charset="0"/>
+              </a:rPr>
+              <a:t> = </a:t>
+            </a:r>
+            <a:r>
+              <a:rPr lang="en-US" sz="700" dirty="0">
+                <a:solidFill>
+                  <a:srgbClr val="0000FF"/>
+                </a:solidFill>
+                <a:latin typeface="Consolas" panose="020B0609020204030204" pitchFamily="49" charset="0"/>
+              </a:rPr>
+              <a:t>4326</a:t>
+            </a:r>
+            <a:br>
+              <a:rPr lang="en-US" sz="700" dirty="0">
+                <a:solidFill>
+                  <a:srgbClr val="0000FF"/>
+                </a:solidFill>
+                <a:latin typeface="Consolas" panose="020B0609020204030204" pitchFamily="49" charset="0"/>
+              </a:rPr>
+            </a:br>
+            <a:r>
+              <a:rPr lang="en-US" sz="700" dirty="0" err="1">
+                <a:latin typeface="Consolas" panose="020B0609020204030204" pitchFamily="49" charset="0"/>
+              </a:rPr>
+              <a:t>arcpy.CreateFeatureclass_management</a:t>
+            </a:r>
+            <a:r>
+              <a:rPr lang="en-US" sz="700" dirty="0">
+                <a:latin typeface="Consolas" panose="020B0609020204030204" pitchFamily="49" charset="0"/>
+              </a:rPr>
+              <a:t>(</a:t>
+            </a:r>
+            <a:r>
+              <a:rPr lang="en-US" sz="700" dirty="0" err="1">
+                <a:latin typeface="Consolas" panose="020B0609020204030204" pitchFamily="49" charset="0"/>
+              </a:rPr>
+              <a:t>out_path</a:t>
+            </a:r>
+            <a:r>
+              <a:rPr lang="en-US" sz="700" dirty="0">
+                <a:latin typeface="Consolas" panose="020B0609020204030204" pitchFamily="49" charset="0"/>
+              </a:rPr>
+              <a:t>, </a:t>
+            </a:r>
+            <a:r>
+              <a:rPr lang="en-US" sz="700" dirty="0" err="1">
+                <a:latin typeface="Consolas" panose="020B0609020204030204" pitchFamily="49" charset="0"/>
+              </a:rPr>
+              <a:t>out_name</a:t>
+            </a:r>
+            <a:r>
+              <a:rPr lang="en-US" sz="700" dirty="0">
+                <a:latin typeface="Consolas" panose="020B0609020204030204" pitchFamily="49" charset="0"/>
+              </a:rPr>
+              <a:t>, </a:t>
+            </a:r>
+            <a:r>
+              <a:rPr lang="en-US" sz="700" dirty="0" err="1">
+                <a:latin typeface="Consolas" panose="020B0609020204030204" pitchFamily="49" charset="0"/>
+              </a:rPr>
+              <a:t>geometry_type</a:t>
+            </a:r>
+            <a:r>
+              <a:rPr lang="en-US" sz="700" dirty="0">
+                <a:latin typeface="Consolas" panose="020B0609020204030204" pitchFamily="49" charset="0"/>
+              </a:rPr>
+              <a:t>, template,</a:t>
+            </a:r>
+            <a:br>
+              <a:rPr lang="en-US" sz="700" dirty="0">
+                <a:latin typeface="Consolas" panose="020B0609020204030204" pitchFamily="49" charset="0"/>
+              </a:rPr>
+            </a:br>
+            <a:r>
+              <a:rPr lang="en-US" sz="700" dirty="0">
+                <a:latin typeface="Consolas" panose="020B0609020204030204" pitchFamily="49" charset="0"/>
+              </a:rPr>
+              <a:t>                                    </a:t>
+            </a:r>
+            <a:r>
+              <a:rPr lang="en-US" sz="700" dirty="0" err="1">
+                <a:latin typeface="Consolas" panose="020B0609020204030204" pitchFamily="49" charset="0"/>
+              </a:rPr>
+              <a:t>has_m</a:t>
+            </a:r>
+            <a:r>
+              <a:rPr lang="en-US" sz="700" dirty="0">
+                <a:latin typeface="Consolas" panose="020B0609020204030204" pitchFamily="49" charset="0"/>
+              </a:rPr>
+              <a:t>, </a:t>
+            </a:r>
+            <a:r>
+              <a:rPr lang="en-US" sz="700" dirty="0" err="1">
+                <a:latin typeface="Consolas" panose="020B0609020204030204" pitchFamily="49" charset="0"/>
+              </a:rPr>
+              <a:t>has_z</a:t>
+            </a:r>
+            <a:r>
+              <a:rPr lang="en-US" sz="700" dirty="0">
+                <a:latin typeface="Consolas" panose="020B0609020204030204" pitchFamily="49" charset="0"/>
+              </a:rPr>
+              <a:t>, </a:t>
+            </a:r>
+            <a:r>
+              <a:rPr lang="en-US" sz="700" dirty="0" err="1">
+                <a:latin typeface="Consolas" panose="020B0609020204030204" pitchFamily="49" charset="0"/>
+              </a:rPr>
+              <a:t>spatial_ref</a:t>
+            </a:r>
+            <a:r>
+              <a:rPr lang="en-US" sz="700" dirty="0">
+                <a:latin typeface="Consolas" panose="020B0609020204030204" pitchFamily="49" charset="0"/>
+              </a:rPr>
+              <a:t>)</a:t>
+            </a:r>
+            <a:br>
+              <a:rPr lang="en-US" sz="700" dirty="0">
+                <a:latin typeface="Consolas" panose="020B0609020204030204" pitchFamily="49" charset="0"/>
+              </a:rPr>
+            </a:br>
+            <a:r>
+              <a:rPr lang="en-US" sz="700" dirty="0" err="1">
+                <a:latin typeface="Consolas" panose="020B0609020204030204" pitchFamily="49" charset="0"/>
+              </a:rPr>
+              <a:t>arcpy.AddField_management</a:t>
+            </a:r>
+            <a:r>
+              <a:rPr lang="en-US" sz="700" dirty="0">
+                <a:latin typeface="Consolas" panose="020B0609020204030204" pitchFamily="49" charset="0"/>
+              </a:rPr>
+              <a:t>(</a:t>
+            </a:r>
+            <a:r>
+              <a:rPr lang="en-US" sz="700" dirty="0" err="1">
+                <a:latin typeface="Consolas" panose="020B0609020204030204" pitchFamily="49" charset="0"/>
+              </a:rPr>
+              <a:t>out_name</a:t>
+            </a:r>
+            <a:r>
+              <a:rPr lang="en-US" sz="700" dirty="0">
+                <a:latin typeface="Consolas" panose="020B0609020204030204" pitchFamily="49" charset="0"/>
+              </a:rPr>
+              <a:t>, </a:t>
+            </a:r>
+            <a:r>
+              <a:rPr lang="en-US" sz="700" b="1" dirty="0">
+                <a:solidFill>
+                  <a:srgbClr val="008000"/>
+                </a:solidFill>
+                <a:latin typeface="Consolas" panose="020B0609020204030204" pitchFamily="49" charset="0"/>
+              </a:rPr>
+              <a:t>"SITE_ID"</a:t>
+            </a:r>
+            <a:r>
+              <a:rPr lang="en-US" sz="700" dirty="0">
+                <a:latin typeface="Consolas" panose="020B0609020204030204" pitchFamily="49" charset="0"/>
+              </a:rPr>
+              <a:t>, </a:t>
+            </a:r>
+            <a:r>
+              <a:rPr lang="en-US" sz="700" b="1" dirty="0">
+                <a:solidFill>
+                  <a:srgbClr val="008000"/>
+                </a:solidFill>
+                <a:latin typeface="Consolas" panose="020B0609020204030204" pitchFamily="49" charset="0"/>
+              </a:rPr>
+              <a:t>"TEXT"</a:t>
+            </a:r>
+            <a:r>
+              <a:rPr lang="en-US" sz="700" dirty="0">
+                <a:latin typeface="Consolas" panose="020B0609020204030204" pitchFamily="49" charset="0"/>
+              </a:rPr>
+              <a:t>, </a:t>
+            </a:r>
+            <a:r>
+              <a:rPr lang="en-US" sz="700" dirty="0" err="1">
+                <a:solidFill>
+                  <a:srgbClr val="660099"/>
+                </a:solidFill>
+                <a:latin typeface="Consolas" panose="020B0609020204030204" pitchFamily="49" charset="0"/>
+              </a:rPr>
+              <a:t>field_length</a:t>
+            </a:r>
+            <a:r>
+              <a:rPr lang="en-US" sz="700" dirty="0">
+                <a:latin typeface="Consolas" panose="020B0609020204030204" pitchFamily="49" charset="0"/>
+              </a:rPr>
+              <a:t>=</a:t>
+            </a:r>
+            <a:r>
+              <a:rPr lang="en-US" sz="700" b="1" dirty="0">
+                <a:solidFill>
+                  <a:srgbClr val="008000"/>
+                </a:solidFill>
+                <a:latin typeface="Consolas" panose="020B0609020204030204" pitchFamily="49" charset="0"/>
+              </a:rPr>
+              <a:t>"5"</a:t>
+            </a:r>
+            <a:r>
+              <a:rPr lang="en-US" sz="700" dirty="0">
+                <a:latin typeface="Consolas" panose="020B0609020204030204" pitchFamily="49" charset="0"/>
+              </a:rPr>
+              <a:t>)</a:t>
+            </a:r>
+            <a:br>
+              <a:rPr lang="en-US" sz="700" dirty="0">
+                <a:latin typeface="Consolas" panose="020B0609020204030204" pitchFamily="49" charset="0"/>
+              </a:rPr>
+            </a:br>
+            <a:br>
+              <a:rPr lang="en-US" sz="700" dirty="0">
+                <a:latin typeface="Consolas" panose="020B0609020204030204" pitchFamily="49" charset="0"/>
+              </a:rPr>
+            </a:br>
+            <a:r>
+              <a:rPr lang="en-US" sz="700" dirty="0" err="1">
+                <a:latin typeface="Consolas" panose="020B0609020204030204" pitchFamily="49" charset="0"/>
+              </a:rPr>
+              <a:t>OutputFeature</a:t>
+            </a:r>
+            <a:r>
+              <a:rPr lang="en-US" sz="700" dirty="0">
+                <a:latin typeface="Consolas" panose="020B0609020204030204" pitchFamily="49" charset="0"/>
+              </a:rPr>
+              <a:t> = </a:t>
+            </a:r>
+            <a:r>
+              <a:rPr lang="en-US" sz="700" dirty="0" err="1">
+                <a:latin typeface="Consolas" panose="020B0609020204030204" pitchFamily="49" charset="0"/>
+              </a:rPr>
+              <a:t>os.path.join</a:t>
+            </a:r>
+            <a:r>
+              <a:rPr lang="en-US" sz="700" dirty="0">
+                <a:latin typeface="Consolas" panose="020B0609020204030204" pitchFamily="49" charset="0"/>
+              </a:rPr>
+              <a:t>(</a:t>
+            </a:r>
+            <a:r>
+              <a:rPr lang="en-US" sz="700" dirty="0" err="1">
+                <a:latin typeface="Consolas" panose="020B0609020204030204" pitchFamily="49" charset="0"/>
+              </a:rPr>
+              <a:t>out_path</a:t>
+            </a:r>
+            <a:r>
+              <a:rPr lang="en-US" sz="700" dirty="0">
+                <a:latin typeface="Consolas" panose="020B0609020204030204" pitchFamily="49" charset="0"/>
+              </a:rPr>
+              <a:t>, </a:t>
+            </a:r>
+            <a:r>
+              <a:rPr lang="en-US" sz="700" dirty="0" err="1">
+                <a:latin typeface="Consolas" panose="020B0609020204030204" pitchFamily="49" charset="0"/>
+              </a:rPr>
+              <a:t>out_name</a:t>
+            </a:r>
+            <a:r>
+              <a:rPr lang="en-US" sz="700" dirty="0">
+                <a:latin typeface="Consolas" panose="020B0609020204030204" pitchFamily="49" charset="0"/>
+              </a:rPr>
+              <a:t>)</a:t>
+            </a:r>
+            <a:br>
+              <a:rPr lang="en-US" sz="700" dirty="0">
+                <a:latin typeface="Consolas" panose="020B0609020204030204" pitchFamily="49" charset="0"/>
+              </a:rPr>
+            </a:br>
+            <a:br>
+              <a:rPr lang="en-US" sz="700" dirty="0">
+                <a:latin typeface="Consolas" panose="020B0609020204030204" pitchFamily="49" charset="0"/>
+              </a:rPr>
+            </a:br>
+            <a:r>
+              <a:rPr lang="en-US" sz="700" b="1" dirty="0">
+                <a:solidFill>
+                  <a:srgbClr val="000080"/>
+                </a:solidFill>
+                <a:latin typeface="Consolas" panose="020B0609020204030204" pitchFamily="49" charset="0"/>
+              </a:rPr>
+              <a:t>for </a:t>
+            </a:r>
+            <a:r>
+              <a:rPr lang="en-US" sz="700" dirty="0">
+                <a:latin typeface="Consolas" panose="020B0609020204030204" pitchFamily="49" charset="0"/>
+              </a:rPr>
+              <a:t>site </a:t>
+            </a:r>
+            <a:r>
+              <a:rPr lang="en-US" sz="700" b="1" dirty="0">
+                <a:solidFill>
+                  <a:srgbClr val="000080"/>
+                </a:solidFill>
+                <a:latin typeface="Consolas" panose="020B0609020204030204" pitchFamily="49" charset="0"/>
+              </a:rPr>
+              <a:t>in </a:t>
+            </a:r>
+            <a:r>
+              <a:rPr lang="en-US" sz="700" dirty="0" err="1">
+                <a:latin typeface="Consolas" panose="020B0609020204030204" pitchFamily="49" charset="0"/>
+              </a:rPr>
+              <a:t>site_locations</a:t>
+            </a:r>
+            <a:r>
+              <a:rPr lang="en-US" sz="700" dirty="0">
+                <a:latin typeface="Consolas" panose="020B0609020204030204" pitchFamily="49" charset="0"/>
+              </a:rPr>
+              <a:t>:</a:t>
+            </a:r>
+            <a:br>
+              <a:rPr lang="en-US" sz="700" dirty="0">
+                <a:latin typeface="Consolas" panose="020B0609020204030204" pitchFamily="49" charset="0"/>
+              </a:rPr>
+            </a:br>
+            <a:r>
+              <a:rPr lang="en-US" sz="700" dirty="0">
+                <a:latin typeface="Consolas" panose="020B0609020204030204" pitchFamily="49" charset="0"/>
+              </a:rPr>
+              <a:t>    </a:t>
+            </a:r>
+            <a:br>
+              <a:rPr lang="en-US" sz="700" dirty="0">
+                <a:latin typeface="Consolas" panose="020B0609020204030204" pitchFamily="49" charset="0"/>
+              </a:rPr>
+            </a:br>
+            <a:r>
+              <a:rPr lang="en-US" sz="700" dirty="0">
+                <a:latin typeface="Consolas" panose="020B0609020204030204" pitchFamily="49" charset="0"/>
+              </a:rPr>
+              <a:t>    </a:t>
+            </a:r>
+            <a:r>
+              <a:rPr lang="en-US" sz="700" dirty="0" err="1">
+                <a:latin typeface="Consolas" panose="020B0609020204030204" pitchFamily="49" charset="0"/>
+              </a:rPr>
+              <a:t>origin_x</a:t>
+            </a:r>
+            <a:r>
+              <a:rPr lang="en-US" sz="700" dirty="0">
+                <a:latin typeface="Consolas" panose="020B0609020204030204" pitchFamily="49" charset="0"/>
+              </a:rPr>
+              <a:t>, </a:t>
+            </a:r>
+            <a:r>
+              <a:rPr lang="en-US" sz="700" dirty="0" err="1">
+                <a:latin typeface="Consolas" panose="020B0609020204030204" pitchFamily="49" charset="0"/>
+              </a:rPr>
+              <a:t>origin_y</a:t>
+            </a:r>
+            <a:r>
+              <a:rPr lang="en-US" sz="700" dirty="0">
+                <a:latin typeface="Consolas" panose="020B0609020204030204" pitchFamily="49" charset="0"/>
+              </a:rPr>
+              <a:t> = site[</a:t>
+            </a:r>
+            <a:r>
+              <a:rPr lang="en-US" sz="700" dirty="0">
+                <a:solidFill>
+                  <a:srgbClr val="0000FF"/>
+                </a:solidFill>
+                <a:latin typeface="Consolas" panose="020B0609020204030204" pitchFamily="49" charset="0"/>
+              </a:rPr>
+              <a:t>0</a:t>
+            </a:r>
+            <a:r>
+              <a:rPr lang="en-US" sz="700" dirty="0">
+                <a:latin typeface="Consolas" panose="020B0609020204030204" pitchFamily="49" charset="0"/>
+              </a:rPr>
+              <a:t>][</a:t>
+            </a:r>
+            <a:r>
+              <a:rPr lang="en-US" sz="700" dirty="0">
+                <a:solidFill>
+                  <a:srgbClr val="0000FF"/>
+                </a:solidFill>
+                <a:latin typeface="Consolas" panose="020B0609020204030204" pitchFamily="49" charset="0"/>
+              </a:rPr>
+              <a:t>0</a:t>
+            </a:r>
+            <a:r>
+              <a:rPr lang="en-US" sz="700" dirty="0">
+                <a:latin typeface="Consolas" panose="020B0609020204030204" pitchFamily="49" charset="0"/>
+              </a:rPr>
+              <a:t>], site[</a:t>
+            </a:r>
+            <a:r>
+              <a:rPr lang="en-US" sz="700" dirty="0">
+                <a:solidFill>
+                  <a:srgbClr val="0000FF"/>
+                </a:solidFill>
+                <a:latin typeface="Consolas" panose="020B0609020204030204" pitchFamily="49" charset="0"/>
+              </a:rPr>
+              <a:t>0</a:t>
+            </a:r>
+            <a:r>
+              <a:rPr lang="en-US" sz="700" dirty="0">
+                <a:latin typeface="Consolas" panose="020B0609020204030204" pitchFamily="49" charset="0"/>
+              </a:rPr>
+              <a:t>][</a:t>
+            </a:r>
+            <a:r>
+              <a:rPr lang="en-US" sz="700" dirty="0">
+                <a:solidFill>
+                  <a:srgbClr val="0000FF"/>
+                </a:solidFill>
+                <a:latin typeface="Consolas" panose="020B0609020204030204" pitchFamily="49" charset="0"/>
+              </a:rPr>
+              <a:t>1</a:t>
+            </a:r>
+            <a:r>
+              <a:rPr lang="en-US" sz="700" dirty="0">
+                <a:latin typeface="Consolas" panose="020B0609020204030204" pitchFamily="49" charset="0"/>
+              </a:rPr>
+              <a:t>]</a:t>
+            </a:r>
+            <a:br>
+              <a:rPr lang="en-US" sz="700" dirty="0">
+                <a:latin typeface="Consolas" panose="020B0609020204030204" pitchFamily="49" charset="0"/>
+              </a:rPr>
+            </a:br>
+            <a:r>
+              <a:rPr lang="en-US" sz="700" dirty="0">
+                <a:latin typeface="Consolas" panose="020B0609020204030204" pitchFamily="49" charset="0"/>
+              </a:rPr>
+              <a:t>    distance = </a:t>
+            </a:r>
+            <a:r>
+              <a:rPr lang="en-US" sz="700" dirty="0">
+                <a:solidFill>
+                  <a:srgbClr val="0000FF"/>
+                </a:solidFill>
+                <a:latin typeface="Consolas" panose="020B0609020204030204" pitchFamily="49" charset="0"/>
+              </a:rPr>
+              <a:t>1</a:t>
+            </a:r>
+            <a:br>
+              <a:rPr lang="en-US" sz="700" dirty="0">
+                <a:solidFill>
+                  <a:srgbClr val="0000FF"/>
+                </a:solidFill>
+                <a:latin typeface="Consolas" panose="020B0609020204030204" pitchFamily="49" charset="0"/>
+              </a:rPr>
+            </a:br>
+            <a:r>
+              <a:rPr lang="en-US" sz="700" dirty="0">
+                <a:solidFill>
+                  <a:srgbClr val="0000FF"/>
+                </a:solidFill>
+                <a:latin typeface="Consolas" panose="020B0609020204030204" pitchFamily="49" charset="0"/>
+              </a:rPr>
+              <a:t>    </a:t>
+            </a:r>
+            <a:r>
+              <a:rPr lang="en-US" sz="700" dirty="0">
+                <a:latin typeface="Consolas" panose="020B0609020204030204" pitchFamily="49" charset="0"/>
+              </a:rPr>
+              <a:t>angle = </a:t>
+            </a:r>
+            <a:r>
+              <a:rPr lang="en-US" sz="700" dirty="0">
+                <a:solidFill>
+                  <a:srgbClr val="0000FF"/>
+                </a:solidFill>
+                <a:latin typeface="Consolas" panose="020B0609020204030204" pitchFamily="49" charset="0"/>
+              </a:rPr>
+              <a:t>10  </a:t>
+            </a:r>
+            <a:r>
+              <a:rPr lang="en-US" sz="700" i="1" dirty="0">
+                <a:solidFill>
+                  <a:srgbClr val="808080"/>
+                </a:solidFill>
+                <a:latin typeface="Consolas" panose="020B0609020204030204" pitchFamily="49" charset="0"/>
+              </a:rPr>
+              <a:t># in degrees</a:t>
+            </a:r>
+            <a:br>
+              <a:rPr lang="en-US" sz="700" i="1" dirty="0">
+                <a:solidFill>
+                  <a:srgbClr val="808080"/>
+                </a:solidFill>
+                <a:latin typeface="Consolas" panose="020B0609020204030204" pitchFamily="49" charset="0"/>
+              </a:rPr>
+            </a:br>
+            <a:r>
+              <a:rPr lang="en-US" sz="700" i="1" dirty="0">
+                <a:solidFill>
+                  <a:srgbClr val="808080"/>
+                </a:solidFill>
+                <a:latin typeface="Consolas" panose="020B0609020204030204" pitchFamily="49" charset="0"/>
+              </a:rPr>
+              <a:t>    </a:t>
+            </a:r>
+            <a:r>
+              <a:rPr lang="en-US" sz="700" dirty="0">
+                <a:latin typeface="Consolas" panose="020B0609020204030204" pitchFamily="49" charset="0"/>
+              </a:rPr>
+              <a:t>angles = </a:t>
+            </a:r>
+            <a:r>
+              <a:rPr lang="en-US" sz="700" dirty="0">
+                <a:solidFill>
+                  <a:srgbClr val="000080"/>
+                </a:solidFill>
+                <a:latin typeface="Consolas" panose="020B0609020204030204" pitchFamily="49" charset="0"/>
+              </a:rPr>
+              <a:t>range</a:t>
+            </a:r>
+            <a:r>
+              <a:rPr lang="en-US" sz="700" dirty="0">
+                <a:latin typeface="Consolas" panose="020B0609020204030204" pitchFamily="49" charset="0"/>
+              </a:rPr>
+              <a:t>(</a:t>
+            </a:r>
+            <a:r>
+              <a:rPr lang="en-US" sz="700" dirty="0">
+                <a:solidFill>
+                  <a:srgbClr val="0000FF"/>
+                </a:solidFill>
+                <a:latin typeface="Consolas" panose="020B0609020204030204" pitchFamily="49" charset="0"/>
+              </a:rPr>
+              <a:t>0</a:t>
+            </a:r>
+            <a:r>
+              <a:rPr lang="en-US" sz="700" dirty="0">
+                <a:latin typeface="Consolas" panose="020B0609020204030204" pitchFamily="49" charset="0"/>
+              </a:rPr>
+              <a:t>, </a:t>
+            </a:r>
+            <a:r>
+              <a:rPr lang="en-US" sz="700" dirty="0">
+                <a:solidFill>
+                  <a:srgbClr val="0000FF"/>
+                </a:solidFill>
+                <a:latin typeface="Consolas" panose="020B0609020204030204" pitchFamily="49" charset="0"/>
+              </a:rPr>
+              <a:t>360</a:t>
+            </a:r>
+            <a:r>
+              <a:rPr lang="en-US" sz="700" dirty="0">
+                <a:latin typeface="Consolas" panose="020B0609020204030204" pitchFamily="49" charset="0"/>
+              </a:rPr>
+              <a:t>,angle)</a:t>
+            </a:r>
+            <a:br>
+              <a:rPr lang="en-US" sz="700" dirty="0">
+                <a:latin typeface="Consolas" panose="020B0609020204030204" pitchFamily="49" charset="0"/>
+              </a:rPr>
+            </a:br>
+            <a:r>
+              <a:rPr lang="en-US" sz="700" dirty="0">
+                <a:latin typeface="Consolas" panose="020B0609020204030204" pitchFamily="49" charset="0"/>
+              </a:rPr>
+              <a:t>    </a:t>
+            </a:r>
+            <a:r>
+              <a:rPr lang="en-US" sz="700" b="1" dirty="0">
+                <a:solidFill>
+                  <a:srgbClr val="000080"/>
+                </a:solidFill>
+                <a:latin typeface="Consolas" panose="020B0609020204030204" pitchFamily="49" charset="0"/>
+              </a:rPr>
+              <a:t>for </a:t>
+            </a:r>
+            <a:r>
+              <a:rPr lang="en-US" sz="700" dirty="0">
+                <a:latin typeface="Consolas" panose="020B0609020204030204" pitchFamily="49" charset="0"/>
+              </a:rPr>
+              <a:t>ang </a:t>
+            </a:r>
+            <a:r>
+              <a:rPr lang="en-US" sz="700" b="1" dirty="0">
+                <a:solidFill>
+                  <a:srgbClr val="000080"/>
+                </a:solidFill>
+                <a:latin typeface="Consolas" panose="020B0609020204030204" pitchFamily="49" charset="0"/>
+              </a:rPr>
+              <a:t>in </a:t>
+            </a:r>
+            <a:r>
+              <a:rPr lang="en-US" sz="700" dirty="0">
+                <a:latin typeface="Consolas" panose="020B0609020204030204" pitchFamily="49" charset="0"/>
+              </a:rPr>
+              <a:t>angles:</a:t>
+            </a:r>
+            <a:br>
+              <a:rPr lang="en-US" sz="700" dirty="0">
+                <a:latin typeface="Consolas" panose="020B0609020204030204" pitchFamily="49" charset="0"/>
+              </a:rPr>
+            </a:br>
+            <a:r>
+              <a:rPr lang="en-US" sz="700" dirty="0">
+                <a:latin typeface="Consolas" panose="020B0609020204030204" pitchFamily="49" charset="0"/>
+              </a:rPr>
+              <a:t>        </a:t>
+            </a:r>
+            <a:r>
+              <a:rPr lang="en-US" sz="700" i="1" dirty="0">
+                <a:solidFill>
+                  <a:srgbClr val="808080"/>
+                </a:solidFill>
+                <a:latin typeface="Consolas" panose="020B0609020204030204" pitchFamily="49" charset="0"/>
+              </a:rPr>
+              <a:t># calculate offsets with  trig</a:t>
+            </a:r>
+            <a:br>
+              <a:rPr lang="en-US" sz="700" i="1" dirty="0">
+                <a:solidFill>
+                  <a:srgbClr val="808080"/>
+                </a:solidFill>
+                <a:latin typeface="Consolas" panose="020B0609020204030204" pitchFamily="49" charset="0"/>
+              </a:rPr>
+            </a:br>
+            <a:r>
+              <a:rPr lang="en-US" sz="700" i="1" dirty="0">
+                <a:solidFill>
+                  <a:srgbClr val="808080"/>
+                </a:solidFill>
+                <a:latin typeface="Consolas" panose="020B0609020204030204" pitchFamily="49" charset="0"/>
+              </a:rPr>
+              <a:t>        </a:t>
+            </a:r>
+            <a:r>
+              <a:rPr lang="en-US" sz="700" dirty="0">
+                <a:latin typeface="Consolas" panose="020B0609020204030204" pitchFamily="49" charset="0"/>
+              </a:rPr>
+              <a:t>angle = </a:t>
+            </a:r>
+            <a:r>
+              <a:rPr lang="en-US" sz="700" dirty="0">
+                <a:solidFill>
+                  <a:srgbClr val="000080"/>
+                </a:solidFill>
+                <a:latin typeface="Consolas" panose="020B0609020204030204" pitchFamily="49" charset="0"/>
+              </a:rPr>
+              <a:t>float</a:t>
+            </a:r>
+            <a:r>
+              <a:rPr lang="en-US" sz="700" dirty="0">
+                <a:latin typeface="Consolas" panose="020B0609020204030204" pitchFamily="49" charset="0"/>
+              </a:rPr>
+              <a:t>(</a:t>
+            </a:r>
+            <a:r>
+              <a:rPr lang="en-US" sz="700" dirty="0">
+                <a:solidFill>
+                  <a:srgbClr val="000080"/>
+                </a:solidFill>
+                <a:latin typeface="Consolas" panose="020B0609020204030204" pitchFamily="49" charset="0"/>
+              </a:rPr>
+              <a:t>int</a:t>
+            </a:r>
+            <a:r>
+              <a:rPr lang="en-US" sz="700" dirty="0">
+                <a:latin typeface="Consolas" panose="020B0609020204030204" pitchFamily="49" charset="0"/>
+              </a:rPr>
+              <a:t>(ang))</a:t>
+            </a:r>
+            <a:br>
+              <a:rPr lang="en-US" sz="700" dirty="0">
+                <a:latin typeface="Consolas" panose="020B0609020204030204" pitchFamily="49" charset="0"/>
+              </a:rPr>
+            </a:br>
+            <a:r>
+              <a:rPr lang="en-US" sz="700" dirty="0">
+                <a:latin typeface="Consolas" panose="020B0609020204030204" pitchFamily="49" charset="0"/>
+              </a:rPr>
+              <a:t>        (</a:t>
+            </a:r>
+            <a:r>
+              <a:rPr lang="en-US" sz="700" dirty="0" err="1">
+                <a:latin typeface="Consolas" panose="020B0609020204030204" pitchFamily="49" charset="0"/>
+              </a:rPr>
+              <a:t>disp_x</a:t>
+            </a:r>
+            <a:r>
+              <a:rPr lang="en-US" sz="700" dirty="0">
+                <a:latin typeface="Consolas" panose="020B0609020204030204" pitchFamily="49" charset="0"/>
+              </a:rPr>
+              <a:t>, </a:t>
+            </a:r>
+            <a:r>
+              <a:rPr lang="en-US" sz="700" dirty="0" err="1">
+                <a:latin typeface="Consolas" panose="020B0609020204030204" pitchFamily="49" charset="0"/>
+              </a:rPr>
+              <a:t>disp_y</a:t>
+            </a:r>
+            <a:r>
+              <a:rPr lang="en-US" sz="700" dirty="0">
+                <a:latin typeface="Consolas" panose="020B0609020204030204" pitchFamily="49" charset="0"/>
+              </a:rPr>
+              <a:t>) = (distance * sin(radians(angle)), distance * cos(radians(angle)))</a:t>
+            </a:r>
+            <a:br>
+              <a:rPr lang="en-US" sz="700" dirty="0">
+                <a:latin typeface="Consolas" panose="020B0609020204030204" pitchFamily="49" charset="0"/>
+              </a:rPr>
+            </a:br>
+            <a:r>
+              <a:rPr lang="en-US" sz="700" dirty="0">
+                <a:latin typeface="Consolas" panose="020B0609020204030204" pitchFamily="49" charset="0"/>
+              </a:rPr>
+              <a:t>        (</a:t>
+            </a:r>
+            <a:r>
+              <a:rPr lang="en-US" sz="700" dirty="0" err="1">
+                <a:latin typeface="Consolas" panose="020B0609020204030204" pitchFamily="49" charset="0"/>
+              </a:rPr>
+              <a:t>end_x</a:t>
+            </a:r>
+            <a:r>
+              <a:rPr lang="en-US" sz="700" dirty="0">
+                <a:latin typeface="Consolas" panose="020B0609020204030204" pitchFamily="49" charset="0"/>
+              </a:rPr>
+              <a:t>, </a:t>
+            </a:r>
+            <a:r>
+              <a:rPr lang="en-US" sz="700" dirty="0" err="1">
+                <a:latin typeface="Consolas" panose="020B0609020204030204" pitchFamily="49" charset="0"/>
+              </a:rPr>
+              <a:t>end_y</a:t>
+            </a:r>
+            <a:r>
+              <a:rPr lang="en-US" sz="700" dirty="0">
+                <a:latin typeface="Consolas" panose="020B0609020204030204" pitchFamily="49" charset="0"/>
+              </a:rPr>
+              <a:t>) = (</a:t>
+            </a:r>
+            <a:r>
+              <a:rPr lang="en-US" sz="700" dirty="0" err="1">
+                <a:latin typeface="Consolas" panose="020B0609020204030204" pitchFamily="49" charset="0"/>
+              </a:rPr>
+              <a:t>origin_x</a:t>
+            </a:r>
+            <a:r>
+              <a:rPr lang="en-US" sz="700" dirty="0">
+                <a:latin typeface="Consolas" panose="020B0609020204030204" pitchFamily="49" charset="0"/>
+              </a:rPr>
+              <a:t> + </a:t>
+            </a:r>
+            <a:r>
+              <a:rPr lang="en-US" sz="700" dirty="0" err="1">
+                <a:latin typeface="Consolas" panose="020B0609020204030204" pitchFamily="49" charset="0"/>
+              </a:rPr>
+              <a:t>disp_x</a:t>
+            </a:r>
+            <a:r>
+              <a:rPr lang="en-US" sz="700" dirty="0">
+                <a:latin typeface="Consolas" panose="020B0609020204030204" pitchFamily="49" charset="0"/>
+              </a:rPr>
+              <a:t>, </a:t>
+            </a:r>
+            <a:r>
+              <a:rPr lang="en-US" sz="700" dirty="0" err="1">
+                <a:latin typeface="Consolas" panose="020B0609020204030204" pitchFamily="49" charset="0"/>
+              </a:rPr>
+              <a:t>origin_y</a:t>
+            </a:r>
+            <a:r>
+              <a:rPr lang="en-US" sz="700" dirty="0">
+                <a:latin typeface="Consolas" panose="020B0609020204030204" pitchFamily="49" charset="0"/>
+              </a:rPr>
+              <a:t> + </a:t>
+            </a:r>
+            <a:r>
+              <a:rPr lang="en-US" sz="700" dirty="0" err="1">
+                <a:latin typeface="Consolas" panose="020B0609020204030204" pitchFamily="49" charset="0"/>
+              </a:rPr>
+              <a:t>disp_y</a:t>
+            </a:r>
+            <a:r>
+              <a:rPr lang="en-US" sz="700" dirty="0">
+                <a:latin typeface="Consolas" panose="020B0609020204030204" pitchFamily="49" charset="0"/>
+              </a:rPr>
+              <a:t>)</a:t>
+            </a:r>
+            <a:br>
+              <a:rPr lang="en-US" sz="700" dirty="0">
+                <a:latin typeface="Consolas" panose="020B0609020204030204" pitchFamily="49" charset="0"/>
+              </a:rPr>
+            </a:br>
+            <a:r>
+              <a:rPr lang="en-US" sz="700" dirty="0">
+                <a:latin typeface="Consolas" panose="020B0609020204030204" pitchFamily="49" charset="0"/>
+              </a:rPr>
+              <a:t>        (end2_x, end2_y) = (</a:t>
+            </a:r>
+            <a:r>
+              <a:rPr lang="en-US" sz="700" dirty="0" err="1">
+                <a:latin typeface="Consolas" panose="020B0609020204030204" pitchFamily="49" charset="0"/>
+              </a:rPr>
+              <a:t>origin_x</a:t>
+            </a:r>
+            <a:r>
+              <a:rPr lang="en-US" sz="700" dirty="0">
+                <a:latin typeface="Consolas" panose="020B0609020204030204" pitchFamily="49" charset="0"/>
+              </a:rPr>
+              <a:t> + </a:t>
+            </a:r>
+            <a:r>
+              <a:rPr lang="en-US" sz="700" dirty="0" err="1">
+                <a:latin typeface="Consolas" panose="020B0609020204030204" pitchFamily="49" charset="0"/>
+              </a:rPr>
+              <a:t>disp_x</a:t>
+            </a:r>
+            <a:r>
+              <a:rPr lang="en-US" sz="700" dirty="0">
+                <a:latin typeface="Consolas" panose="020B0609020204030204" pitchFamily="49" charset="0"/>
+              </a:rPr>
+              <a:t>, </a:t>
+            </a:r>
+            <a:r>
+              <a:rPr lang="en-US" sz="700" dirty="0" err="1">
+                <a:latin typeface="Consolas" panose="020B0609020204030204" pitchFamily="49" charset="0"/>
+              </a:rPr>
+              <a:t>origin_y</a:t>
+            </a:r>
+            <a:r>
+              <a:rPr lang="en-US" sz="700" dirty="0">
+                <a:latin typeface="Consolas" panose="020B0609020204030204" pitchFamily="49" charset="0"/>
+              </a:rPr>
+              <a:t> + </a:t>
+            </a:r>
+            <a:r>
+              <a:rPr lang="en-US" sz="700" dirty="0" err="1">
+                <a:latin typeface="Consolas" panose="020B0609020204030204" pitchFamily="49" charset="0"/>
+              </a:rPr>
+              <a:t>disp_y</a:t>
+            </a:r>
+            <a:r>
+              <a:rPr lang="en-US" sz="700" dirty="0">
+                <a:latin typeface="Consolas" panose="020B0609020204030204" pitchFamily="49" charset="0"/>
+              </a:rPr>
+              <a:t>)</a:t>
+            </a:r>
+            <a:br>
+              <a:rPr lang="en-US" sz="700" dirty="0">
+                <a:latin typeface="Consolas" panose="020B0609020204030204" pitchFamily="49" charset="0"/>
+              </a:rPr>
+            </a:br>
+            <a:r>
+              <a:rPr lang="en-US" sz="700" dirty="0">
+                <a:latin typeface="Consolas" panose="020B0609020204030204" pitchFamily="49" charset="0"/>
+              </a:rPr>
+              <a:t>        </a:t>
+            </a:r>
+            <a:br>
+              <a:rPr lang="en-US" sz="700" dirty="0">
+                <a:latin typeface="Consolas" panose="020B0609020204030204" pitchFamily="49" charset="0"/>
+              </a:rPr>
+            </a:br>
+            <a:r>
+              <a:rPr lang="en-US" sz="700" dirty="0">
+                <a:latin typeface="Consolas" panose="020B0609020204030204" pitchFamily="49" charset="0"/>
+              </a:rPr>
+              <a:t>        </a:t>
+            </a:r>
+            <a:r>
+              <a:rPr lang="en-US" sz="700" i="1" dirty="0">
+                <a:solidFill>
+                  <a:srgbClr val="808080"/>
+                </a:solidFill>
+                <a:latin typeface="Consolas" panose="020B0609020204030204" pitchFamily="49" charset="0"/>
+              </a:rPr>
+              <a:t># Draw Line</a:t>
+            </a:r>
+            <a:br>
+              <a:rPr lang="en-US" sz="700" i="1" dirty="0">
+                <a:solidFill>
+                  <a:srgbClr val="808080"/>
+                </a:solidFill>
+                <a:latin typeface="Consolas" panose="020B0609020204030204" pitchFamily="49" charset="0"/>
+              </a:rPr>
+            </a:br>
+            <a:r>
+              <a:rPr lang="en-US" sz="700" i="1" dirty="0">
+                <a:solidFill>
+                  <a:srgbClr val="808080"/>
+                </a:solidFill>
+                <a:latin typeface="Consolas" panose="020B0609020204030204" pitchFamily="49" charset="0"/>
+              </a:rPr>
+              <a:t>        </a:t>
+            </a:r>
+            <a:r>
+              <a:rPr lang="en-US" sz="700" dirty="0" err="1">
+                <a:latin typeface="Consolas" panose="020B0609020204030204" pitchFamily="49" charset="0"/>
+              </a:rPr>
+              <a:t>lineArray</a:t>
+            </a:r>
+            <a:r>
+              <a:rPr lang="en-US" sz="700" dirty="0">
+                <a:latin typeface="Consolas" panose="020B0609020204030204" pitchFamily="49" charset="0"/>
+              </a:rPr>
+              <a:t> = </a:t>
+            </a:r>
+            <a:r>
+              <a:rPr lang="en-US" sz="700" dirty="0" err="1">
+                <a:latin typeface="Consolas" panose="020B0609020204030204" pitchFamily="49" charset="0"/>
+              </a:rPr>
+              <a:t>arcpy.Array</a:t>
+            </a:r>
+            <a:r>
+              <a:rPr lang="en-US" sz="700" dirty="0">
+                <a:latin typeface="Consolas" panose="020B0609020204030204" pitchFamily="49" charset="0"/>
+              </a:rPr>
+              <a:t>()</a:t>
+            </a:r>
+            <a:br>
+              <a:rPr lang="en-US" sz="700" dirty="0">
+                <a:latin typeface="Consolas" panose="020B0609020204030204" pitchFamily="49" charset="0"/>
+              </a:rPr>
+            </a:br>
+            <a:r>
+              <a:rPr lang="en-US" sz="700" dirty="0">
+                <a:latin typeface="Consolas" panose="020B0609020204030204" pitchFamily="49" charset="0"/>
+              </a:rPr>
+              <a:t>        start = </a:t>
+            </a:r>
+            <a:r>
+              <a:rPr lang="en-US" sz="700" dirty="0" err="1">
+                <a:latin typeface="Consolas" panose="020B0609020204030204" pitchFamily="49" charset="0"/>
+              </a:rPr>
+              <a:t>arcpy.Point</a:t>
+            </a:r>
+            <a:r>
+              <a:rPr lang="en-US" sz="700" dirty="0">
+                <a:latin typeface="Consolas" panose="020B0609020204030204" pitchFamily="49" charset="0"/>
+              </a:rPr>
+              <a:t>()</a:t>
+            </a:r>
+            <a:br>
+              <a:rPr lang="en-US" sz="700" dirty="0">
+                <a:latin typeface="Consolas" panose="020B0609020204030204" pitchFamily="49" charset="0"/>
+              </a:rPr>
+            </a:br>
+            <a:r>
+              <a:rPr lang="en-US" sz="700" dirty="0">
+                <a:latin typeface="Consolas" panose="020B0609020204030204" pitchFamily="49" charset="0"/>
+              </a:rPr>
+              <a:t>        (</a:t>
+            </a:r>
+            <a:r>
+              <a:rPr lang="en-US" sz="700" dirty="0" err="1">
+                <a:latin typeface="Consolas" panose="020B0609020204030204" pitchFamily="49" charset="0"/>
+              </a:rPr>
+              <a:t>start.ID</a:t>
+            </a:r>
+            <a:r>
+              <a:rPr lang="en-US" sz="700" dirty="0">
+                <a:latin typeface="Consolas" panose="020B0609020204030204" pitchFamily="49" charset="0"/>
+              </a:rPr>
+              <a:t>, </a:t>
+            </a:r>
+            <a:r>
+              <a:rPr lang="en-US" sz="700" dirty="0" err="1">
+                <a:latin typeface="Consolas" panose="020B0609020204030204" pitchFamily="49" charset="0"/>
+              </a:rPr>
+              <a:t>start.X</a:t>
+            </a:r>
+            <a:r>
+              <a:rPr lang="en-US" sz="700" dirty="0">
+                <a:latin typeface="Consolas" panose="020B0609020204030204" pitchFamily="49" charset="0"/>
+              </a:rPr>
+              <a:t>, </a:t>
+            </a:r>
+            <a:r>
+              <a:rPr lang="en-US" sz="700" dirty="0" err="1">
+                <a:latin typeface="Consolas" panose="020B0609020204030204" pitchFamily="49" charset="0"/>
+              </a:rPr>
+              <a:t>start.Y</a:t>
+            </a:r>
+            <a:r>
+              <a:rPr lang="en-US" sz="700" dirty="0">
+                <a:latin typeface="Consolas" panose="020B0609020204030204" pitchFamily="49" charset="0"/>
+              </a:rPr>
+              <a:t>) = (</a:t>
+            </a:r>
+            <a:r>
+              <a:rPr lang="en-US" sz="700" dirty="0">
+                <a:solidFill>
+                  <a:srgbClr val="0000FF"/>
+                </a:solidFill>
+                <a:latin typeface="Consolas" panose="020B0609020204030204" pitchFamily="49" charset="0"/>
+              </a:rPr>
+              <a:t>1</a:t>
+            </a:r>
+            <a:r>
+              <a:rPr lang="en-US" sz="700" dirty="0">
+                <a:latin typeface="Consolas" panose="020B0609020204030204" pitchFamily="49" charset="0"/>
+              </a:rPr>
+              <a:t>, </a:t>
+            </a:r>
+            <a:r>
+              <a:rPr lang="en-US" sz="700" dirty="0" err="1">
+                <a:latin typeface="Consolas" panose="020B0609020204030204" pitchFamily="49" charset="0"/>
+              </a:rPr>
+              <a:t>origin_x</a:t>
+            </a:r>
+            <a:r>
+              <a:rPr lang="en-US" sz="700" dirty="0">
+                <a:latin typeface="Consolas" panose="020B0609020204030204" pitchFamily="49" charset="0"/>
+              </a:rPr>
+              <a:t>, </a:t>
+            </a:r>
+            <a:r>
+              <a:rPr lang="en-US" sz="700" dirty="0" err="1">
+                <a:latin typeface="Consolas" panose="020B0609020204030204" pitchFamily="49" charset="0"/>
+              </a:rPr>
+              <a:t>origin_y</a:t>
+            </a:r>
+            <a:r>
+              <a:rPr lang="en-US" sz="700" dirty="0">
+                <a:latin typeface="Consolas" panose="020B0609020204030204" pitchFamily="49" charset="0"/>
+              </a:rPr>
+              <a:t>)</a:t>
+            </a:r>
+            <a:br>
+              <a:rPr lang="en-US" sz="700" dirty="0">
+                <a:latin typeface="Consolas" panose="020B0609020204030204" pitchFamily="49" charset="0"/>
+              </a:rPr>
+            </a:br>
+            <a:r>
+              <a:rPr lang="en-US" sz="700" dirty="0">
+                <a:latin typeface="Consolas" panose="020B0609020204030204" pitchFamily="49" charset="0"/>
+              </a:rPr>
+              <a:t>        </a:t>
+            </a:r>
+            <a:r>
+              <a:rPr lang="en-US" sz="700" dirty="0" err="1">
+                <a:latin typeface="Consolas" panose="020B0609020204030204" pitchFamily="49" charset="0"/>
+              </a:rPr>
+              <a:t>lineArray.add</a:t>
+            </a:r>
+            <a:r>
+              <a:rPr lang="en-US" sz="700" dirty="0">
+                <a:latin typeface="Consolas" panose="020B0609020204030204" pitchFamily="49" charset="0"/>
+              </a:rPr>
+              <a:t>(start)</a:t>
+            </a:r>
+            <a:br>
+              <a:rPr lang="en-US" sz="700" dirty="0">
+                <a:latin typeface="Consolas" panose="020B0609020204030204" pitchFamily="49" charset="0"/>
+              </a:rPr>
+            </a:br>
+            <a:r>
+              <a:rPr lang="en-US" sz="700" dirty="0">
+                <a:latin typeface="Consolas" panose="020B0609020204030204" pitchFamily="49" charset="0"/>
+              </a:rPr>
+              <a:t>        end = </a:t>
+            </a:r>
+            <a:r>
+              <a:rPr lang="en-US" sz="700" dirty="0" err="1">
+                <a:latin typeface="Consolas" panose="020B0609020204030204" pitchFamily="49" charset="0"/>
+              </a:rPr>
+              <a:t>arcpy.Point</a:t>
+            </a:r>
+            <a:r>
+              <a:rPr lang="en-US" sz="700" dirty="0">
+                <a:latin typeface="Consolas" panose="020B0609020204030204" pitchFamily="49" charset="0"/>
+              </a:rPr>
+              <a:t>()</a:t>
+            </a:r>
+            <a:br>
+              <a:rPr lang="en-US" sz="700" dirty="0">
+                <a:latin typeface="Consolas" panose="020B0609020204030204" pitchFamily="49" charset="0"/>
+              </a:rPr>
+            </a:br>
+            <a:r>
+              <a:rPr lang="en-US" sz="700" dirty="0">
+                <a:latin typeface="Consolas" panose="020B0609020204030204" pitchFamily="49" charset="0"/>
+              </a:rPr>
+              <a:t>        (</a:t>
+            </a:r>
+            <a:r>
+              <a:rPr lang="en-US" sz="700" dirty="0" err="1">
+                <a:latin typeface="Consolas" panose="020B0609020204030204" pitchFamily="49" charset="0"/>
+              </a:rPr>
+              <a:t>end.ID</a:t>
+            </a:r>
+            <a:r>
+              <a:rPr lang="en-US" sz="700" dirty="0">
+                <a:latin typeface="Consolas" panose="020B0609020204030204" pitchFamily="49" charset="0"/>
+              </a:rPr>
+              <a:t>, </a:t>
+            </a:r>
+            <a:r>
+              <a:rPr lang="en-US" sz="700" dirty="0" err="1">
+                <a:latin typeface="Consolas" panose="020B0609020204030204" pitchFamily="49" charset="0"/>
+              </a:rPr>
+              <a:t>end.X</a:t>
+            </a:r>
+            <a:r>
+              <a:rPr lang="en-US" sz="700" dirty="0">
+                <a:latin typeface="Consolas" panose="020B0609020204030204" pitchFamily="49" charset="0"/>
+              </a:rPr>
+              <a:t>, </a:t>
+            </a:r>
+            <a:r>
+              <a:rPr lang="en-US" sz="700" dirty="0" err="1">
+                <a:latin typeface="Consolas" panose="020B0609020204030204" pitchFamily="49" charset="0"/>
+              </a:rPr>
+              <a:t>end.Y</a:t>
+            </a:r>
+            <a:r>
+              <a:rPr lang="en-US" sz="700" dirty="0">
+                <a:latin typeface="Consolas" panose="020B0609020204030204" pitchFamily="49" charset="0"/>
+              </a:rPr>
+              <a:t>) = (</a:t>
+            </a:r>
+            <a:r>
+              <a:rPr lang="en-US" sz="700" dirty="0">
+                <a:solidFill>
+                  <a:srgbClr val="0000FF"/>
+                </a:solidFill>
+                <a:latin typeface="Consolas" panose="020B0609020204030204" pitchFamily="49" charset="0"/>
+              </a:rPr>
+              <a:t>2</a:t>
+            </a:r>
+            <a:r>
+              <a:rPr lang="en-US" sz="700" dirty="0">
+                <a:latin typeface="Consolas" panose="020B0609020204030204" pitchFamily="49" charset="0"/>
+              </a:rPr>
+              <a:t>, </a:t>
+            </a:r>
+            <a:r>
+              <a:rPr lang="en-US" sz="700" dirty="0" err="1">
+                <a:latin typeface="Consolas" panose="020B0609020204030204" pitchFamily="49" charset="0"/>
+              </a:rPr>
+              <a:t>end_x</a:t>
+            </a:r>
+            <a:r>
+              <a:rPr lang="en-US" sz="700" dirty="0">
+                <a:latin typeface="Consolas" panose="020B0609020204030204" pitchFamily="49" charset="0"/>
+              </a:rPr>
+              <a:t>, </a:t>
+            </a:r>
+            <a:r>
+              <a:rPr lang="en-US" sz="700" dirty="0" err="1">
+                <a:latin typeface="Consolas" panose="020B0609020204030204" pitchFamily="49" charset="0"/>
+              </a:rPr>
+              <a:t>end_y</a:t>
+            </a:r>
+            <a:r>
+              <a:rPr lang="en-US" sz="700" dirty="0">
+                <a:latin typeface="Consolas" panose="020B0609020204030204" pitchFamily="49" charset="0"/>
+              </a:rPr>
+              <a:t>)</a:t>
+            </a:r>
+            <a:br>
+              <a:rPr lang="en-US" sz="700" dirty="0">
+                <a:latin typeface="Consolas" panose="020B0609020204030204" pitchFamily="49" charset="0"/>
+              </a:rPr>
+            </a:br>
+            <a:r>
+              <a:rPr lang="en-US" sz="700" dirty="0">
+                <a:latin typeface="Consolas" panose="020B0609020204030204" pitchFamily="49" charset="0"/>
+              </a:rPr>
+              <a:t>        </a:t>
+            </a:r>
+            <a:r>
+              <a:rPr lang="en-US" sz="700" dirty="0" err="1">
+                <a:latin typeface="Consolas" panose="020B0609020204030204" pitchFamily="49" charset="0"/>
+              </a:rPr>
+              <a:t>lineArray.add</a:t>
+            </a:r>
+            <a:r>
+              <a:rPr lang="en-US" sz="700" dirty="0">
+                <a:latin typeface="Consolas" panose="020B0609020204030204" pitchFamily="49" charset="0"/>
+              </a:rPr>
+              <a:t>(end)</a:t>
+            </a:r>
+            <a:br>
+              <a:rPr lang="en-US" sz="700" dirty="0">
+                <a:latin typeface="Consolas" panose="020B0609020204030204" pitchFamily="49" charset="0"/>
+              </a:rPr>
+            </a:br>
+            <a:r>
+              <a:rPr lang="en-US" sz="700" dirty="0">
+                <a:latin typeface="Consolas" panose="020B0609020204030204" pitchFamily="49" charset="0"/>
+              </a:rPr>
+              <a:t>        line = </a:t>
+            </a:r>
+            <a:r>
+              <a:rPr lang="en-US" sz="700" dirty="0" err="1">
+                <a:latin typeface="Consolas" panose="020B0609020204030204" pitchFamily="49" charset="0"/>
+              </a:rPr>
+              <a:t>arcpy.Polyline</a:t>
+            </a:r>
+            <a:r>
+              <a:rPr lang="en-US" sz="700" dirty="0">
+                <a:latin typeface="Consolas" panose="020B0609020204030204" pitchFamily="49" charset="0"/>
+              </a:rPr>
+              <a:t>(</a:t>
+            </a:r>
+            <a:r>
+              <a:rPr lang="en-US" sz="700" dirty="0" err="1">
+                <a:latin typeface="Consolas" panose="020B0609020204030204" pitchFamily="49" charset="0"/>
+              </a:rPr>
+              <a:t>lineArray</a:t>
+            </a:r>
+            <a:r>
+              <a:rPr lang="en-US" sz="700" dirty="0">
+                <a:latin typeface="Consolas" panose="020B0609020204030204" pitchFamily="49" charset="0"/>
+              </a:rPr>
+              <a:t>)</a:t>
+            </a:r>
+            <a:br>
+              <a:rPr lang="en-US" sz="700" dirty="0">
+                <a:latin typeface="Consolas" panose="020B0609020204030204" pitchFamily="49" charset="0"/>
+              </a:rPr>
+            </a:br>
+            <a:r>
+              <a:rPr lang="en-US" sz="700" dirty="0">
+                <a:latin typeface="Consolas" panose="020B0609020204030204" pitchFamily="49" charset="0"/>
+              </a:rPr>
+              <a:t>        </a:t>
+            </a:r>
+            <a:br>
+              <a:rPr lang="en-US" sz="700" dirty="0">
+                <a:latin typeface="Consolas" panose="020B0609020204030204" pitchFamily="49" charset="0"/>
+              </a:rPr>
+            </a:br>
+            <a:r>
+              <a:rPr lang="en-US" sz="700" dirty="0">
+                <a:latin typeface="Consolas" panose="020B0609020204030204" pitchFamily="49" charset="0"/>
+              </a:rPr>
+              <a:t>        </a:t>
+            </a:r>
+            <a:r>
+              <a:rPr lang="en-US" sz="700" b="1" dirty="0">
+                <a:solidFill>
+                  <a:srgbClr val="000080"/>
+                </a:solidFill>
+                <a:latin typeface="Consolas" panose="020B0609020204030204" pitchFamily="49" charset="0"/>
+              </a:rPr>
+              <a:t>with </a:t>
+            </a:r>
+            <a:r>
+              <a:rPr lang="en-US" sz="700" dirty="0" err="1">
+                <a:latin typeface="Consolas" panose="020B0609020204030204" pitchFamily="49" charset="0"/>
+              </a:rPr>
+              <a:t>arcpy.da.InsertCursor</a:t>
+            </a:r>
+            <a:r>
+              <a:rPr lang="en-US" sz="700" dirty="0">
+                <a:latin typeface="Consolas" panose="020B0609020204030204" pitchFamily="49" charset="0"/>
+              </a:rPr>
+              <a:t>(</a:t>
+            </a:r>
+            <a:r>
+              <a:rPr lang="en-US" sz="700" dirty="0" err="1">
+                <a:latin typeface="Consolas" panose="020B0609020204030204" pitchFamily="49" charset="0"/>
+              </a:rPr>
+              <a:t>OutputFeature</a:t>
+            </a:r>
+            <a:r>
+              <a:rPr lang="en-US" sz="700" dirty="0">
+                <a:latin typeface="Consolas" panose="020B0609020204030204" pitchFamily="49" charset="0"/>
+              </a:rPr>
+              <a:t>, [</a:t>
+            </a:r>
+            <a:r>
+              <a:rPr lang="en-US" sz="700" b="1" dirty="0">
+                <a:solidFill>
+                  <a:srgbClr val="008000"/>
+                </a:solidFill>
+                <a:latin typeface="Consolas" panose="020B0609020204030204" pitchFamily="49" charset="0"/>
+              </a:rPr>
+              <a:t>'SITE_ID'</a:t>
+            </a:r>
+            <a:r>
+              <a:rPr lang="en-US" sz="700" dirty="0">
+                <a:latin typeface="Consolas" panose="020B0609020204030204" pitchFamily="49" charset="0"/>
+              </a:rPr>
+              <a:t>, </a:t>
+            </a:r>
+            <a:r>
+              <a:rPr lang="en-US" sz="700" b="1" dirty="0">
+                <a:solidFill>
+                  <a:srgbClr val="008000"/>
+                </a:solidFill>
+                <a:latin typeface="Consolas" panose="020B0609020204030204" pitchFamily="49" charset="0"/>
+              </a:rPr>
+              <a:t>'BEARING'</a:t>
+            </a:r>
+            <a:r>
+              <a:rPr lang="en-US" sz="700" dirty="0">
+                <a:latin typeface="Consolas" panose="020B0609020204030204" pitchFamily="49" charset="0"/>
+              </a:rPr>
+              <a:t>, </a:t>
+            </a:r>
+            <a:r>
+              <a:rPr lang="en-US" sz="700" b="1" dirty="0">
+                <a:solidFill>
+                  <a:srgbClr val="008000"/>
+                </a:solidFill>
+                <a:latin typeface="Consolas" panose="020B0609020204030204" pitchFamily="49" charset="0"/>
+              </a:rPr>
+              <a:t>'SHAPE@'</a:t>
+            </a:r>
+            <a:r>
+              <a:rPr lang="en-US" sz="700" dirty="0">
+                <a:latin typeface="Consolas" panose="020B0609020204030204" pitchFamily="49" charset="0"/>
+              </a:rPr>
+              <a:t>]) </a:t>
+            </a:r>
+            <a:r>
+              <a:rPr lang="en-US" sz="700" b="1" dirty="0">
+                <a:solidFill>
+                  <a:srgbClr val="000080"/>
+                </a:solidFill>
+                <a:latin typeface="Consolas" panose="020B0609020204030204" pitchFamily="49" charset="0"/>
+              </a:rPr>
+              <a:t>as </a:t>
+            </a:r>
+            <a:r>
+              <a:rPr lang="en-US" sz="700" dirty="0">
+                <a:latin typeface="Consolas" panose="020B0609020204030204" pitchFamily="49" charset="0"/>
+              </a:rPr>
+              <a:t>cur:</a:t>
+            </a:r>
+            <a:br>
+              <a:rPr lang="en-US" sz="700" dirty="0">
+                <a:latin typeface="Consolas" panose="020B0609020204030204" pitchFamily="49" charset="0"/>
+              </a:rPr>
+            </a:br>
+            <a:r>
+              <a:rPr lang="en-US" sz="700" dirty="0">
+                <a:latin typeface="Consolas" panose="020B0609020204030204" pitchFamily="49" charset="0"/>
+              </a:rPr>
+              <a:t>            </a:t>
+            </a:r>
+            <a:r>
+              <a:rPr lang="en-US" sz="700" dirty="0" err="1">
+                <a:latin typeface="Consolas" panose="020B0609020204030204" pitchFamily="49" charset="0"/>
+              </a:rPr>
+              <a:t>cur.insertRow</a:t>
+            </a:r>
+            <a:r>
+              <a:rPr lang="en-US" sz="700" dirty="0">
+                <a:latin typeface="Consolas" panose="020B0609020204030204" pitchFamily="49" charset="0"/>
+              </a:rPr>
+              <a:t>([site[</a:t>
+            </a:r>
+            <a:r>
+              <a:rPr lang="en-US" sz="700" dirty="0">
+                <a:solidFill>
+                  <a:srgbClr val="0000FF"/>
+                </a:solidFill>
+                <a:latin typeface="Consolas" panose="020B0609020204030204" pitchFamily="49" charset="0"/>
+              </a:rPr>
+              <a:t>1</a:t>
+            </a:r>
+            <a:r>
+              <a:rPr lang="en-US" sz="700" dirty="0">
+                <a:latin typeface="Consolas" panose="020B0609020204030204" pitchFamily="49" charset="0"/>
+              </a:rPr>
+              <a:t>], ang, line])</a:t>
+            </a:r>
+            <a:br>
+              <a:rPr lang="en-US" sz="700" dirty="0">
+                <a:latin typeface="Consolas" panose="020B0609020204030204" pitchFamily="49" charset="0"/>
+              </a:rPr>
+            </a:br>
+            <a:br>
+              <a:rPr lang="en-US" sz="700" dirty="0">
+                <a:latin typeface="Consolas" panose="020B0609020204030204" pitchFamily="49" charset="0"/>
+              </a:rPr>
+            </a:br>
+            <a:r>
+              <a:rPr lang="en-US" sz="700" dirty="0">
+                <a:latin typeface="Consolas" panose="020B0609020204030204" pitchFamily="49" charset="0"/>
+              </a:rPr>
+              <a:t>        </a:t>
+            </a:r>
+            <a:r>
+              <a:rPr lang="en-US" sz="700" dirty="0" err="1">
+                <a:latin typeface="Consolas" panose="020B0609020204030204" pitchFamily="49" charset="0"/>
+              </a:rPr>
+              <a:t>lineArray.removeAll</a:t>
+            </a:r>
+            <a:r>
+              <a:rPr lang="en-US" sz="700" dirty="0">
+                <a:latin typeface="Consolas" panose="020B0609020204030204" pitchFamily="49" charset="0"/>
+              </a:rPr>
+              <a:t>()</a:t>
+            </a:r>
+            <a:br>
+              <a:rPr lang="en-US" sz="700" dirty="0">
+                <a:latin typeface="Consolas" panose="020B0609020204030204" pitchFamily="49" charset="0"/>
+              </a:rPr>
+            </a:br>
+            <a:r>
+              <a:rPr lang="en-US" sz="700" dirty="0">
+                <a:latin typeface="Consolas" panose="020B0609020204030204" pitchFamily="49" charset="0"/>
+              </a:rPr>
+              <a:t>        </a:t>
+            </a:r>
+            <a:r>
+              <a:rPr lang="en-US" sz="700" b="1" dirty="0">
+                <a:solidFill>
+                  <a:srgbClr val="000080"/>
+                </a:solidFill>
+                <a:latin typeface="Consolas" panose="020B0609020204030204" pitchFamily="49" charset="0"/>
+              </a:rPr>
+              <a:t>del </a:t>
+            </a:r>
+            <a:r>
+              <a:rPr lang="en-US" sz="700" dirty="0">
+                <a:latin typeface="Consolas" panose="020B0609020204030204" pitchFamily="49" charset="0"/>
+              </a:rPr>
+              <a:t>cur</a:t>
+            </a:r>
+            <a:endParaRPr lang="en-US" sz="700" dirty="0">
+              <a:effectLst/>
+              <a:latin typeface="Consolas" panose="020B0609020204030204" pitchFamily="49" charset="0"/>
+            </a:endParaRPr>
+          </a:p>
+        </p:txBody>
+      </p:sp>
+      <p:cxnSp>
+        <p:nvCxnSpPr>
+          <p:cNvPr id="6" name="Straight Arrow Connector 5">
+            <a:extLst>
+              <a:ext uri="{FF2B5EF4-FFF2-40B4-BE49-F238E27FC236}">
+                <a16:creationId xmlns:a16="http://schemas.microsoft.com/office/drawing/2014/main" id="{B1896ABB-D66A-A541-B87A-CF56E0B22AAD}"/>
+              </a:ext>
+            </a:extLst>
+          </p:cNvPr>
+          <p:cNvCxnSpPr/>
+          <p:nvPr/>
+        </p:nvCxnSpPr>
+        <p:spPr>
+          <a:xfrm flipH="1">
+            <a:off x="8639503" y="5644055"/>
+            <a:ext cx="1187669" cy="105104"/>
+          </a:xfrm>
+          <a:prstGeom prst="straightConnector1">
+            <a:avLst/>
+          </a:prstGeom>
+          <a:ln w="57150">
+            <a:solidFill>
+              <a:srgbClr val="FF0000"/>
+            </a:solidFill>
+            <a:tailEnd type="triangle"/>
+          </a:ln>
+        </p:spPr>
+        <p:style>
+          <a:lnRef idx="1">
+            <a:schemeClr val="accent1"/>
+          </a:lnRef>
+          <a:fillRef idx="0">
+            <a:schemeClr val="accent1"/>
+          </a:fillRef>
+          <a:effectRef idx="0">
+            <a:schemeClr val="accent1"/>
+          </a:effectRef>
+          <a:fontRef idx="minor">
+            <a:schemeClr val="tx1"/>
+          </a:fontRef>
+        </p:style>
+      </p:cxnSp>
+      <p:sp>
+        <p:nvSpPr>
+          <p:cNvPr id="7" name="TextBox 6">
+            <a:extLst>
+              <a:ext uri="{FF2B5EF4-FFF2-40B4-BE49-F238E27FC236}">
+                <a16:creationId xmlns:a16="http://schemas.microsoft.com/office/drawing/2014/main" id="{32AC978F-55A5-4841-90D3-DF6351DF1FC9}"/>
+              </a:ext>
+            </a:extLst>
+          </p:cNvPr>
+          <p:cNvSpPr txBox="1"/>
+          <p:nvPr/>
+        </p:nvSpPr>
+        <p:spPr>
+          <a:xfrm>
+            <a:off x="9827172" y="5136223"/>
+            <a:ext cx="1471448" cy="1015663"/>
+          </a:xfrm>
+          <a:prstGeom prst="rect">
+            <a:avLst/>
+          </a:prstGeom>
+          <a:noFill/>
+        </p:spPr>
+        <p:txBody>
+          <a:bodyPr wrap="square" rtlCol="0">
+            <a:spAutoFit/>
+          </a:bodyPr>
+          <a:lstStyle/>
+          <a:p>
+            <a:r>
+              <a:rPr lang="en-US" sz="1200" dirty="0">
+                <a:solidFill>
+                  <a:srgbClr val="FF0000"/>
+                </a:solidFill>
+              </a:rPr>
+              <a:t>Changed way to add the line to the Shapefile, as we now need to add other data</a:t>
+            </a:r>
+          </a:p>
+        </p:txBody>
+      </p:sp>
+      <p:cxnSp>
+        <p:nvCxnSpPr>
+          <p:cNvPr id="8" name="Straight Arrow Connector 7">
+            <a:extLst>
+              <a:ext uri="{FF2B5EF4-FFF2-40B4-BE49-F238E27FC236}">
+                <a16:creationId xmlns:a16="http://schemas.microsoft.com/office/drawing/2014/main" id="{5074A41B-357F-0B42-9EEF-F0B17CC30F5D}"/>
+              </a:ext>
+            </a:extLst>
+          </p:cNvPr>
+          <p:cNvCxnSpPr>
+            <a:cxnSpLocks/>
+          </p:cNvCxnSpPr>
+          <p:nvPr/>
+        </p:nvCxnSpPr>
+        <p:spPr>
+          <a:xfrm flipH="1">
+            <a:off x="7751381" y="2606566"/>
+            <a:ext cx="1187668" cy="131379"/>
+          </a:xfrm>
+          <a:prstGeom prst="straightConnector1">
+            <a:avLst/>
+          </a:prstGeom>
+          <a:ln w="57150">
+            <a:solidFill>
+              <a:srgbClr val="FF0000"/>
+            </a:solidFill>
+            <a:tailEnd type="triangle"/>
+          </a:ln>
+        </p:spPr>
+        <p:style>
+          <a:lnRef idx="1">
+            <a:schemeClr val="accent1"/>
+          </a:lnRef>
+          <a:fillRef idx="0">
+            <a:schemeClr val="accent1"/>
+          </a:fillRef>
+          <a:effectRef idx="0">
+            <a:schemeClr val="accent1"/>
+          </a:effectRef>
+          <a:fontRef idx="minor">
+            <a:schemeClr val="tx1"/>
+          </a:fontRef>
+        </p:style>
+      </p:cxnSp>
+      <p:sp>
+        <p:nvSpPr>
+          <p:cNvPr id="10" name="TextBox 9">
+            <a:extLst>
+              <a:ext uri="{FF2B5EF4-FFF2-40B4-BE49-F238E27FC236}">
+                <a16:creationId xmlns:a16="http://schemas.microsoft.com/office/drawing/2014/main" id="{24F54FF0-232F-7D45-93D1-9B89568025C2}"/>
+              </a:ext>
+            </a:extLst>
+          </p:cNvPr>
+          <p:cNvSpPr txBox="1"/>
+          <p:nvPr/>
+        </p:nvSpPr>
+        <p:spPr>
+          <a:xfrm>
+            <a:off x="8939049" y="2375733"/>
+            <a:ext cx="1471448" cy="461665"/>
+          </a:xfrm>
+          <a:prstGeom prst="rect">
+            <a:avLst/>
+          </a:prstGeom>
+          <a:noFill/>
+        </p:spPr>
+        <p:txBody>
+          <a:bodyPr wrap="square" rtlCol="0">
+            <a:spAutoFit/>
+          </a:bodyPr>
+          <a:lstStyle/>
+          <a:p>
+            <a:r>
+              <a:rPr lang="en-US" sz="1200" dirty="0">
+                <a:solidFill>
+                  <a:srgbClr val="FF0000"/>
+                </a:solidFill>
+              </a:rPr>
+              <a:t>Add the SITE_ID field</a:t>
+            </a:r>
+          </a:p>
+        </p:txBody>
+      </p:sp>
+      <p:cxnSp>
+        <p:nvCxnSpPr>
+          <p:cNvPr id="11" name="Straight Arrow Connector 10">
+            <a:extLst>
+              <a:ext uri="{FF2B5EF4-FFF2-40B4-BE49-F238E27FC236}">
+                <a16:creationId xmlns:a16="http://schemas.microsoft.com/office/drawing/2014/main" id="{32A9845D-ECE0-8A41-89D6-C31A60E117A4}"/>
+              </a:ext>
+            </a:extLst>
+          </p:cNvPr>
+          <p:cNvCxnSpPr>
+            <a:cxnSpLocks/>
+          </p:cNvCxnSpPr>
+          <p:nvPr/>
+        </p:nvCxnSpPr>
+        <p:spPr>
+          <a:xfrm flipH="1">
+            <a:off x="8043044" y="1071858"/>
+            <a:ext cx="1187668" cy="131379"/>
+          </a:xfrm>
+          <a:prstGeom prst="straightConnector1">
+            <a:avLst/>
+          </a:prstGeom>
+          <a:ln w="57150">
+            <a:solidFill>
+              <a:srgbClr val="FF0000"/>
+            </a:solidFill>
+            <a:tailEnd type="triangle"/>
+          </a:ln>
+        </p:spPr>
+        <p:style>
+          <a:lnRef idx="1">
+            <a:schemeClr val="accent1"/>
+          </a:lnRef>
+          <a:fillRef idx="0">
+            <a:schemeClr val="accent1"/>
+          </a:fillRef>
+          <a:effectRef idx="0">
+            <a:schemeClr val="accent1"/>
+          </a:effectRef>
+          <a:fontRef idx="minor">
+            <a:schemeClr val="tx1"/>
+          </a:fontRef>
+        </p:style>
+      </p:cxnSp>
+      <p:sp>
+        <p:nvSpPr>
+          <p:cNvPr id="12" name="TextBox 11">
+            <a:extLst>
+              <a:ext uri="{FF2B5EF4-FFF2-40B4-BE49-F238E27FC236}">
+                <a16:creationId xmlns:a16="http://schemas.microsoft.com/office/drawing/2014/main" id="{3EDFA0EF-66E4-0941-9CC0-1972277ABA70}"/>
+              </a:ext>
+            </a:extLst>
+          </p:cNvPr>
+          <p:cNvSpPr txBox="1"/>
+          <p:nvPr/>
+        </p:nvSpPr>
+        <p:spPr>
+          <a:xfrm>
+            <a:off x="9238594" y="785675"/>
+            <a:ext cx="1471448" cy="646331"/>
+          </a:xfrm>
+          <a:prstGeom prst="rect">
+            <a:avLst/>
+          </a:prstGeom>
+          <a:noFill/>
+        </p:spPr>
+        <p:txBody>
+          <a:bodyPr wrap="square" rtlCol="0">
+            <a:spAutoFit/>
+          </a:bodyPr>
+          <a:lstStyle/>
+          <a:p>
+            <a:r>
+              <a:rPr lang="en-US" sz="1200" dirty="0">
+                <a:solidFill>
+                  <a:srgbClr val="FF0000"/>
+                </a:solidFill>
+              </a:rPr>
+              <a:t>Essential the same as a </a:t>
+            </a:r>
+            <a:r>
+              <a:rPr lang="en-US" sz="1200" dirty="0" err="1">
+                <a:solidFill>
+                  <a:srgbClr val="FF0000"/>
+                </a:solidFill>
+              </a:rPr>
+              <a:t>SearchCursor</a:t>
+            </a:r>
+            <a:r>
+              <a:rPr lang="en-US" sz="1200" dirty="0">
+                <a:solidFill>
+                  <a:srgbClr val="FF0000"/>
+                </a:solidFill>
+              </a:rPr>
+              <a:t> output</a:t>
+            </a:r>
+          </a:p>
+        </p:txBody>
+      </p:sp>
+    </p:spTree>
+    <p:extLst>
+      <p:ext uri="{BB962C8B-B14F-4D97-AF65-F5344CB8AC3E}">
+        <p14:creationId xmlns:p14="http://schemas.microsoft.com/office/powerpoint/2010/main" val="2773395840"/>
+      </p:ext>
+    </p:extLst>
+  </p:cSld>
+  <p:clrMapOvr>
+    <a:masterClrMapping/>
+  </p:clrMapOvr>
+</p:sld>
+</file>
+
+<file path=ppt/slides/slide5.xml><?xml version="1.0" encoding="utf-8"?>
+<p:sld xmlns:a="http://schemas.openxmlformats.org/drawingml/2006/main" xmlns:r="http://schemas.openxmlformats.org/officeDocument/2006/relationships" xmlns:p="http://schemas.openxmlformats.org/presentationml/2006/main">
+  <p:cSld>
+    <p:spTree>
+      <p:nvGrpSpPr>
+        <p:cNvPr id="1" name=""/>
+        <p:cNvGrpSpPr/>
+        <p:nvPr/>
+      </p:nvGrpSpPr>
+      <p:grpSpPr>
+        <a:xfrm>
+          <a:off x="0" y="0"/>
+          <a:ext cx="0" cy="0"/>
+          <a:chOff x="0" y="0"/>
+          <a:chExt cx="0" cy="0"/>
+        </a:xfrm>
+      </p:grpSpPr>
+      <p:sp>
+        <p:nvSpPr>
+          <p:cNvPr id="2" name="Title 1">
+            <a:extLst>
+              <a:ext uri="{FF2B5EF4-FFF2-40B4-BE49-F238E27FC236}">
+                <a16:creationId xmlns:a16="http://schemas.microsoft.com/office/drawing/2014/main" id="{8C7E318F-53A2-FA4B-BC12-988AB6583903}"/>
+              </a:ext>
+            </a:extLst>
+          </p:cNvPr>
+          <p:cNvSpPr>
+            <a:spLocks noGrp="1"/>
+          </p:cNvSpPr>
+          <p:nvPr>
+            <p:ph type="title"/>
+          </p:nvPr>
+        </p:nvSpPr>
+        <p:spPr/>
+        <p:txBody>
+          <a:bodyPr/>
+          <a:lstStyle/>
+          <a:p>
+            <a:endParaRPr lang="en-US"/>
+          </a:p>
+        </p:txBody>
+      </p:sp>
+      <p:sp>
+        <p:nvSpPr>
+          <p:cNvPr id="3" name="Content Placeholder 2">
+            <a:extLst>
+              <a:ext uri="{FF2B5EF4-FFF2-40B4-BE49-F238E27FC236}">
+                <a16:creationId xmlns:a16="http://schemas.microsoft.com/office/drawing/2014/main" id="{80A01BB1-E0BB-C44E-9B08-9DFC7CD42808}"/>
+              </a:ext>
+            </a:extLst>
+          </p:cNvPr>
+          <p:cNvSpPr>
+            <a:spLocks noGrp="1"/>
+          </p:cNvSpPr>
+          <p:nvPr>
+            <p:ph idx="1"/>
+          </p:nvPr>
+        </p:nvSpPr>
+        <p:spPr/>
+        <p:txBody>
+          <a:bodyPr/>
+          <a:lstStyle/>
+          <a:p>
+            <a:endParaRPr lang="en-US"/>
+          </a:p>
+        </p:txBody>
+      </p:sp>
+    </p:spTree>
+    <p:extLst>
+      <p:ext uri="{BB962C8B-B14F-4D97-AF65-F5344CB8AC3E}">
+        <p14:creationId xmlns:p14="http://schemas.microsoft.com/office/powerpoint/2010/main" val="1377993180"/>
+      </p:ext>
+    </p:extLst>
+  </p:cSld>
+  <p:clrMapOvr>
+    <a:masterClrMapping/>
+  </p:clrMapOvr>
+</p:sld>
+</file>
+
 <file path=ppt/theme/theme1.xml><?xml version="1.0" encoding="utf-8"?>
 <a:theme xmlns:a="http://schemas.openxmlformats.org/drawingml/2006/main" name="Office Theme">
   <a:themeElements>

--- a/Assignments/Coding_Challenges/Challenge_9/Challenge_9_Outline_Guide.pptx
+++ b/Assignments/Coding_Challenges/Challenge_9/Challenge_9_Outline_Guide.pptx
@@ -5,11 +5,12 @@
     <p:sldMasterId id="2147483648" r:id="rId1"/>
   </p:sldMasterIdLst>
   <p:sldIdLst>
-    <p:sldId id="256" r:id="rId2"/>
-    <p:sldId id="258" r:id="rId3"/>
-    <p:sldId id="261" r:id="rId4"/>
-    <p:sldId id="259" r:id="rId5"/>
-    <p:sldId id="260" r:id="rId6"/>
+    <p:sldId id="263" r:id="rId2"/>
+    <p:sldId id="256" r:id="rId3"/>
+    <p:sldId id="258" r:id="rId4"/>
+    <p:sldId id="261" r:id="rId5"/>
+    <p:sldId id="262" r:id="rId6"/>
+    <p:sldId id="259" r:id="rId7"/>
   </p:sldIdLst>
   <p:sldSz cx="12192000" cy="6858000"/>
   <p:notesSz cx="6858000" cy="9144000"/>
@@ -3330,176 +3331,70 @@
           <a:chExt cx="0" cy="0"/>
         </a:xfrm>
       </p:grpSpPr>
-      <p:pic>
-        <p:nvPicPr>
-          <p:cNvPr id="4" name="Picture 3">
-            <a:extLst>
-              <a:ext uri="{FF2B5EF4-FFF2-40B4-BE49-F238E27FC236}">
-                <a16:creationId xmlns:a16="http://schemas.microsoft.com/office/drawing/2014/main" id="{62A3A4E5-5AFE-EE4E-964E-081A8E7CC328}"/>
-              </a:ext>
-            </a:extLst>
-          </p:cNvPr>
-          <p:cNvPicPr>
-            <a:picLocks noChangeAspect="1"/>
-          </p:cNvPicPr>
-          <p:nvPr/>
-        </p:nvPicPr>
-        <p:blipFill>
-          <a:blip r:embed="rId2"/>
-          <a:stretch>
-            <a:fillRect/>
-          </a:stretch>
-        </p:blipFill>
-        <p:spPr>
-          <a:xfrm>
-            <a:off x="409904" y="969116"/>
-            <a:ext cx="4183555" cy="5731229"/>
-          </a:xfrm>
-          <a:prstGeom prst="rect">
-            <a:avLst/>
-          </a:prstGeom>
-        </p:spPr>
-      </p:pic>
-      <p:sp>
-        <p:nvSpPr>
-          <p:cNvPr id="5" name="TextBox 4">
-            <a:extLst>
-              <a:ext uri="{FF2B5EF4-FFF2-40B4-BE49-F238E27FC236}">
-                <a16:creationId xmlns:a16="http://schemas.microsoft.com/office/drawing/2014/main" id="{61A6F9FC-6FAB-DB4F-B5EC-912A4E8F6909}"/>
-              </a:ext>
-            </a:extLst>
-          </p:cNvPr>
-          <p:cNvSpPr txBox="1"/>
-          <p:nvPr/>
-        </p:nvSpPr>
-        <p:spPr>
-          <a:xfrm>
-            <a:off x="336332" y="304799"/>
-            <a:ext cx="4500848" cy="369332"/>
-          </a:xfrm>
-          <a:prstGeom prst="rect">
-            <a:avLst/>
-          </a:prstGeom>
-          <a:noFill/>
-        </p:spPr>
-        <p:txBody>
-          <a:bodyPr wrap="none" rtlCol="0">
-            <a:spAutoFit/>
+      <p:sp>
+        <p:nvSpPr>
+          <p:cNvPr id="2" name="Title 1">
+            <a:extLst>
+              <a:ext uri="{FF2B5EF4-FFF2-40B4-BE49-F238E27FC236}">
+                <a16:creationId xmlns:a16="http://schemas.microsoft.com/office/drawing/2014/main" id="{BAA768B2-3C64-8C43-AC9B-E80F03E78576}"/>
+              </a:ext>
+            </a:extLst>
+          </p:cNvPr>
+          <p:cNvSpPr>
+            <a:spLocks noGrp="1"/>
+          </p:cNvSpPr>
+          <p:nvPr>
+            <p:ph type="title"/>
+          </p:nvPr>
+        </p:nvSpPr>
+        <p:spPr/>
+        <p:txBody>
+          <a:bodyPr>
+            <a:normAutofit/>
           </a:bodyPr>
           <a:lstStyle/>
           <a:p>
             <a:r>
-              <a:rPr lang="en-US" b="1" dirty="0"/>
-              <a:t>Step 1 – Draw the radiating lines for each site</a:t>
-            </a:r>
-          </a:p>
-        </p:txBody>
-      </p:sp>
-      <p:pic>
-        <p:nvPicPr>
-          <p:cNvPr id="2" name="Picture 1">
-            <a:extLst>
-              <a:ext uri="{FF2B5EF4-FFF2-40B4-BE49-F238E27FC236}">
-                <a16:creationId xmlns:a16="http://schemas.microsoft.com/office/drawing/2014/main" id="{9E622811-D85B-F64D-9107-6F06B7529660}"/>
-              </a:ext>
-            </a:extLst>
-          </p:cNvPr>
-          <p:cNvPicPr>
-            <a:picLocks noChangeAspect="1"/>
-          </p:cNvPicPr>
-          <p:nvPr/>
-        </p:nvPicPr>
-        <p:blipFill>
-          <a:blip r:embed="rId3"/>
-          <a:stretch>
-            <a:fillRect/>
-          </a:stretch>
-        </p:blipFill>
-        <p:spPr>
-          <a:xfrm>
-            <a:off x="4385115" y="895274"/>
-            <a:ext cx="4826442" cy="5657927"/>
-          </a:xfrm>
-          <a:prstGeom prst="rect">
-            <a:avLst/>
-          </a:prstGeom>
-        </p:spPr>
-      </p:pic>
-      <p:sp>
-        <p:nvSpPr>
-          <p:cNvPr id="3" name="TextBox 2">
-            <a:extLst>
-              <a:ext uri="{FF2B5EF4-FFF2-40B4-BE49-F238E27FC236}">
-                <a16:creationId xmlns:a16="http://schemas.microsoft.com/office/drawing/2014/main" id="{795AFAE6-537D-8643-A2DB-0748A2BBD190}"/>
-              </a:ext>
-            </a:extLst>
-          </p:cNvPr>
-          <p:cNvSpPr txBox="1"/>
-          <p:nvPr/>
-        </p:nvSpPr>
-        <p:spPr>
-          <a:xfrm>
-            <a:off x="9348191" y="886659"/>
-            <a:ext cx="2690383" cy="5755422"/>
-          </a:xfrm>
-          <a:prstGeom prst="rect">
-            <a:avLst/>
-          </a:prstGeom>
-          <a:noFill/>
-        </p:spPr>
-        <p:txBody>
-          <a:bodyPr wrap="square" rtlCol="0">
-            <a:spAutoFit/>
-          </a:bodyPr>
+              <a:rPr lang="en-US" sz="4800" b="1">
+                <a:latin typeface="+mn-lt"/>
+              </a:rPr>
+              <a:t>SOME WALKTHROUGH IDEAS</a:t>
+            </a:r>
+            <a:endParaRPr lang="en-US" sz="4800" b="1" dirty="0">
+              <a:latin typeface="+mn-lt"/>
+            </a:endParaRPr>
+          </a:p>
+        </p:txBody>
+      </p:sp>
+      <p:sp>
+        <p:nvSpPr>
+          <p:cNvPr id="3" name="Text Placeholder 2">
+            <a:extLst>
+              <a:ext uri="{FF2B5EF4-FFF2-40B4-BE49-F238E27FC236}">
+                <a16:creationId xmlns:a16="http://schemas.microsoft.com/office/drawing/2014/main" id="{7E400014-4A40-684F-8CDD-F412320E596C}"/>
+              </a:ext>
+            </a:extLst>
+          </p:cNvPr>
+          <p:cNvSpPr>
+            <a:spLocks noGrp="1"/>
+          </p:cNvSpPr>
+          <p:nvPr>
+            <p:ph type="body" idx="1"/>
+          </p:nvPr>
+        </p:nvSpPr>
+        <p:spPr/>
+        <p:txBody>
+          <a:bodyPr/>
           <a:lstStyle/>
           <a:p>
-            <a:r>
-              <a:rPr lang="en-US" sz="1600" dirty="0"/>
-              <a:t>Use the trig code provided to generate the radiating lines.</a:t>
-            </a:r>
-            <a:br>
-              <a:rPr lang="en-US" sz="1600" dirty="0"/>
-            </a:br>
-            <a:br>
-              <a:rPr lang="en-US" sz="1600" dirty="0"/>
-            </a:br>
-            <a:r>
-              <a:rPr lang="en-US" sz="1600" dirty="0"/>
-              <a:t>If you do all points in a loop then you may hit issues with the lines not being assigned to an origin ”</a:t>
-            </a:r>
-            <a:r>
-              <a:rPr lang="en-US" sz="1600" dirty="0" err="1"/>
-              <a:t>Site_ID</a:t>
-            </a:r>
-            <a:r>
-              <a:rPr lang="en-US" sz="1600" dirty="0"/>
-              <a:t>” code hence you may encounter issues later on. So make sure that you label each radiating line with the site ID.</a:t>
-            </a:r>
-          </a:p>
-          <a:p>
-            <a:endParaRPr lang="en-US" sz="1600" dirty="0"/>
-          </a:p>
-          <a:p>
-            <a:r>
-              <a:rPr lang="en-US" sz="1600" dirty="0"/>
-              <a:t>Or run the whole code for each location as a top level loop.</a:t>
-            </a:r>
-          </a:p>
-          <a:p>
-            <a:endParaRPr lang="en-US" sz="1600" dirty="0"/>
-          </a:p>
-          <a:p>
-            <a:r>
-              <a:rPr lang="en-US" sz="1600" dirty="0"/>
-              <a:t>You will need to change spatial reference and distance measurement to reflect that of the input locations. Our example code used WGS84, whilst the location file uses a RI reference in Feet.</a:t>
-            </a:r>
+            <a:endParaRPr lang="en-US"/>
           </a:p>
         </p:txBody>
       </p:sp>
     </p:spTree>
     <p:extLst>
       <p:ext uri="{BB962C8B-B14F-4D97-AF65-F5344CB8AC3E}">
-        <p14:creationId xmlns:p14="http://schemas.microsoft.com/office/powerpoint/2010/main" val="3082804837"/>
+        <p14:creationId xmlns:p14="http://schemas.microsoft.com/office/powerpoint/2010/main" val="3678601923"/>
       </p:ext>
     </p:extLst>
   </p:cSld>
@@ -3526,47 +3421,12 @@
           <a:chExt cx="0" cy="0"/>
         </a:xfrm>
       </p:grpSpPr>
-      <p:sp>
-        <p:nvSpPr>
-          <p:cNvPr id="5" name="TextBox 4">
-            <a:extLst>
-              <a:ext uri="{FF2B5EF4-FFF2-40B4-BE49-F238E27FC236}">
-                <a16:creationId xmlns:a16="http://schemas.microsoft.com/office/drawing/2014/main" id="{61A6F9FC-6FAB-DB4F-B5EC-912A4E8F6909}"/>
-              </a:ext>
-            </a:extLst>
-          </p:cNvPr>
-          <p:cNvSpPr txBox="1"/>
-          <p:nvPr/>
-        </p:nvSpPr>
-        <p:spPr>
-          <a:xfrm>
-            <a:off x="177427" y="304799"/>
-            <a:ext cx="3786871" cy="369332"/>
-          </a:xfrm>
-          <a:prstGeom prst="rect">
-            <a:avLst/>
-          </a:prstGeom>
-          <a:noFill/>
-        </p:spPr>
-        <p:txBody>
-          <a:bodyPr wrap="none" rtlCol="0">
-            <a:spAutoFit/>
-          </a:bodyPr>
-          <a:lstStyle/>
-          <a:p>
-            <a:r>
-              <a:rPr lang="en-US" b="1" dirty="0"/>
-              <a:t>Step 2 – Clip the lines by the coastline</a:t>
-            </a:r>
-          </a:p>
-        </p:txBody>
-      </p:sp>
       <p:pic>
         <p:nvPicPr>
-          <p:cNvPr id="3" name="Picture 2">
-            <a:extLst>
-              <a:ext uri="{FF2B5EF4-FFF2-40B4-BE49-F238E27FC236}">
-                <a16:creationId xmlns:a16="http://schemas.microsoft.com/office/drawing/2014/main" id="{3C9E9F78-6CFD-AD41-8DD7-9524E211C6B4}"/>
+          <p:cNvPr id="4" name="Picture 3">
+            <a:extLst>
+              <a:ext uri="{FF2B5EF4-FFF2-40B4-BE49-F238E27FC236}">
+                <a16:creationId xmlns:a16="http://schemas.microsoft.com/office/drawing/2014/main" id="{62A3A4E5-5AFE-EE4E-964E-081A8E7CC328}"/>
               </a:ext>
             </a:extLst>
           </p:cNvPr>
@@ -3583,20 +3443,55 @@
         </p:blipFill>
         <p:spPr>
           <a:xfrm>
-            <a:off x="665304" y="972273"/>
-            <a:ext cx="3968260" cy="5388015"/>
+            <a:off x="409904" y="969116"/>
+            <a:ext cx="4183555" cy="5731229"/>
           </a:xfrm>
           <a:prstGeom prst="rect">
             <a:avLst/>
           </a:prstGeom>
         </p:spPr>
       </p:pic>
+      <p:sp>
+        <p:nvSpPr>
+          <p:cNvPr id="5" name="TextBox 4">
+            <a:extLst>
+              <a:ext uri="{FF2B5EF4-FFF2-40B4-BE49-F238E27FC236}">
+                <a16:creationId xmlns:a16="http://schemas.microsoft.com/office/drawing/2014/main" id="{61A6F9FC-6FAB-DB4F-B5EC-912A4E8F6909}"/>
+              </a:ext>
+            </a:extLst>
+          </p:cNvPr>
+          <p:cNvSpPr txBox="1"/>
+          <p:nvPr/>
+        </p:nvSpPr>
+        <p:spPr>
+          <a:xfrm>
+            <a:off x="336332" y="304799"/>
+            <a:ext cx="4500848" cy="369332"/>
+          </a:xfrm>
+          <a:prstGeom prst="rect">
+            <a:avLst/>
+          </a:prstGeom>
+          <a:noFill/>
+        </p:spPr>
+        <p:txBody>
+          <a:bodyPr wrap="none" rtlCol="0">
+            <a:spAutoFit/>
+          </a:bodyPr>
+          <a:lstStyle/>
+          <a:p>
+            <a:r>
+              <a:rPr lang="en-US" b="1" dirty="0"/>
+              <a:t>Step 1 – Draw the radiating lines for each site</a:t>
+            </a:r>
+          </a:p>
+        </p:txBody>
+      </p:sp>
       <p:pic>
         <p:nvPicPr>
-          <p:cNvPr id="6" name="Picture 5">
-            <a:extLst>
-              <a:ext uri="{FF2B5EF4-FFF2-40B4-BE49-F238E27FC236}">
-                <a16:creationId xmlns:a16="http://schemas.microsoft.com/office/drawing/2014/main" id="{83747008-E1B8-144A-BF3A-BF6D3DAB5B11}"/>
+          <p:cNvPr id="2" name="Picture 1">
+            <a:extLst>
+              <a:ext uri="{FF2B5EF4-FFF2-40B4-BE49-F238E27FC236}">
+                <a16:creationId xmlns:a16="http://schemas.microsoft.com/office/drawing/2014/main" id="{9E622811-D85B-F64D-9107-6F06B7529660}"/>
               </a:ext>
             </a:extLst>
           </p:cNvPr>
@@ -3613,8 +3508,8 @@
         </p:blipFill>
         <p:spPr>
           <a:xfrm>
-            <a:off x="5331229" y="868101"/>
-            <a:ext cx="3339905" cy="2456727"/>
+            <a:off x="4385115" y="895274"/>
+            <a:ext cx="4826442" cy="5657927"/>
           </a:xfrm>
           <a:prstGeom prst="rect">
             <a:avLst/>
@@ -3623,10 +3518,10 @@
       </p:pic>
       <p:sp>
         <p:nvSpPr>
-          <p:cNvPr id="7" name="TextBox 6">
-            <a:extLst>
-              <a:ext uri="{FF2B5EF4-FFF2-40B4-BE49-F238E27FC236}">
-                <a16:creationId xmlns:a16="http://schemas.microsoft.com/office/drawing/2014/main" id="{9B7B62B3-0EBB-E441-8D8F-39C827BF6CBF}"/>
+          <p:cNvPr id="3" name="TextBox 2">
+            <a:extLst>
+              <a:ext uri="{FF2B5EF4-FFF2-40B4-BE49-F238E27FC236}">
+                <a16:creationId xmlns:a16="http://schemas.microsoft.com/office/drawing/2014/main" id="{795AFAE6-537D-8643-A2DB-0748A2BBD190}"/>
               </a:ext>
             </a:extLst>
           </p:cNvPr>
@@ -3635,8 +3530,8 @@
         </p:nvSpPr>
         <p:spPr>
           <a:xfrm>
-            <a:off x="5245927" y="304799"/>
-            <a:ext cx="4898200" cy="369332"/>
+            <a:off x="9348191" y="886659"/>
+            <a:ext cx="2690383" cy="5755422"/>
           </a:xfrm>
           <a:prstGeom prst="rect">
             <a:avLst/>
@@ -3644,71 +3539,6 @@
           <a:noFill/>
         </p:spPr>
         <p:txBody>
-          <a:bodyPr wrap="none" rtlCol="0">
-            <a:spAutoFit/>
-          </a:bodyPr>
-          <a:lstStyle/>
-          <a:p>
-            <a:r>
-              <a:rPr lang="en-US" b="1" dirty="0"/>
-              <a:t>Step 3 – Keep only lines connected to origin point</a:t>
-            </a:r>
-          </a:p>
-        </p:txBody>
-      </p:sp>
-      <p:pic>
-        <p:nvPicPr>
-          <p:cNvPr id="8" name="Picture 7">
-            <a:extLst>
-              <a:ext uri="{FF2B5EF4-FFF2-40B4-BE49-F238E27FC236}">
-                <a16:creationId xmlns:a16="http://schemas.microsoft.com/office/drawing/2014/main" id="{04ABFEB7-D475-1740-B8A0-E14A2E166C5A}"/>
-              </a:ext>
-            </a:extLst>
-          </p:cNvPr>
-          <p:cNvPicPr>
-            <a:picLocks noChangeAspect="1"/>
-          </p:cNvPicPr>
-          <p:nvPr/>
-        </p:nvPicPr>
-        <p:blipFill>
-          <a:blip r:embed="rId4"/>
-          <a:stretch>
-            <a:fillRect/>
-          </a:stretch>
-        </p:blipFill>
-        <p:spPr>
-          <a:xfrm>
-            <a:off x="7818547" y="3324828"/>
-            <a:ext cx="2753786" cy="3235030"/>
-          </a:xfrm>
-          <a:prstGeom prst="rect">
-            <a:avLst/>
-          </a:prstGeom>
-        </p:spPr>
-      </p:pic>
-      <p:sp>
-        <p:nvSpPr>
-          <p:cNvPr id="9" name="TextBox 8">
-            <a:extLst>
-              <a:ext uri="{FF2B5EF4-FFF2-40B4-BE49-F238E27FC236}">
-                <a16:creationId xmlns:a16="http://schemas.microsoft.com/office/drawing/2014/main" id="{793104C5-C202-2948-A623-8C9415D45901}"/>
-              </a:ext>
-            </a:extLst>
-          </p:cNvPr>
-          <p:cNvSpPr txBox="1"/>
-          <p:nvPr/>
-        </p:nvSpPr>
-        <p:spPr>
-          <a:xfrm>
-            <a:off x="8924081" y="930198"/>
-            <a:ext cx="3090492" cy="2339102"/>
-          </a:xfrm>
-          <a:prstGeom prst="rect">
-            <a:avLst/>
-          </a:prstGeom>
-          <a:noFill/>
-        </p:spPr>
-        <p:txBody>
           <a:bodyPr wrap="square" rtlCol="0">
             <a:spAutoFit/>
           </a:bodyPr>
@@ -3716,188 +3546,43 @@
           <a:p>
             <a:r>
               <a:rPr lang="en-US" sz="1600" dirty="0"/>
-              <a:t>Use a buffer and then</a:t>
-            </a:r>
-          </a:p>
-          <a:p>
+              <a:t>Use the trig code provided to generate the radiating lines.</a:t>
+            </a:r>
+            <a:br>
+              <a:rPr lang="en-US" sz="1600" dirty="0"/>
+            </a:br>
+            <a:br>
+              <a:rPr lang="en-US" sz="1600" dirty="0"/>
+            </a:br>
+            <a:r>
+              <a:rPr lang="en-US" sz="1600" dirty="0"/>
+              <a:t>If you do all points in a loop then you may hit issues with the lines not being assigned to an origin ”</a:t>
+            </a:r>
             <a:r>
               <a:rPr lang="en-US" sz="1600" dirty="0" err="1"/>
-              <a:t>SelectByLocation</a:t>
+              <a:t>Site_ID</a:t>
             </a:r>
             <a:r>
               <a:rPr lang="en-US" sz="1600" dirty="0"/>
-              <a:t> (warning, select by location will only work on “Make Feature Layer”, i.e. a feature layer in memory. Not on an external shapefile), as sometimes you can’t accurately match up the starting location with the</a:t>
-            </a:r>
+              <a:t>” code hence you may encounter issues later on. So make sure that you label each radiating line with the site ID.</a:t>
+            </a:r>
+          </a:p>
+          <a:p>
+            <a:endParaRPr lang="en-US" sz="1600" dirty="0"/>
           </a:p>
           <a:p>
             <a:r>
               <a:rPr lang="en-US" sz="1600" dirty="0"/>
-              <a:t>lines due to rounding.</a:t>
-            </a:r>
-          </a:p>
-        </p:txBody>
-      </p:sp>
-      <p:sp>
-        <p:nvSpPr>
-          <p:cNvPr id="10" name="TextBox 9">
-            <a:extLst>
-              <a:ext uri="{FF2B5EF4-FFF2-40B4-BE49-F238E27FC236}">
-                <a16:creationId xmlns:a16="http://schemas.microsoft.com/office/drawing/2014/main" id="{4A2D5F54-6A89-5E45-8EC9-EDC3FDF0627A}"/>
-              </a:ext>
-            </a:extLst>
-          </p:cNvPr>
-          <p:cNvSpPr txBox="1"/>
-          <p:nvPr/>
-        </p:nvSpPr>
-        <p:spPr>
-          <a:xfrm>
-            <a:off x="177427" y="781656"/>
-            <a:ext cx="3563861" cy="3693319"/>
-          </a:xfrm>
-          <a:prstGeom prst="rect">
-            <a:avLst/>
-          </a:prstGeom>
-          <a:noFill/>
-        </p:spPr>
-        <p:txBody>
-          <a:bodyPr wrap="none" rtlCol="0">
-            <a:spAutoFit/>
-          </a:bodyPr>
-          <a:lstStyle/>
-          <a:p>
-            <a:r>
-              <a:rPr lang="en-US" dirty="0"/>
-              <a:t>Clip will remove any line that moves</a:t>
-            </a:r>
-          </a:p>
-          <a:p>
-            <a:r>
-              <a:rPr lang="en-US" dirty="0"/>
-              <a:t>over land but will not remove lines</a:t>
-            </a:r>
-          </a:p>
-          <a:p>
-            <a:r>
-              <a:rPr lang="en-US" dirty="0"/>
-              <a:t>that are no longer</a:t>
-            </a:r>
-          </a:p>
-          <a:p>
-            <a:r>
-              <a:rPr lang="en-US" dirty="0"/>
-              <a:t>part of the origin</a:t>
-            </a:r>
-          </a:p>
-          <a:p>
-            <a:r>
-              <a:rPr lang="en-US" dirty="0"/>
-              <a:t>line.</a:t>
-            </a:r>
-          </a:p>
-          <a:p>
-            <a:endParaRPr lang="en-US" dirty="0"/>
-          </a:p>
-          <a:p>
-            <a:r>
-              <a:rPr lang="en-US" dirty="0"/>
-              <a:t>Use Single to</a:t>
-            </a:r>
-          </a:p>
-          <a:p>
-            <a:r>
-              <a:rPr lang="en-US" dirty="0"/>
-              <a:t>Multipart</a:t>
-            </a:r>
-            <a:br>
-              <a:rPr lang="en-US" dirty="0"/>
-            </a:br>
-            <a:r>
-              <a:rPr lang="en-US" dirty="0"/>
-              <a:t>conversion</a:t>
-            </a:r>
-            <a:br>
-              <a:rPr lang="en-US" dirty="0"/>
-            </a:br>
-            <a:r>
-              <a:rPr lang="en-US" dirty="0"/>
-              <a:t>to split the </a:t>
-            </a:r>
-            <a:br>
-              <a:rPr lang="en-US" dirty="0"/>
-            </a:br>
-            <a:r>
-              <a:rPr lang="en-US" dirty="0"/>
-              <a:t>line and then</a:t>
-            </a:r>
-            <a:br>
-              <a:rPr lang="en-US" dirty="0"/>
-            </a:br>
-            <a:r>
-              <a:rPr lang="en-US" dirty="0"/>
-              <a:t>move to </a:t>
-            </a:r>
-            <a:br>
-              <a:rPr lang="en-US" dirty="0"/>
-            </a:br>
-            <a:r>
-              <a:rPr lang="en-US" dirty="0"/>
-              <a:t>Step 3.</a:t>
-            </a:r>
-          </a:p>
-        </p:txBody>
-      </p:sp>
-      <p:sp>
-        <p:nvSpPr>
-          <p:cNvPr id="11" name="TextBox 10">
-            <a:extLst>
-              <a:ext uri="{FF2B5EF4-FFF2-40B4-BE49-F238E27FC236}">
-                <a16:creationId xmlns:a16="http://schemas.microsoft.com/office/drawing/2014/main" id="{BC5839E8-DDA1-8F40-AB43-175E863C5085}"/>
-              </a:ext>
-            </a:extLst>
-          </p:cNvPr>
-          <p:cNvSpPr txBox="1"/>
-          <p:nvPr/>
-        </p:nvSpPr>
-        <p:spPr>
-          <a:xfrm>
-            <a:off x="5333681" y="5159959"/>
-            <a:ext cx="2024913" cy="1200329"/>
-          </a:xfrm>
-          <a:prstGeom prst="rect">
-            <a:avLst/>
-          </a:prstGeom>
-          <a:noFill/>
-        </p:spPr>
-        <p:txBody>
-          <a:bodyPr wrap="none" rtlCol="0">
-            <a:spAutoFit/>
-          </a:bodyPr>
-          <a:lstStyle/>
-          <a:p>
-            <a:r>
-              <a:rPr lang="en-US" dirty="0"/>
-              <a:t>Beware that if you</a:t>
-            </a:r>
-            <a:br>
-              <a:rPr lang="en-US" dirty="0"/>
-            </a:br>
-            <a:r>
-              <a:rPr lang="en-US" dirty="0"/>
-              <a:t>do not set your line</a:t>
-            </a:r>
-            <a:br>
-              <a:rPr lang="en-US" dirty="0"/>
-            </a:br>
-            <a:r>
-              <a:rPr lang="en-US" dirty="0"/>
-              <a:t>long enough, it will </a:t>
-            </a:r>
-            <a:br>
-              <a:rPr lang="en-US" dirty="0"/>
-            </a:br>
-            <a:r>
-              <a:rPr lang="en-US" dirty="0"/>
-              <a:t>not reach land.</a:t>
+              <a:t>Or run the whole code for each location as a top level loop.</a:t>
+            </a:r>
+          </a:p>
+          <a:p>
+            <a:endParaRPr lang="en-US" sz="1600" dirty="0"/>
+          </a:p>
+          <a:p>
+            <a:r>
+              <a:rPr lang="en-US" sz="1600" dirty="0"/>
+              <a:t>You will need to change spatial reference and distance measurement to reflect that of the input locations. Our example code used WGS84, whilst the location file uses a RI reference in Feet.</a:t>
             </a:r>
           </a:p>
         </p:txBody>
@@ -3905,7 +3590,7 @@
     </p:spTree>
     <p:extLst>
       <p:ext uri="{BB962C8B-B14F-4D97-AF65-F5344CB8AC3E}">
-        <p14:creationId xmlns:p14="http://schemas.microsoft.com/office/powerpoint/2010/main" val="598002054"/>
+        <p14:creationId xmlns:p14="http://schemas.microsoft.com/office/powerpoint/2010/main" val="3082804837"/>
       </p:ext>
     </p:extLst>
   </p:cSld>
@@ -3934,63 +3619,384 @@
       </p:grpSpPr>
       <p:sp>
         <p:nvSpPr>
-          <p:cNvPr id="2" name="Title 1">
-            <a:extLst>
-              <a:ext uri="{FF2B5EF4-FFF2-40B4-BE49-F238E27FC236}">
-                <a16:creationId xmlns:a16="http://schemas.microsoft.com/office/drawing/2014/main" id="{BAA768B2-3C64-8C43-AC9B-E80F03E78576}"/>
-              </a:ext>
-            </a:extLst>
-          </p:cNvPr>
-          <p:cNvSpPr>
-            <a:spLocks noGrp="1"/>
-          </p:cNvSpPr>
-          <p:nvPr>
-            <p:ph type="title"/>
-          </p:nvPr>
-        </p:nvSpPr>
-        <p:spPr/>
-        <p:txBody>
-          <a:bodyPr>
-            <a:normAutofit/>
+          <p:cNvPr id="5" name="TextBox 4">
+            <a:extLst>
+              <a:ext uri="{FF2B5EF4-FFF2-40B4-BE49-F238E27FC236}">
+                <a16:creationId xmlns:a16="http://schemas.microsoft.com/office/drawing/2014/main" id="{61A6F9FC-6FAB-DB4F-B5EC-912A4E8F6909}"/>
+              </a:ext>
+            </a:extLst>
+          </p:cNvPr>
+          <p:cNvSpPr txBox="1"/>
+          <p:nvPr/>
+        </p:nvSpPr>
+        <p:spPr>
+          <a:xfrm>
+            <a:off x="177427" y="304799"/>
+            <a:ext cx="3786871" cy="369332"/>
+          </a:xfrm>
+          <a:prstGeom prst="rect">
+            <a:avLst/>
+          </a:prstGeom>
+          <a:noFill/>
+        </p:spPr>
+        <p:txBody>
+          <a:bodyPr wrap="none" rtlCol="0">
+            <a:spAutoFit/>
           </a:bodyPr>
           <a:lstStyle/>
           <a:p>
             <a:r>
-              <a:rPr lang="en-US" sz="4800" b="1" dirty="0"/>
-              <a:t>AFTER THIS ARE HINTS AND SOLUTIONS</a:t>
-            </a:r>
-          </a:p>
-        </p:txBody>
-      </p:sp>
-      <p:sp>
-        <p:nvSpPr>
-          <p:cNvPr id="3" name="Text Placeholder 2">
-            <a:extLst>
-              <a:ext uri="{FF2B5EF4-FFF2-40B4-BE49-F238E27FC236}">
-                <a16:creationId xmlns:a16="http://schemas.microsoft.com/office/drawing/2014/main" id="{7E400014-4A40-684F-8CDD-F412320E596C}"/>
-              </a:ext>
-            </a:extLst>
-          </p:cNvPr>
-          <p:cNvSpPr>
-            <a:spLocks noGrp="1"/>
-          </p:cNvSpPr>
-          <p:nvPr>
-            <p:ph type="body" idx="1"/>
-          </p:nvPr>
-        </p:nvSpPr>
-        <p:spPr/>
-        <p:txBody>
-          <a:bodyPr/>
+              <a:rPr lang="en-US" b="1" dirty="0"/>
+              <a:t>Step 2 – Clip the lines by the coastline</a:t>
+            </a:r>
+          </a:p>
+        </p:txBody>
+      </p:sp>
+      <p:pic>
+        <p:nvPicPr>
+          <p:cNvPr id="3" name="Picture 2">
+            <a:extLst>
+              <a:ext uri="{FF2B5EF4-FFF2-40B4-BE49-F238E27FC236}">
+                <a16:creationId xmlns:a16="http://schemas.microsoft.com/office/drawing/2014/main" id="{3C9E9F78-6CFD-AD41-8DD7-9524E211C6B4}"/>
+              </a:ext>
+            </a:extLst>
+          </p:cNvPr>
+          <p:cNvPicPr>
+            <a:picLocks noChangeAspect="1"/>
+          </p:cNvPicPr>
+          <p:nvPr/>
+        </p:nvPicPr>
+        <p:blipFill>
+          <a:blip r:embed="rId2"/>
+          <a:stretch>
+            <a:fillRect/>
+          </a:stretch>
+        </p:blipFill>
+        <p:spPr>
+          <a:xfrm>
+            <a:off x="665304" y="972273"/>
+            <a:ext cx="3968260" cy="5388015"/>
+          </a:xfrm>
+          <a:prstGeom prst="rect">
+            <a:avLst/>
+          </a:prstGeom>
+        </p:spPr>
+      </p:pic>
+      <p:pic>
+        <p:nvPicPr>
+          <p:cNvPr id="6" name="Picture 5">
+            <a:extLst>
+              <a:ext uri="{FF2B5EF4-FFF2-40B4-BE49-F238E27FC236}">
+                <a16:creationId xmlns:a16="http://schemas.microsoft.com/office/drawing/2014/main" id="{83747008-E1B8-144A-BF3A-BF6D3DAB5B11}"/>
+              </a:ext>
+            </a:extLst>
+          </p:cNvPr>
+          <p:cNvPicPr>
+            <a:picLocks noChangeAspect="1"/>
+          </p:cNvPicPr>
+          <p:nvPr/>
+        </p:nvPicPr>
+        <p:blipFill>
+          <a:blip r:embed="rId3"/>
+          <a:stretch>
+            <a:fillRect/>
+          </a:stretch>
+        </p:blipFill>
+        <p:spPr>
+          <a:xfrm>
+            <a:off x="5331229" y="868101"/>
+            <a:ext cx="3339905" cy="2456727"/>
+          </a:xfrm>
+          <a:prstGeom prst="rect">
+            <a:avLst/>
+          </a:prstGeom>
+        </p:spPr>
+      </p:pic>
+      <p:sp>
+        <p:nvSpPr>
+          <p:cNvPr id="7" name="TextBox 6">
+            <a:extLst>
+              <a:ext uri="{FF2B5EF4-FFF2-40B4-BE49-F238E27FC236}">
+                <a16:creationId xmlns:a16="http://schemas.microsoft.com/office/drawing/2014/main" id="{9B7B62B3-0EBB-E441-8D8F-39C827BF6CBF}"/>
+              </a:ext>
+            </a:extLst>
+          </p:cNvPr>
+          <p:cNvSpPr txBox="1"/>
+          <p:nvPr/>
+        </p:nvSpPr>
+        <p:spPr>
+          <a:xfrm>
+            <a:off x="5245927" y="304799"/>
+            <a:ext cx="4898200" cy="369332"/>
+          </a:xfrm>
+          <a:prstGeom prst="rect">
+            <a:avLst/>
+          </a:prstGeom>
+          <a:noFill/>
+        </p:spPr>
+        <p:txBody>
+          <a:bodyPr wrap="none" rtlCol="0">
+            <a:spAutoFit/>
+          </a:bodyPr>
           <a:lstStyle/>
           <a:p>
-            <a:endParaRPr lang="en-US"/>
+            <a:r>
+              <a:rPr lang="en-US" b="1" dirty="0"/>
+              <a:t>Step 3 – Keep only lines connected to origin point</a:t>
+            </a:r>
+          </a:p>
+        </p:txBody>
+      </p:sp>
+      <p:pic>
+        <p:nvPicPr>
+          <p:cNvPr id="8" name="Picture 7">
+            <a:extLst>
+              <a:ext uri="{FF2B5EF4-FFF2-40B4-BE49-F238E27FC236}">
+                <a16:creationId xmlns:a16="http://schemas.microsoft.com/office/drawing/2014/main" id="{04ABFEB7-D475-1740-B8A0-E14A2E166C5A}"/>
+              </a:ext>
+            </a:extLst>
+          </p:cNvPr>
+          <p:cNvPicPr>
+            <a:picLocks noChangeAspect="1"/>
+          </p:cNvPicPr>
+          <p:nvPr/>
+        </p:nvPicPr>
+        <p:blipFill>
+          <a:blip r:embed="rId4"/>
+          <a:stretch>
+            <a:fillRect/>
+          </a:stretch>
+        </p:blipFill>
+        <p:spPr>
+          <a:xfrm>
+            <a:off x="7818547" y="3324828"/>
+            <a:ext cx="2753786" cy="3235030"/>
+          </a:xfrm>
+          <a:prstGeom prst="rect">
+            <a:avLst/>
+          </a:prstGeom>
+        </p:spPr>
+      </p:pic>
+      <p:sp>
+        <p:nvSpPr>
+          <p:cNvPr id="9" name="TextBox 8">
+            <a:extLst>
+              <a:ext uri="{FF2B5EF4-FFF2-40B4-BE49-F238E27FC236}">
+                <a16:creationId xmlns:a16="http://schemas.microsoft.com/office/drawing/2014/main" id="{793104C5-C202-2948-A623-8C9415D45901}"/>
+              </a:ext>
+            </a:extLst>
+          </p:cNvPr>
+          <p:cNvSpPr txBox="1"/>
+          <p:nvPr/>
+        </p:nvSpPr>
+        <p:spPr>
+          <a:xfrm>
+            <a:off x="8924081" y="930198"/>
+            <a:ext cx="3090492" cy="2339102"/>
+          </a:xfrm>
+          <a:prstGeom prst="rect">
+            <a:avLst/>
+          </a:prstGeom>
+          <a:noFill/>
+        </p:spPr>
+        <p:txBody>
+          <a:bodyPr wrap="square" rtlCol="0">
+            <a:spAutoFit/>
+          </a:bodyPr>
+          <a:lstStyle/>
+          <a:p>
+            <a:r>
+              <a:rPr lang="en-US" sz="1600" dirty="0"/>
+              <a:t>Use a buffer and then</a:t>
+            </a:r>
+          </a:p>
+          <a:p>
+            <a:r>
+              <a:rPr lang="en-US" sz="1600" dirty="0" err="1"/>
+              <a:t>SelectByLocation</a:t>
+            </a:r>
+            <a:r>
+              <a:rPr lang="en-US" sz="1600" dirty="0"/>
+              <a:t> (warning, select by location will only work on “Make Feature Layer”, i.e. a feature layer in memory. Not on an external shapefile), as sometimes you can’t accurately match up the starting location with the</a:t>
+            </a:r>
+          </a:p>
+          <a:p>
+            <a:r>
+              <a:rPr lang="en-US" sz="1600" dirty="0"/>
+              <a:t>lines due to rounding.</a:t>
+            </a:r>
+          </a:p>
+        </p:txBody>
+      </p:sp>
+      <p:sp>
+        <p:nvSpPr>
+          <p:cNvPr id="10" name="TextBox 9">
+            <a:extLst>
+              <a:ext uri="{FF2B5EF4-FFF2-40B4-BE49-F238E27FC236}">
+                <a16:creationId xmlns:a16="http://schemas.microsoft.com/office/drawing/2014/main" id="{4A2D5F54-6A89-5E45-8EC9-EDC3FDF0627A}"/>
+              </a:ext>
+            </a:extLst>
+          </p:cNvPr>
+          <p:cNvSpPr txBox="1"/>
+          <p:nvPr/>
+        </p:nvSpPr>
+        <p:spPr>
+          <a:xfrm>
+            <a:off x="177427" y="781656"/>
+            <a:ext cx="3563861" cy="3693319"/>
+          </a:xfrm>
+          <a:prstGeom prst="rect">
+            <a:avLst/>
+          </a:prstGeom>
+          <a:noFill/>
+        </p:spPr>
+        <p:txBody>
+          <a:bodyPr wrap="none" rtlCol="0">
+            <a:spAutoFit/>
+          </a:bodyPr>
+          <a:lstStyle/>
+          <a:p>
+            <a:r>
+              <a:rPr lang="en-US" dirty="0"/>
+              <a:t>Clip will remove any line that moves</a:t>
+            </a:r>
+          </a:p>
+          <a:p>
+            <a:r>
+              <a:rPr lang="en-US" dirty="0"/>
+              <a:t>over land but will not remove lines</a:t>
+            </a:r>
+          </a:p>
+          <a:p>
+            <a:r>
+              <a:rPr lang="en-US" dirty="0"/>
+              <a:t>that are no longer</a:t>
+            </a:r>
+          </a:p>
+          <a:p>
+            <a:r>
+              <a:rPr lang="en-US" dirty="0"/>
+              <a:t>part of the origin</a:t>
+            </a:r>
+          </a:p>
+          <a:p>
+            <a:r>
+              <a:rPr lang="en-US" dirty="0"/>
+              <a:t>line.</a:t>
+            </a:r>
+          </a:p>
+          <a:p>
+            <a:endParaRPr lang="en-US" dirty="0"/>
+          </a:p>
+          <a:p>
+            <a:r>
+              <a:rPr lang="en-US" dirty="0"/>
+              <a:t>Use Single to</a:t>
+            </a:r>
+          </a:p>
+          <a:p>
+            <a:r>
+              <a:rPr lang="en-US" dirty="0"/>
+              <a:t>Multipart</a:t>
+            </a:r>
+            <a:br>
+              <a:rPr lang="en-US" dirty="0"/>
+            </a:br>
+            <a:r>
+              <a:rPr lang="en-US" dirty="0"/>
+              <a:t>conversion</a:t>
+            </a:r>
+            <a:br>
+              <a:rPr lang="en-US" dirty="0"/>
+            </a:br>
+            <a:r>
+              <a:rPr lang="en-US" dirty="0"/>
+              <a:t>to split the </a:t>
+            </a:r>
+            <a:br>
+              <a:rPr lang="en-US" dirty="0"/>
+            </a:br>
+            <a:r>
+              <a:rPr lang="en-US" dirty="0"/>
+              <a:t>line and then</a:t>
+            </a:r>
+            <a:br>
+              <a:rPr lang="en-US" dirty="0"/>
+            </a:br>
+            <a:r>
+              <a:rPr lang="en-US" dirty="0"/>
+              <a:t>move to </a:t>
+            </a:r>
+            <a:br>
+              <a:rPr lang="en-US" dirty="0"/>
+            </a:br>
+            <a:r>
+              <a:rPr lang="en-US" dirty="0"/>
+              <a:t>Step 3.</a:t>
+            </a:r>
+          </a:p>
+        </p:txBody>
+      </p:sp>
+      <p:sp>
+        <p:nvSpPr>
+          <p:cNvPr id="11" name="TextBox 10">
+            <a:extLst>
+              <a:ext uri="{FF2B5EF4-FFF2-40B4-BE49-F238E27FC236}">
+                <a16:creationId xmlns:a16="http://schemas.microsoft.com/office/drawing/2014/main" id="{BC5839E8-DDA1-8F40-AB43-175E863C5085}"/>
+              </a:ext>
+            </a:extLst>
+          </p:cNvPr>
+          <p:cNvSpPr txBox="1"/>
+          <p:nvPr/>
+        </p:nvSpPr>
+        <p:spPr>
+          <a:xfrm>
+            <a:off x="5333681" y="5159959"/>
+            <a:ext cx="2024913" cy="1200329"/>
+          </a:xfrm>
+          <a:prstGeom prst="rect">
+            <a:avLst/>
+          </a:prstGeom>
+          <a:noFill/>
+        </p:spPr>
+        <p:txBody>
+          <a:bodyPr wrap="none" rtlCol="0">
+            <a:spAutoFit/>
+          </a:bodyPr>
+          <a:lstStyle/>
+          <a:p>
+            <a:r>
+              <a:rPr lang="en-US" dirty="0"/>
+              <a:t>Beware that if you</a:t>
+            </a:r>
+            <a:br>
+              <a:rPr lang="en-US" dirty="0"/>
+            </a:br>
+            <a:r>
+              <a:rPr lang="en-US" dirty="0"/>
+              <a:t>do not set your line</a:t>
+            </a:r>
+            <a:br>
+              <a:rPr lang="en-US" dirty="0"/>
+            </a:br>
+            <a:r>
+              <a:rPr lang="en-US" dirty="0"/>
+              <a:t>long enough, it will </a:t>
+            </a:r>
+            <a:br>
+              <a:rPr lang="en-US" dirty="0"/>
+            </a:br>
+            <a:r>
+              <a:rPr lang="en-US" dirty="0"/>
+              <a:t>not reach land.</a:t>
+            </a:r>
           </a:p>
         </p:txBody>
       </p:sp>
     </p:spTree>
     <p:extLst>
       <p:ext uri="{BB962C8B-B14F-4D97-AF65-F5344CB8AC3E}">
-        <p14:creationId xmlns:p14="http://schemas.microsoft.com/office/powerpoint/2010/main" val="3840122029"/>
+        <p14:creationId xmlns:p14="http://schemas.microsoft.com/office/powerpoint/2010/main" val="598002054"/>
       </p:ext>
     </p:extLst>
   </p:cSld>
@@ -4022,7 +4028,7 @@
           <p:cNvPr id="2" name="Title 1">
             <a:extLst>
               <a:ext uri="{FF2B5EF4-FFF2-40B4-BE49-F238E27FC236}">
-                <a16:creationId xmlns:a16="http://schemas.microsoft.com/office/drawing/2014/main" id="{3B8FC017-7479-7340-B28F-693966E76E08}"/>
+                <a16:creationId xmlns:a16="http://schemas.microsoft.com/office/drawing/2014/main" id="{BAA768B2-3C64-8C43-AC9B-E80F03E78576}"/>
               </a:ext>
             </a:extLst>
           </p:cNvPr>
@@ -4033,6 +4039,93 @@
             <p:ph type="title"/>
           </p:nvPr>
         </p:nvSpPr>
+        <p:spPr/>
+        <p:txBody>
+          <a:bodyPr>
+            <a:normAutofit/>
+          </a:bodyPr>
+          <a:lstStyle/>
+          <a:p>
+            <a:r>
+              <a:rPr lang="en-US" sz="4800" b="1" dirty="0">
+                <a:latin typeface="+mn-lt"/>
+              </a:rPr>
+              <a:t>AFTER THIS ARE HINTS AND SOLUTIONS</a:t>
+            </a:r>
+          </a:p>
+        </p:txBody>
+      </p:sp>
+      <p:sp>
+        <p:nvSpPr>
+          <p:cNvPr id="3" name="Text Placeholder 2">
+            <a:extLst>
+              <a:ext uri="{FF2B5EF4-FFF2-40B4-BE49-F238E27FC236}">
+                <a16:creationId xmlns:a16="http://schemas.microsoft.com/office/drawing/2014/main" id="{7E400014-4A40-684F-8CDD-F412320E596C}"/>
+              </a:ext>
+            </a:extLst>
+          </p:cNvPr>
+          <p:cNvSpPr>
+            <a:spLocks noGrp="1"/>
+          </p:cNvSpPr>
+          <p:nvPr>
+            <p:ph type="body" idx="1"/>
+          </p:nvPr>
+        </p:nvSpPr>
+        <p:spPr/>
+        <p:txBody>
+          <a:bodyPr/>
+          <a:lstStyle/>
+          <a:p>
+            <a:endParaRPr lang="en-US"/>
+          </a:p>
+        </p:txBody>
+      </p:sp>
+    </p:spTree>
+    <p:extLst>
+      <p:ext uri="{BB962C8B-B14F-4D97-AF65-F5344CB8AC3E}">
+        <p14:creationId xmlns:p14="http://schemas.microsoft.com/office/powerpoint/2010/main" val="3840122029"/>
+      </p:ext>
+    </p:extLst>
+  </p:cSld>
+  <p:clrMapOvr>
+    <a:masterClrMapping/>
+  </p:clrMapOvr>
+</p:sld>
+</file>
+
+<file path=ppt/slides/slide5.xml><?xml version="1.0" encoding="utf-8"?>
+<p:sld xmlns:a="http://schemas.openxmlformats.org/drawingml/2006/main" xmlns:r="http://schemas.openxmlformats.org/officeDocument/2006/relationships" xmlns:p="http://schemas.openxmlformats.org/presentationml/2006/main">
+  <p:cSld>
+    <p:spTree>
+      <p:nvGrpSpPr>
+        <p:cNvPr id="1" name=""/>
+        <p:cNvGrpSpPr/>
+        <p:nvPr/>
+      </p:nvGrpSpPr>
+      <p:grpSpPr>
+        <a:xfrm>
+          <a:off x="0" y="0"/>
+          <a:ext cx="0" cy="0"/>
+          <a:chOff x="0" y="0"/>
+          <a:chExt cx="0" cy="0"/>
+        </a:xfrm>
+      </p:grpSpPr>
+      <p:sp>
+        <p:nvSpPr>
+          <p:cNvPr id="2" name="Title 1">
+            <a:extLst>
+              <a:ext uri="{FF2B5EF4-FFF2-40B4-BE49-F238E27FC236}">
+                <a16:creationId xmlns:a16="http://schemas.microsoft.com/office/drawing/2014/main" id="{3B8FC017-7479-7340-B28F-693966E76E08}"/>
+              </a:ext>
+            </a:extLst>
+          </p:cNvPr>
+          <p:cNvSpPr>
+            <a:spLocks noGrp="1"/>
+          </p:cNvSpPr>
+          <p:nvPr>
+            <p:ph type="title"/>
+          </p:nvPr>
+        </p:nvSpPr>
         <p:spPr>
           <a:xfrm>
             <a:off x="197069" y="131762"/>
@@ -4087,7 +4180,7 @@
             </a:pPr>
             <a:r>
               <a:rPr lang="en-US" dirty="0"/>
-              <a:t>Not at all tricky, right in your code, you are pulling out the X and Y locations and assigning that as your start and end point in your code. All we are going to do is extend our input file to include an “ID” column and propagate through to the final radiating lines file.</a:t>
+              <a:t>Not at all that tricky. In your code, you are pulling out the X and Y locations and assigning that as your start and end point in your code. All we are going to do is extend our input file to include an “ID” column and propagate through to the final radiating lines file.</a:t>
             </a:r>
           </a:p>
         </p:txBody>
@@ -6193,10 +6286,49 @@
           </a:p>
         </p:txBody>
       </p:sp>
+      <p:sp>
+        <p:nvSpPr>
+          <p:cNvPr id="13" name="TextBox 12">
+            <a:extLst>
+              <a:ext uri="{FF2B5EF4-FFF2-40B4-BE49-F238E27FC236}">
+                <a16:creationId xmlns:a16="http://schemas.microsoft.com/office/drawing/2014/main" id="{F9148387-87F4-C04C-AE82-F93760FAB834}"/>
+              </a:ext>
+            </a:extLst>
+          </p:cNvPr>
+          <p:cNvSpPr txBox="1"/>
+          <p:nvPr/>
+        </p:nvSpPr>
+        <p:spPr>
+          <a:xfrm>
+            <a:off x="197069" y="6358759"/>
+            <a:ext cx="1471448" cy="276999"/>
+          </a:xfrm>
+          <a:prstGeom prst="rect">
+            <a:avLst/>
+          </a:prstGeom>
+          <a:noFill/>
+        </p:spPr>
+        <p:txBody>
+          <a:bodyPr wrap="square" rtlCol="0">
+            <a:spAutoFit/>
+          </a:bodyPr>
+          <a:lstStyle/>
+          <a:p>
+            <a:r>
+              <a:rPr lang="en-US" sz="1200" dirty="0">
+                <a:solidFill>
+                  <a:srgbClr val="FF0000"/>
+                </a:solidFill>
+              </a:rPr>
+              <a:t>Not tested!</a:t>
+            </a:r>
+          </a:p>
+        </p:txBody>
+      </p:sp>
     </p:spTree>
     <p:extLst>
       <p:ext uri="{BB962C8B-B14F-4D97-AF65-F5344CB8AC3E}">
-        <p14:creationId xmlns:p14="http://schemas.microsoft.com/office/powerpoint/2010/main" val="2773395840"/>
+        <p14:creationId xmlns:p14="http://schemas.microsoft.com/office/powerpoint/2010/main" val="3226720344"/>
       </p:ext>
     </p:extLst>
   </p:cSld>
@@ -6206,7 +6338,7 @@
 </p:sld>
 </file>
 
-<file path=ppt/slides/slide5.xml><?xml version="1.0" encoding="utf-8"?>
+<file path=ppt/slides/slide6.xml><?xml version="1.0" encoding="utf-8"?>
 <p:sld xmlns:a="http://schemas.openxmlformats.org/drawingml/2006/main" xmlns:r="http://schemas.openxmlformats.org/officeDocument/2006/relationships" xmlns:p="http://schemas.openxmlformats.org/presentationml/2006/main">
   <p:cSld>
     <p:spTree>
@@ -6228,7 +6360,7 @@
           <p:cNvPr id="2" name="Title 1">
             <a:extLst>
               <a:ext uri="{FF2B5EF4-FFF2-40B4-BE49-F238E27FC236}">
-                <a16:creationId xmlns:a16="http://schemas.microsoft.com/office/drawing/2014/main" id="{8C7E318F-53A2-FA4B-BC12-988AB6583903}"/>
+                <a16:creationId xmlns:a16="http://schemas.microsoft.com/office/drawing/2014/main" id="{3B8FC017-7479-7340-B28F-693966E76E08}"/>
               </a:ext>
             </a:extLst>
           </p:cNvPr>
@@ -6239,12 +6371,36 @@
             <p:ph type="title"/>
           </p:nvPr>
         </p:nvSpPr>
-        <p:spPr/>
-        <p:txBody>
-          <a:bodyPr/>
+        <p:spPr>
+          <a:xfrm>
+            <a:off x="197069" y="131762"/>
+            <a:ext cx="6687207" cy="549275"/>
+          </a:xfrm>
+        </p:spPr>
+        <p:txBody>
+          <a:bodyPr>
+            <a:normAutofit/>
+          </a:bodyPr>
           <a:lstStyle/>
           <a:p>
-            <a:endParaRPr lang="en-US"/>
+            <a:r>
+              <a:rPr lang="en-US" sz="2800" b="1" dirty="0">
+                <a:latin typeface="+mn-lt"/>
+              </a:rPr>
+              <a:t>How to intersect using </a:t>
+            </a:r>
+            <a:r>
+              <a:rPr lang="en-US" sz="2800" b="1" dirty="0" err="1">
+                <a:latin typeface="+mn-lt"/>
+              </a:rPr>
+              <a:t>SelectByLocation</a:t>
+            </a:r>
+            <a:r>
+              <a:rPr lang="en-US" sz="2800" b="1" dirty="0">
+                <a:latin typeface="+mn-lt"/>
+              </a:rPr>
+              <a:t>?</a:t>
+            </a:r>
           </a:p>
         </p:txBody>
       </p:sp>
@@ -6253,7 +6409,7 @@
           <p:cNvPr id="3" name="Content Placeholder 2">
             <a:extLst>
               <a:ext uri="{FF2B5EF4-FFF2-40B4-BE49-F238E27FC236}">
-                <a16:creationId xmlns:a16="http://schemas.microsoft.com/office/drawing/2014/main" id="{80A01BB1-E0BB-C44E-9B08-9DFC7CD42808}"/>
+                <a16:creationId xmlns:a16="http://schemas.microsoft.com/office/drawing/2014/main" id="{7882ED3F-7AA1-E547-BBFC-5027AD6F53FE}"/>
               </a:ext>
             </a:extLst>
           </p:cNvPr>
@@ -6264,19 +6420,1839 @@
             <p:ph idx="1"/>
           </p:nvPr>
         </p:nvSpPr>
-        <p:spPr/>
-        <p:txBody>
-          <a:bodyPr/>
+        <p:spPr>
+          <a:xfrm>
+            <a:off x="197069" y="681037"/>
+            <a:ext cx="3384333" cy="2547008"/>
+          </a:xfrm>
+        </p:spPr>
+        <p:txBody>
+          <a:bodyPr>
+            <a:normAutofit fontScale="92500" lnSpcReduction="20000"/>
+          </a:bodyPr>
           <a:lstStyle/>
           <a:p>
-            <a:endParaRPr lang="en-US"/>
+            <a:pPr marL="0" indent="0">
+              <a:buNone/>
+            </a:pPr>
+            <a:r>
+              <a:rPr lang="en-US" dirty="0"/>
+              <a:t>This is a way to retain only lines that meet our requirements. In this example, I am using pure location code, not doing anything with each site here.</a:t>
+            </a:r>
+          </a:p>
+        </p:txBody>
+      </p:sp>
+      <p:cxnSp>
+        <p:nvCxnSpPr>
+          <p:cNvPr id="11" name="Straight Arrow Connector 10">
+            <a:extLst>
+              <a:ext uri="{FF2B5EF4-FFF2-40B4-BE49-F238E27FC236}">
+                <a16:creationId xmlns:a16="http://schemas.microsoft.com/office/drawing/2014/main" id="{32A9845D-ECE0-8A41-89D6-C31A60E117A4}"/>
+              </a:ext>
+            </a:extLst>
+          </p:cNvPr>
+          <p:cNvCxnSpPr>
+            <a:cxnSpLocks/>
+          </p:cNvCxnSpPr>
+          <p:nvPr/>
+        </p:nvCxnSpPr>
+        <p:spPr>
+          <a:xfrm flipH="1">
+            <a:off x="10221310" y="2850968"/>
+            <a:ext cx="289035" cy="578032"/>
+          </a:xfrm>
+          <a:prstGeom prst="straightConnector1">
+            <a:avLst/>
+          </a:prstGeom>
+          <a:ln w="57150">
+            <a:solidFill>
+              <a:srgbClr val="FF0000"/>
+            </a:solidFill>
+            <a:tailEnd type="triangle"/>
+          </a:ln>
+        </p:spPr>
+        <p:style>
+          <a:lnRef idx="1">
+            <a:schemeClr val="accent1"/>
+          </a:lnRef>
+          <a:fillRef idx="0">
+            <a:schemeClr val="accent1"/>
+          </a:fillRef>
+          <a:effectRef idx="0">
+            <a:schemeClr val="accent1"/>
+          </a:effectRef>
+          <a:fontRef idx="minor">
+            <a:schemeClr val="tx1"/>
+          </a:fontRef>
+        </p:style>
+      </p:cxnSp>
+      <p:sp>
+        <p:nvSpPr>
+          <p:cNvPr id="12" name="TextBox 11">
+            <a:extLst>
+              <a:ext uri="{FF2B5EF4-FFF2-40B4-BE49-F238E27FC236}">
+                <a16:creationId xmlns:a16="http://schemas.microsoft.com/office/drawing/2014/main" id="{3EDFA0EF-66E4-0941-9CC0-1972277ABA70}"/>
+              </a:ext>
+            </a:extLst>
+          </p:cNvPr>
+          <p:cNvSpPr txBox="1"/>
+          <p:nvPr/>
+        </p:nvSpPr>
+        <p:spPr>
+          <a:xfrm>
+            <a:off x="10510345" y="2278879"/>
+            <a:ext cx="1471448" cy="830997"/>
+          </a:xfrm>
+          <a:prstGeom prst="rect">
+            <a:avLst/>
+          </a:prstGeom>
+          <a:noFill/>
+        </p:spPr>
+        <p:txBody>
+          <a:bodyPr wrap="square" rtlCol="0">
+            <a:spAutoFit/>
+          </a:bodyPr>
+          <a:lstStyle/>
+          <a:p>
+            <a:r>
+              <a:rPr lang="en-US" sz="1200" dirty="0">
+                <a:solidFill>
+                  <a:srgbClr val="FF0000"/>
+                </a:solidFill>
+              </a:rPr>
+              <a:t>Have to do this to create lines that are split when moving across coastline.</a:t>
+            </a:r>
+          </a:p>
+        </p:txBody>
+      </p:sp>
+      <p:sp>
+        <p:nvSpPr>
+          <p:cNvPr id="5" name="Rectangle 4">
+            <a:extLst>
+              <a:ext uri="{FF2B5EF4-FFF2-40B4-BE49-F238E27FC236}">
+                <a16:creationId xmlns:a16="http://schemas.microsoft.com/office/drawing/2014/main" id="{A305C646-C819-9044-A35F-0FCECD52F5A5}"/>
+              </a:ext>
+            </a:extLst>
+          </p:cNvPr>
+          <p:cNvSpPr/>
+          <p:nvPr/>
+        </p:nvSpPr>
+        <p:spPr>
+          <a:xfrm>
+            <a:off x="2522482" y="2850968"/>
+            <a:ext cx="9075683" cy="2446824"/>
+          </a:xfrm>
+          <a:prstGeom prst="rect">
+            <a:avLst/>
+          </a:prstGeom>
+        </p:spPr>
+        <p:txBody>
+          <a:bodyPr wrap="square">
+            <a:spAutoFit/>
+          </a:bodyPr>
+          <a:lstStyle/>
+          <a:p>
+            <a:br>
+              <a:rPr lang="en-US" sz="900" dirty="0">
+                <a:solidFill>
+                  <a:srgbClr val="000000"/>
+                </a:solidFill>
+                <a:latin typeface="Helvetica" pitchFamily="2" charset="0"/>
+              </a:rPr>
+            </a:br>
+            <a:br>
+              <a:rPr lang="en-US" sz="900" dirty="0">
+                <a:solidFill>
+                  <a:srgbClr val="000000"/>
+                </a:solidFill>
+                <a:latin typeface="Helvetica" pitchFamily="2" charset="0"/>
+              </a:rPr>
+            </a:br>
+            <a:r>
+              <a:rPr lang="en-US" sz="900" dirty="0" err="1">
+                <a:solidFill>
+                  <a:srgbClr val="000000"/>
+                </a:solidFill>
+                <a:latin typeface="Consolas" panose="020B0609020204030204" pitchFamily="49" charset="0"/>
+              </a:rPr>
+              <a:t>arcpy.Clip_analysis</a:t>
+            </a:r>
+            <a:r>
+              <a:rPr lang="en-US" sz="900" dirty="0">
+                <a:solidFill>
+                  <a:srgbClr val="000000"/>
+                </a:solidFill>
+                <a:latin typeface="Consolas" panose="020B0609020204030204" pitchFamily="49" charset="0"/>
+              </a:rPr>
+              <a:t>(</a:t>
+            </a:r>
+            <a:r>
+              <a:rPr lang="en-US" sz="900" b="1" dirty="0">
+                <a:solidFill>
+                  <a:srgbClr val="008000"/>
+                </a:solidFill>
+                <a:latin typeface="Consolas" panose="020B0609020204030204" pitchFamily="49" charset="0"/>
+              </a:rPr>
+              <a:t>"</a:t>
+            </a:r>
+            <a:r>
+              <a:rPr lang="en-US" sz="900" b="1" dirty="0" err="1">
+                <a:solidFill>
+                  <a:srgbClr val="008000"/>
+                </a:solidFill>
+                <a:latin typeface="Consolas" panose="020B0609020204030204" pitchFamily="49" charset="0"/>
+              </a:rPr>
+              <a:t>Radiating_Lines.shp</a:t>
+            </a:r>
+            <a:r>
+              <a:rPr lang="en-US" sz="900" b="1" dirty="0">
+                <a:solidFill>
+                  <a:srgbClr val="008000"/>
+                </a:solidFill>
+                <a:latin typeface="Consolas" panose="020B0609020204030204" pitchFamily="49" charset="0"/>
+              </a:rPr>
+              <a:t>"</a:t>
+            </a:r>
+            <a:r>
+              <a:rPr lang="en-US" sz="900" dirty="0">
+                <a:solidFill>
+                  <a:srgbClr val="000000"/>
+                </a:solidFill>
+                <a:latin typeface="Consolas" panose="020B0609020204030204" pitchFamily="49" charset="0"/>
+              </a:rPr>
+              <a:t>, </a:t>
+            </a:r>
+            <a:r>
+              <a:rPr lang="en-US" sz="900" b="1" dirty="0">
+                <a:solidFill>
+                  <a:srgbClr val="008000"/>
+                </a:solidFill>
+                <a:latin typeface="Consolas" panose="020B0609020204030204" pitchFamily="49" charset="0"/>
+              </a:rPr>
+              <a:t>"</a:t>
+            </a:r>
+            <a:r>
+              <a:rPr lang="en-US" sz="900" b="1" dirty="0" err="1">
+                <a:solidFill>
+                  <a:srgbClr val="008000"/>
+                </a:solidFill>
+                <a:latin typeface="Consolas" panose="020B0609020204030204" pitchFamily="49" charset="0"/>
+              </a:rPr>
+              <a:t>NB_Coastline.shp</a:t>
+            </a:r>
+            <a:r>
+              <a:rPr lang="en-US" sz="900" b="1" dirty="0">
+                <a:solidFill>
+                  <a:srgbClr val="008000"/>
+                </a:solidFill>
+                <a:latin typeface="Consolas" panose="020B0609020204030204" pitchFamily="49" charset="0"/>
+              </a:rPr>
+              <a:t>"</a:t>
+            </a:r>
+            <a:r>
+              <a:rPr lang="en-US" sz="900" dirty="0">
+                <a:solidFill>
+                  <a:srgbClr val="000000"/>
+                </a:solidFill>
+                <a:latin typeface="Consolas" panose="020B0609020204030204" pitchFamily="49" charset="0"/>
+              </a:rPr>
+              <a:t>, </a:t>
+            </a:r>
+            <a:r>
+              <a:rPr lang="en-US" sz="900" b="1" dirty="0">
+                <a:solidFill>
+                  <a:srgbClr val="008000"/>
+                </a:solidFill>
+                <a:latin typeface="Consolas" panose="020B0609020204030204" pitchFamily="49" charset="0"/>
+              </a:rPr>
+              <a:t>"</a:t>
+            </a:r>
+            <a:r>
+              <a:rPr lang="en-US" sz="900" b="1" dirty="0" err="1">
+                <a:solidFill>
+                  <a:srgbClr val="008000"/>
+                </a:solidFill>
+                <a:latin typeface="Consolas" panose="020B0609020204030204" pitchFamily="49" charset="0"/>
+              </a:rPr>
+              <a:t>Radiating_Lines_Clipped.shp</a:t>
+            </a:r>
+            <a:r>
+              <a:rPr lang="en-US" sz="900" b="1" dirty="0">
+                <a:solidFill>
+                  <a:srgbClr val="008000"/>
+                </a:solidFill>
+                <a:latin typeface="Consolas" panose="020B0609020204030204" pitchFamily="49" charset="0"/>
+              </a:rPr>
+              <a:t>"</a:t>
+            </a:r>
+            <a:r>
+              <a:rPr lang="en-US" sz="900" dirty="0">
+                <a:solidFill>
+                  <a:srgbClr val="000000"/>
+                </a:solidFill>
+                <a:latin typeface="Consolas" panose="020B0609020204030204" pitchFamily="49" charset="0"/>
+              </a:rPr>
+              <a:t>, </a:t>
+            </a:r>
+            <a:r>
+              <a:rPr lang="en-US" sz="900" dirty="0" err="1">
+                <a:solidFill>
+                  <a:srgbClr val="000000"/>
+                </a:solidFill>
+                <a:latin typeface="Consolas" panose="020B0609020204030204" pitchFamily="49" charset="0"/>
+              </a:rPr>
+              <a:t>xy_tolerance</a:t>
+            </a:r>
+            <a:r>
+              <a:rPr lang="en-US" sz="900" dirty="0">
+                <a:solidFill>
+                  <a:srgbClr val="000000"/>
+                </a:solidFill>
+                <a:latin typeface="Consolas" panose="020B0609020204030204" pitchFamily="49" charset="0"/>
+              </a:rPr>
+              <a:t>)</a:t>
+            </a:r>
+            <a:br>
+              <a:rPr lang="en-US" sz="900" dirty="0">
+                <a:solidFill>
+                  <a:srgbClr val="000000"/>
+                </a:solidFill>
+                <a:latin typeface="Consolas" panose="020B0609020204030204" pitchFamily="49" charset="0"/>
+              </a:rPr>
+            </a:br>
+            <a:br>
+              <a:rPr lang="en-US" sz="900" dirty="0">
+                <a:solidFill>
+                  <a:srgbClr val="000000"/>
+                </a:solidFill>
+                <a:latin typeface="Consolas" panose="020B0609020204030204" pitchFamily="49" charset="0"/>
+              </a:rPr>
+            </a:br>
+            <a:r>
+              <a:rPr lang="en-US" sz="900" dirty="0" err="1">
+                <a:solidFill>
+                  <a:srgbClr val="000000"/>
+                </a:solidFill>
+                <a:latin typeface="Consolas" panose="020B0609020204030204" pitchFamily="49" charset="0"/>
+              </a:rPr>
+              <a:t>arcpy.MultipartToSinglepart_management</a:t>
+            </a:r>
+            <a:r>
+              <a:rPr lang="en-US" sz="900" dirty="0">
+                <a:solidFill>
+                  <a:srgbClr val="000000"/>
+                </a:solidFill>
+                <a:latin typeface="Consolas" panose="020B0609020204030204" pitchFamily="49" charset="0"/>
+              </a:rPr>
+              <a:t>(</a:t>
+            </a:r>
+            <a:r>
+              <a:rPr lang="en-US" sz="900" dirty="0" err="1">
+                <a:solidFill>
+                  <a:srgbClr val="660099"/>
+                </a:solidFill>
+                <a:latin typeface="Consolas" panose="020B0609020204030204" pitchFamily="49" charset="0"/>
+              </a:rPr>
+              <a:t>in_features</a:t>
+            </a:r>
+            <a:r>
+              <a:rPr lang="en-US" sz="900" dirty="0">
+                <a:solidFill>
+                  <a:srgbClr val="000000"/>
+                </a:solidFill>
+                <a:latin typeface="Consolas" panose="020B0609020204030204" pitchFamily="49" charset="0"/>
+              </a:rPr>
+              <a:t>=</a:t>
+            </a:r>
+            <a:r>
+              <a:rPr lang="en-US" sz="900" b="1" dirty="0">
+                <a:solidFill>
+                  <a:srgbClr val="008000"/>
+                </a:solidFill>
+                <a:latin typeface="Consolas" panose="020B0609020204030204" pitchFamily="49" charset="0"/>
+              </a:rPr>
+              <a:t>"</a:t>
+            </a:r>
+            <a:r>
+              <a:rPr lang="en-US" sz="900" b="1" dirty="0" err="1">
+                <a:solidFill>
+                  <a:srgbClr val="008000"/>
+                </a:solidFill>
+                <a:latin typeface="Consolas" panose="020B0609020204030204" pitchFamily="49" charset="0"/>
+              </a:rPr>
+              <a:t>Radiating_Lines_Clipped.shp</a:t>
+            </a:r>
+            <a:r>
+              <a:rPr lang="en-US" sz="900" b="1" dirty="0">
+                <a:solidFill>
+                  <a:srgbClr val="008000"/>
+                </a:solidFill>
+                <a:latin typeface="Consolas" panose="020B0609020204030204" pitchFamily="49" charset="0"/>
+              </a:rPr>
+              <a:t>"</a:t>
+            </a:r>
+            <a:r>
+              <a:rPr lang="en-US" sz="900" dirty="0">
+                <a:solidFill>
+                  <a:srgbClr val="000000"/>
+                </a:solidFill>
+                <a:latin typeface="Consolas" panose="020B0609020204030204" pitchFamily="49" charset="0"/>
+              </a:rPr>
+              <a:t>, </a:t>
+            </a:r>
+            <a:r>
+              <a:rPr lang="en-US" sz="900" dirty="0" err="1">
+                <a:solidFill>
+                  <a:srgbClr val="660099"/>
+                </a:solidFill>
+                <a:latin typeface="Consolas" panose="020B0609020204030204" pitchFamily="49" charset="0"/>
+              </a:rPr>
+              <a:t>out_feature_class</a:t>
+            </a:r>
+            <a:r>
+              <a:rPr lang="en-US" sz="900" dirty="0">
+                <a:solidFill>
+                  <a:srgbClr val="000000"/>
+                </a:solidFill>
+                <a:latin typeface="Consolas" panose="020B0609020204030204" pitchFamily="49" charset="0"/>
+              </a:rPr>
+              <a:t>=</a:t>
+            </a:r>
+            <a:r>
+              <a:rPr lang="en-US" sz="900" b="1" dirty="0">
+                <a:solidFill>
+                  <a:srgbClr val="008000"/>
+                </a:solidFill>
+                <a:latin typeface="Consolas" panose="020B0609020204030204" pitchFamily="49" charset="0"/>
+              </a:rPr>
+              <a:t>"</a:t>
+            </a:r>
+            <a:r>
+              <a:rPr lang="en-US" sz="900" b="1" dirty="0" err="1">
+                <a:solidFill>
+                  <a:srgbClr val="008000"/>
+                </a:solidFill>
+                <a:latin typeface="Consolas" panose="020B0609020204030204" pitchFamily="49" charset="0"/>
+              </a:rPr>
+              <a:t>Single_to_Multi_Output.shp</a:t>
+            </a:r>
+            <a:r>
+              <a:rPr lang="en-US" sz="900" b="1" dirty="0">
+                <a:solidFill>
+                  <a:srgbClr val="008000"/>
+                </a:solidFill>
+                <a:latin typeface="Consolas" panose="020B0609020204030204" pitchFamily="49" charset="0"/>
+              </a:rPr>
+              <a:t>"</a:t>
+            </a:r>
+            <a:r>
+              <a:rPr lang="en-US" sz="900" dirty="0">
+                <a:solidFill>
+                  <a:srgbClr val="000000"/>
+                </a:solidFill>
+                <a:latin typeface="Consolas" panose="020B0609020204030204" pitchFamily="49" charset="0"/>
+              </a:rPr>
+              <a:t>)</a:t>
+            </a:r>
+            <a:br>
+              <a:rPr lang="en-US" sz="900" dirty="0">
+                <a:solidFill>
+                  <a:srgbClr val="000000"/>
+                </a:solidFill>
+                <a:latin typeface="Consolas" panose="020B0609020204030204" pitchFamily="49" charset="0"/>
+              </a:rPr>
+            </a:br>
+            <a:br>
+              <a:rPr lang="en-US" sz="900" dirty="0">
+                <a:solidFill>
+                  <a:srgbClr val="000000"/>
+                </a:solidFill>
+                <a:latin typeface="Consolas" panose="020B0609020204030204" pitchFamily="49" charset="0"/>
+              </a:rPr>
+            </a:br>
+            <a:r>
+              <a:rPr lang="en-US" sz="900" dirty="0" err="1">
+                <a:solidFill>
+                  <a:srgbClr val="000000"/>
+                </a:solidFill>
+                <a:latin typeface="Consolas" panose="020B0609020204030204" pitchFamily="49" charset="0"/>
+              </a:rPr>
+              <a:t>arcpy.Buffer_analysis</a:t>
+            </a:r>
+            <a:r>
+              <a:rPr lang="en-US" sz="900" dirty="0">
+                <a:solidFill>
+                  <a:srgbClr val="000000"/>
+                </a:solidFill>
+                <a:latin typeface="Consolas" panose="020B0609020204030204" pitchFamily="49" charset="0"/>
+              </a:rPr>
+              <a:t>(</a:t>
+            </a:r>
+            <a:r>
+              <a:rPr lang="en-US" sz="900" dirty="0" err="1">
+                <a:solidFill>
+                  <a:srgbClr val="660099"/>
+                </a:solidFill>
+                <a:latin typeface="Consolas" panose="020B0609020204030204" pitchFamily="49" charset="0"/>
+              </a:rPr>
+              <a:t>in_features</a:t>
+            </a:r>
+            <a:r>
+              <a:rPr lang="en-US" sz="900" dirty="0">
+                <a:solidFill>
+                  <a:srgbClr val="000000"/>
+                </a:solidFill>
+                <a:latin typeface="Consolas" panose="020B0609020204030204" pitchFamily="49" charset="0"/>
+              </a:rPr>
+              <a:t>=</a:t>
+            </a:r>
+            <a:r>
+              <a:rPr lang="en-US" sz="900" b="1" dirty="0">
+                <a:solidFill>
+                  <a:srgbClr val="008000"/>
+                </a:solidFill>
+                <a:latin typeface="Consolas" panose="020B0609020204030204" pitchFamily="49" charset="0"/>
+              </a:rPr>
+              <a:t>"</a:t>
+            </a:r>
+            <a:r>
+              <a:rPr lang="en-US" sz="900" b="1" dirty="0" err="1">
+                <a:solidFill>
+                  <a:srgbClr val="008000"/>
+                </a:solidFill>
+                <a:latin typeface="Consolas" panose="020B0609020204030204" pitchFamily="49" charset="0"/>
+              </a:rPr>
+              <a:t>Site_Locations.shp</a:t>
+            </a:r>
+            <a:r>
+              <a:rPr lang="en-US" sz="900" b="1" dirty="0">
+                <a:solidFill>
+                  <a:srgbClr val="008000"/>
+                </a:solidFill>
+                <a:latin typeface="Consolas" panose="020B0609020204030204" pitchFamily="49" charset="0"/>
+              </a:rPr>
+              <a:t>"</a:t>
+            </a:r>
+            <a:r>
+              <a:rPr lang="en-US" sz="900" dirty="0">
+                <a:solidFill>
+                  <a:srgbClr val="000000"/>
+                </a:solidFill>
+                <a:latin typeface="Consolas" panose="020B0609020204030204" pitchFamily="49" charset="0"/>
+              </a:rPr>
+              <a:t>, </a:t>
+            </a:r>
+            <a:r>
+              <a:rPr lang="en-US" sz="900" dirty="0" err="1">
+                <a:solidFill>
+                  <a:srgbClr val="660099"/>
+                </a:solidFill>
+                <a:latin typeface="Consolas" panose="020B0609020204030204" pitchFamily="49" charset="0"/>
+              </a:rPr>
+              <a:t>out_feature_class</a:t>
+            </a:r>
+            <a:r>
+              <a:rPr lang="en-US" sz="900" dirty="0">
+                <a:solidFill>
+                  <a:srgbClr val="000000"/>
+                </a:solidFill>
+                <a:latin typeface="Consolas" panose="020B0609020204030204" pitchFamily="49" charset="0"/>
+              </a:rPr>
+              <a:t>=</a:t>
+            </a:r>
+            <a:r>
+              <a:rPr lang="en-US" sz="900" b="1" dirty="0">
+                <a:solidFill>
+                  <a:srgbClr val="008000"/>
+                </a:solidFill>
+                <a:latin typeface="Consolas" panose="020B0609020204030204" pitchFamily="49" charset="0"/>
+              </a:rPr>
+              <a:t>"Sites_10m_Buffer.shp"</a:t>
+            </a:r>
+            <a:r>
+              <a:rPr lang="en-US" sz="900" dirty="0">
+                <a:solidFill>
+                  <a:srgbClr val="000000"/>
+                </a:solidFill>
+                <a:latin typeface="Consolas" panose="020B0609020204030204" pitchFamily="49" charset="0"/>
+              </a:rPr>
+              <a:t>,</a:t>
+            </a:r>
+            <a:br>
+              <a:rPr lang="en-US" sz="900" dirty="0">
+                <a:solidFill>
+                  <a:srgbClr val="000000"/>
+                </a:solidFill>
+                <a:latin typeface="Consolas" panose="020B0609020204030204" pitchFamily="49" charset="0"/>
+              </a:rPr>
+            </a:br>
+            <a:r>
+              <a:rPr lang="en-US" sz="900" dirty="0">
+                <a:solidFill>
+                  <a:srgbClr val="000000"/>
+                </a:solidFill>
+                <a:latin typeface="Consolas" panose="020B0609020204030204" pitchFamily="49" charset="0"/>
+              </a:rPr>
+              <a:t>                      </a:t>
+            </a:r>
+            <a:r>
+              <a:rPr lang="en-US" sz="900" dirty="0" err="1">
+                <a:solidFill>
+                  <a:srgbClr val="660099"/>
+                </a:solidFill>
+                <a:latin typeface="Consolas" panose="020B0609020204030204" pitchFamily="49" charset="0"/>
+              </a:rPr>
+              <a:t>buffer_distance_or_field</a:t>
+            </a:r>
+            <a:r>
+              <a:rPr lang="en-US" sz="900" dirty="0">
+                <a:solidFill>
+                  <a:srgbClr val="000000"/>
+                </a:solidFill>
+                <a:latin typeface="Consolas" panose="020B0609020204030204" pitchFamily="49" charset="0"/>
+              </a:rPr>
+              <a:t>=</a:t>
+            </a:r>
+            <a:r>
+              <a:rPr lang="en-US" sz="900" b="1" dirty="0">
+                <a:solidFill>
+                  <a:srgbClr val="008000"/>
+                </a:solidFill>
+                <a:latin typeface="Consolas" panose="020B0609020204030204" pitchFamily="49" charset="0"/>
+              </a:rPr>
+              <a:t>"10 Meters"</a:t>
+            </a:r>
+            <a:r>
+              <a:rPr lang="en-US" sz="900" dirty="0">
+                <a:solidFill>
+                  <a:srgbClr val="000000"/>
+                </a:solidFill>
+                <a:latin typeface="Consolas" panose="020B0609020204030204" pitchFamily="49" charset="0"/>
+              </a:rPr>
+              <a:t>, </a:t>
+            </a:r>
+            <a:r>
+              <a:rPr lang="en-US" sz="900" dirty="0" err="1">
+                <a:solidFill>
+                  <a:srgbClr val="660099"/>
+                </a:solidFill>
+                <a:latin typeface="Consolas" panose="020B0609020204030204" pitchFamily="49" charset="0"/>
+              </a:rPr>
+              <a:t>line_side</a:t>
+            </a:r>
+            <a:r>
+              <a:rPr lang="en-US" sz="900" dirty="0">
+                <a:solidFill>
+                  <a:srgbClr val="000000"/>
+                </a:solidFill>
+                <a:latin typeface="Consolas" panose="020B0609020204030204" pitchFamily="49" charset="0"/>
+              </a:rPr>
+              <a:t>=</a:t>
+            </a:r>
+            <a:r>
+              <a:rPr lang="en-US" sz="900" b="1" dirty="0">
+                <a:solidFill>
+                  <a:srgbClr val="008000"/>
+                </a:solidFill>
+                <a:latin typeface="Consolas" panose="020B0609020204030204" pitchFamily="49" charset="0"/>
+              </a:rPr>
+              <a:t>"FULL"</a:t>
+            </a:r>
+            <a:r>
+              <a:rPr lang="en-US" sz="900" dirty="0">
+                <a:solidFill>
+                  <a:srgbClr val="000000"/>
+                </a:solidFill>
+                <a:latin typeface="Consolas" panose="020B0609020204030204" pitchFamily="49" charset="0"/>
+              </a:rPr>
+              <a:t>, </a:t>
+            </a:r>
+            <a:r>
+              <a:rPr lang="en-US" sz="900" dirty="0" err="1">
+                <a:solidFill>
+                  <a:srgbClr val="660099"/>
+                </a:solidFill>
+                <a:latin typeface="Consolas" panose="020B0609020204030204" pitchFamily="49" charset="0"/>
+              </a:rPr>
+              <a:t>line_end_type</a:t>
+            </a:r>
+            <a:r>
+              <a:rPr lang="en-US" sz="900" dirty="0">
+                <a:solidFill>
+                  <a:srgbClr val="000000"/>
+                </a:solidFill>
+                <a:latin typeface="Consolas" panose="020B0609020204030204" pitchFamily="49" charset="0"/>
+              </a:rPr>
+              <a:t>=</a:t>
+            </a:r>
+            <a:r>
+              <a:rPr lang="en-US" sz="900" b="1" dirty="0">
+                <a:solidFill>
+                  <a:srgbClr val="008000"/>
+                </a:solidFill>
+                <a:latin typeface="Consolas" panose="020B0609020204030204" pitchFamily="49" charset="0"/>
+              </a:rPr>
+              <a:t>"ROUND"</a:t>
+            </a:r>
+            <a:r>
+              <a:rPr lang="en-US" sz="900" dirty="0">
+                <a:solidFill>
+                  <a:srgbClr val="000000"/>
+                </a:solidFill>
+                <a:latin typeface="Consolas" panose="020B0609020204030204" pitchFamily="49" charset="0"/>
+              </a:rPr>
+              <a:t>, </a:t>
+            </a:r>
+            <a:r>
+              <a:rPr lang="en-US" sz="900" dirty="0" err="1">
+                <a:solidFill>
+                  <a:srgbClr val="660099"/>
+                </a:solidFill>
+                <a:latin typeface="Consolas" panose="020B0609020204030204" pitchFamily="49" charset="0"/>
+              </a:rPr>
+              <a:t>dissolve_option</a:t>
+            </a:r>
+            <a:r>
+              <a:rPr lang="en-US" sz="900" dirty="0">
+                <a:solidFill>
+                  <a:srgbClr val="000000"/>
+                </a:solidFill>
+                <a:latin typeface="Consolas" panose="020B0609020204030204" pitchFamily="49" charset="0"/>
+              </a:rPr>
+              <a:t>=</a:t>
+            </a:r>
+            <a:r>
+              <a:rPr lang="en-US" sz="900" b="1" dirty="0">
+                <a:solidFill>
+                  <a:srgbClr val="008000"/>
+                </a:solidFill>
+                <a:latin typeface="Consolas" panose="020B0609020204030204" pitchFamily="49" charset="0"/>
+              </a:rPr>
+              <a:t>"NONE"</a:t>
+            </a:r>
+            <a:r>
+              <a:rPr lang="en-US" sz="900" dirty="0">
+                <a:solidFill>
+                  <a:srgbClr val="000000"/>
+                </a:solidFill>
+                <a:latin typeface="Consolas" panose="020B0609020204030204" pitchFamily="49" charset="0"/>
+              </a:rPr>
+              <a:t>,</a:t>
+            </a:r>
+            <a:br>
+              <a:rPr lang="en-US" sz="900" dirty="0">
+                <a:solidFill>
+                  <a:srgbClr val="000000"/>
+                </a:solidFill>
+                <a:latin typeface="Consolas" panose="020B0609020204030204" pitchFamily="49" charset="0"/>
+              </a:rPr>
+            </a:br>
+            <a:r>
+              <a:rPr lang="en-US" sz="900" dirty="0">
+                <a:solidFill>
+                  <a:srgbClr val="000000"/>
+                </a:solidFill>
+                <a:latin typeface="Consolas" panose="020B0609020204030204" pitchFamily="49" charset="0"/>
+              </a:rPr>
+              <a:t>                      </a:t>
+            </a:r>
+            <a:r>
+              <a:rPr lang="en-US" sz="900" dirty="0" err="1">
+                <a:solidFill>
+                  <a:srgbClr val="660099"/>
+                </a:solidFill>
+                <a:latin typeface="Consolas" panose="020B0609020204030204" pitchFamily="49" charset="0"/>
+              </a:rPr>
+              <a:t>dissolve_field</a:t>
+            </a:r>
+            <a:r>
+              <a:rPr lang="en-US" sz="900" dirty="0">
+                <a:solidFill>
+                  <a:srgbClr val="000000"/>
+                </a:solidFill>
+                <a:latin typeface="Consolas" panose="020B0609020204030204" pitchFamily="49" charset="0"/>
+              </a:rPr>
+              <a:t>=</a:t>
+            </a:r>
+            <a:r>
+              <a:rPr lang="en-US" sz="900" b="1" dirty="0">
+                <a:solidFill>
+                  <a:srgbClr val="008000"/>
+                </a:solidFill>
+                <a:latin typeface="Consolas" panose="020B0609020204030204" pitchFamily="49" charset="0"/>
+              </a:rPr>
+              <a:t>""</a:t>
+            </a:r>
+            <a:r>
+              <a:rPr lang="en-US" sz="900" dirty="0">
+                <a:solidFill>
+                  <a:srgbClr val="000000"/>
+                </a:solidFill>
+                <a:latin typeface="Consolas" panose="020B0609020204030204" pitchFamily="49" charset="0"/>
+              </a:rPr>
+              <a:t>, </a:t>
+            </a:r>
+            <a:r>
+              <a:rPr lang="en-US" sz="900" dirty="0">
+                <a:solidFill>
+                  <a:srgbClr val="660099"/>
+                </a:solidFill>
+                <a:latin typeface="Consolas" panose="020B0609020204030204" pitchFamily="49" charset="0"/>
+              </a:rPr>
+              <a:t>method</a:t>
+            </a:r>
+            <a:r>
+              <a:rPr lang="en-US" sz="900" dirty="0">
+                <a:solidFill>
+                  <a:srgbClr val="000000"/>
+                </a:solidFill>
+                <a:latin typeface="Consolas" panose="020B0609020204030204" pitchFamily="49" charset="0"/>
+              </a:rPr>
+              <a:t>=</a:t>
+            </a:r>
+            <a:r>
+              <a:rPr lang="en-US" sz="900" b="1" dirty="0">
+                <a:solidFill>
+                  <a:srgbClr val="008000"/>
+                </a:solidFill>
+                <a:latin typeface="Consolas" panose="020B0609020204030204" pitchFamily="49" charset="0"/>
+              </a:rPr>
+              <a:t>"PLANAR"</a:t>
+            </a:r>
+            <a:r>
+              <a:rPr lang="en-US" sz="900" dirty="0">
+                <a:solidFill>
+                  <a:srgbClr val="000000"/>
+                </a:solidFill>
+                <a:latin typeface="Consolas" panose="020B0609020204030204" pitchFamily="49" charset="0"/>
+              </a:rPr>
+              <a:t>)</a:t>
+            </a:r>
+            <a:br>
+              <a:rPr lang="en-US" sz="900" dirty="0">
+                <a:solidFill>
+                  <a:srgbClr val="000000"/>
+                </a:solidFill>
+                <a:latin typeface="Consolas" panose="020B0609020204030204" pitchFamily="49" charset="0"/>
+              </a:rPr>
+            </a:br>
+            <a:br>
+              <a:rPr lang="en-US" sz="900" dirty="0">
+                <a:solidFill>
+                  <a:srgbClr val="000000"/>
+                </a:solidFill>
+                <a:latin typeface="Consolas" panose="020B0609020204030204" pitchFamily="49" charset="0"/>
+              </a:rPr>
+            </a:br>
+            <a:r>
+              <a:rPr lang="en-US" sz="900" dirty="0" err="1">
+                <a:solidFill>
+                  <a:srgbClr val="000000"/>
+                </a:solidFill>
+                <a:latin typeface="Consolas" panose="020B0609020204030204" pitchFamily="49" charset="0"/>
+              </a:rPr>
+              <a:t>arcpy.MakeFeatureLayer_management</a:t>
+            </a:r>
+            <a:r>
+              <a:rPr lang="en-US" sz="900" dirty="0">
+                <a:solidFill>
+                  <a:srgbClr val="000000"/>
+                </a:solidFill>
+                <a:latin typeface="Consolas" panose="020B0609020204030204" pitchFamily="49" charset="0"/>
+              </a:rPr>
+              <a:t>(</a:t>
+            </a:r>
+            <a:r>
+              <a:rPr lang="en-US" sz="900" b="1" dirty="0">
+                <a:solidFill>
+                  <a:srgbClr val="008000"/>
+                </a:solidFill>
+                <a:latin typeface="Consolas" panose="020B0609020204030204" pitchFamily="49" charset="0"/>
+              </a:rPr>
+              <a:t>"Single_to_Multi_Output.</a:t>
+            </a:r>
+            <a:r>
+              <a:rPr lang="en-US" sz="900" b="1" dirty="0" err="1">
+                <a:solidFill>
+                  <a:srgbClr val="008000"/>
+                </a:solidFill>
+                <a:latin typeface="Consolas" panose="020B0609020204030204" pitchFamily="49" charset="0"/>
+              </a:rPr>
+              <a:t>shp</a:t>
+            </a:r>
+            <a:r>
+              <a:rPr lang="en-US" sz="900" b="1" dirty="0">
+                <a:solidFill>
+                  <a:srgbClr val="008000"/>
+                </a:solidFill>
+                <a:latin typeface="Consolas" panose="020B0609020204030204" pitchFamily="49" charset="0"/>
+              </a:rPr>
+              <a:t>"</a:t>
+            </a:r>
+            <a:r>
+              <a:rPr lang="en-US" sz="900" dirty="0">
+                <a:solidFill>
+                  <a:srgbClr val="000000"/>
+                </a:solidFill>
+                <a:latin typeface="Consolas" panose="020B0609020204030204" pitchFamily="49" charset="0"/>
+              </a:rPr>
+              <a:t>,</a:t>
+            </a:r>
+            <a:r>
+              <a:rPr lang="en-US" sz="900" b="1" dirty="0">
+                <a:solidFill>
+                  <a:srgbClr val="008000"/>
+                </a:solidFill>
+                <a:latin typeface="Consolas" panose="020B0609020204030204" pitchFamily="49" charset="0"/>
+              </a:rPr>
+              <a:t>"</a:t>
+            </a:r>
+            <a:r>
+              <a:rPr lang="en-US" sz="900" b="1" dirty="0" err="1">
+                <a:solidFill>
+                  <a:srgbClr val="008000"/>
+                </a:solidFill>
+                <a:latin typeface="Consolas" panose="020B0609020204030204" pitchFamily="49" charset="0"/>
+              </a:rPr>
+              <a:t>single_part</a:t>
+            </a:r>
+            <a:r>
+              <a:rPr lang="en-US" sz="900" b="1" dirty="0">
+                <a:solidFill>
+                  <a:srgbClr val="008000"/>
+                </a:solidFill>
+                <a:latin typeface="Consolas" panose="020B0609020204030204" pitchFamily="49" charset="0"/>
+              </a:rPr>
+              <a:t>"</a:t>
+            </a:r>
+            <a:r>
+              <a:rPr lang="en-US" sz="900" dirty="0">
+                <a:solidFill>
+                  <a:srgbClr val="000000"/>
+                </a:solidFill>
+                <a:latin typeface="Consolas" panose="020B0609020204030204" pitchFamily="49" charset="0"/>
+              </a:rPr>
+              <a:t>)</a:t>
+            </a:r>
+            <a:br>
+              <a:rPr lang="en-US" sz="900" dirty="0">
+                <a:solidFill>
+                  <a:srgbClr val="000000"/>
+                </a:solidFill>
+                <a:latin typeface="Consolas" panose="020B0609020204030204" pitchFamily="49" charset="0"/>
+              </a:rPr>
+            </a:br>
+            <a:r>
+              <a:rPr lang="en-US" sz="900" dirty="0" err="1">
+                <a:solidFill>
+                  <a:srgbClr val="000000"/>
+                </a:solidFill>
+                <a:latin typeface="Consolas" panose="020B0609020204030204" pitchFamily="49" charset="0"/>
+              </a:rPr>
+              <a:t>arcpy.MakeFeatureLayer_management</a:t>
+            </a:r>
+            <a:r>
+              <a:rPr lang="en-US" sz="900" dirty="0">
+                <a:solidFill>
+                  <a:srgbClr val="000000"/>
+                </a:solidFill>
+                <a:latin typeface="Consolas" panose="020B0609020204030204" pitchFamily="49" charset="0"/>
+              </a:rPr>
+              <a:t>(</a:t>
+            </a:r>
+            <a:r>
+              <a:rPr lang="en-US" sz="900" b="1" dirty="0">
+                <a:solidFill>
+                  <a:srgbClr val="008000"/>
+                </a:solidFill>
+                <a:latin typeface="Consolas" panose="020B0609020204030204" pitchFamily="49" charset="0"/>
+              </a:rPr>
+              <a:t>"Sites_10m_Buffer.shp"</a:t>
+            </a:r>
+            <a:r>
+              <a:rPr lang="en-US" sz="900" dirty="0">
+                <a:solidFill>
+                  <a:srgbClr val="000000"/>
+                </a:solidFill>
+                <a:latin typeface="Consolas" panose="020B0609020204030204" pitchFamily="49" charset="0"/>
+              </a:rPr>
+              <a:t>,</a:t>
+            </a:r>
+            <a:r>
+              <a:rPr lang="en-US" sz="900" b="1" dirty="0">
+                <a:solidFill>
+                  <a:srgbClr val="008000"/>
+                </a:solidFill>
+                <a:latin typeface="Consolas" panose="020B0609020204030204" pitchFamily="49" charset="0"/>
+              </a:rPr>
+              <a:t>"buffer"</a:t>
+            </a:r>
+            <a:r>
+              <a:rPr lang="en-US" sz="900" dirty="0">
+                <a:solidFill>
+                  <a:srgbClr val="000000"/>
+                </a:solidFill>
+                <a:latin typeface="Consolas" panose="020B0609020204030204" pitchFamily="49" charset="0"/>
+              </a:rPr>
+              <a:t>)</a:t>
+            </a:r>
+            <a:br>
+              <a:rPr lang="en-US" sz="900" dirty="0">
+                <a:solidFill>
+                  <a:srgbClr val="000000"/>
+                </a:solidFill>
+                <a:latin typeface="Consolas" panose="020B0609020204030204" pitchFamily="49" charset="0"/>
+              </a:rPr>
+            </a:br>
+            <a:br>
+              <a:rPr lang="en-US" sz="900" dirty="0">
+                <a:solidFill>
+                  <a:srgbClr val="000000"/>
+                </a:solidFill>
+                <a:latin typeface="Consolas" panose="020B0609020204030204" pitchFamily="49" charset="0"/>
+              </a:rPr>
+            </a:br>
+            <a:r>
+              <a:rPr lang="en-US" sz="900" dirty="0" err="1">
+                <a:solidFill>
+                  <a:srgbClr val="000000"/>
+                </a:solidFill>
+                <a:latin typeface="Consolas" panose="020B0609020204030204" pitchFamily="49" charset="0"/>
+              </a:rPr>
+              <a:t>arcpy.SelectLayerByLocation_management</a:t>
+            </a:r>
+            <a:r>
+              <a:rPr lang="en-US" sz="900" dirty="0">
+                <a:solidFill>
+                  <a:srgbClr val="000000"/>
+                </a:solidFill>
+                <a:latin typeface="Consolas" panose="020B0609020204030204" pitchFamily="49" charset="0"/>
+              </a:rPr>
+              <a:t>(</a:t>
+            </a:r>
+            <a:r>
+              <a:rPr lang="en-US" sz="900" dirty="0" err="1">
+                <a:solidFill>
+                  <a:srgbClr val="660099"/>
+                </a:solidFill>
+                <a:latin typeface="Consolas" panose="020B0609020204030204" pitchFamily="49" charset="0"/>
+              </a:rPr>
+              <a:t>in_layer</a:t>
+            </a:r>
+            <a:r>
+              <a:rPr lang="en-US" sz="900" dirty="0">
+                <a:solidFill>
+                  <a:srgbClr val="000000"/>
+                </a:solidFill>
+                <a:latin typeface="Consolas" panose="020B0609020204030204" pitchFamily="49" charset="0"/>
+              </a:rPr>
+              <a:t>=</a:t>
+            </a:r>
+            <a:r>
+              <a:rPr lang="en-US" sz="900" b="1" dirty="0">
+                <a:solidFill>
+                  <a:srgbClr val="008000"/>
+                </a:solidFill>
+                <a:latin typeface="Consolas" panose="020B0609020204030204" pitchFamily="49" charset="0"/>
+              </a:rPr>
+              <a:t>"</a:t>
+            </a:r>
+            <a:r>
+              <a:rPr lang="en-US" sz="900" b="1" dirty="0" err="1">
+                <a:solidFill>
+                  <a:srgbClr val="008000"/>
+                </a:solidFill>
+                <a:latin typeface="Consolas" panose="020B0609020204030204" pitchFamily="49" charset="0"/>
+              </a:rPr>
+              <a:t>single_part</a:t>
+            </a:r>
+            <a:r>
+              <a:rPr lang="en-US" sz="900" b="1" dirty="0">
+                <a:solidFill>
+                  <a:srgbClr val="008000"/>
+                </a:solidFill>
+                <a:latin typeface="Consolas" panose="020B0609020204030204" pitchFamily="49" charset="0"/>
+              </a:rPr>
+              <a:t>"</a:t>
+            </a:r>
+            <a:r>
+              <a:rPr lang="en-US" sz="900" dirty="0">
+                <a:solidFill>
+                  <a:srgbClr val="000000"/>
+                </a:solidFill>
+                <a:latin typeface="Consolas" panose="020B0609020204030204" pitchFamily="49" charset="0"/>
+              </a:rPr>
+              <a:t>, </a:t>
+            </a:r>
+            <a:r>
+              <a:rPr lang="en-US" sz="900" dirty="0" err="1">
+                <a:solidFill>
+                  <a:srgbClr val="660099"/>
+                </a:solidFill>
+                <a:latin typeface="Consolas" panose="020B0609020204030204" pitchFamily="49" charset="0"/>
+              </a:rPr>
+              <a:t>overlap_type</a:t>
+            </a:r>
+            <a:r>
+              <a:rPr lang="en-US" sz="900" dirty="0">
+                <a:solidFill>
+                  <a:srgbClr val="000000"/>
+                </a:solidFill>
+                <a:latin typeface="Consolas" panose="020B0609020204030204" pitchFamily="49" charset="0"/>
+              </a:rPr>
+              <a:t>=</a:t>
+            </a:r>
+            <a:r>
+              <a:rPr lang="en-US" sz="900" b="1" dirty="0">
+                <a:solidFill>
+                  <a:srgbClr val="008000"/>
+                </a:solidFill>
+                <a:latin typeface="Consolas" panose="020B0609020204030204" pitchFamily="49" charset="0"/>
+              </a:rPr>
+              <a:t>"INTERSECT"</a:t>
+            </a:r>
+            <a:r>
+              <a:rPr lang="en-US" sz="900" dirty="0">
+                <a:solidFill>
+                  <a:srgbClr val="000000"/>
+                </a:solidFill>
+                <a:latin typeface="Consolas" panose="020B0609020204030204" pitchFamily="49" charset="0"/>
+              </a:rPr>
+              <a:t>, </a:t>
+            </a:r>
+            <a:r>
+              <a:rPr lang="en-US" sz="900" dirty="0" err="1">
+                <a:solidFill>
+                  <a:srgbClr val="660099"/>
+                </a:solidFill>
+                <a:latin typeface="Consolas" panose="020B0609020204030204" pitchFamily="49" charset="0"/>
+              </a:rPr>
+              <a:t>select_features</a:t>
+            </a:r>
+            <a:r>
+              <a:rPr lang="en-US" sz="900" dirty="0">
+                <a:solidFill>
+                  <a:srgbClr val="000000"/>
+                </a:solidFill>
+                <a:latin typeface="Consolas" panose="020B0609020204030204" pitchFamily="49" charset="0"/>
+              </a:rPr>
+              <a:t>=</a:t>
+            </a:r>
+            <a:r>
+              <a:rPr lang="en-US" sz="900" b="1" dirty="0">
+                <a:solidFill>
+                  <a:srgbClr val="008000"/>
+                </a:solidFill>
+                <a:latin typeface="Consolas" panose="020B0609020204030204" pitchFamily="49" charset="0"/>
+              </a:rPr>
+              <a:t>"buffer"</a:t>
+            </a:r>
+            <a:r>
+              <a:rPr lang="en-US" sz="900" dirty="0">
+                <a:solidFill>
+                  <a:srgbClr val="000000"/>
+                </a:solidFill>
+                <a:latin typeface="Consolas" panose="020B0609020204030204" pitchFamily="49" charset="0"/>
+              </a:rPr>
+              <a:t>,</a:t>
+            </a:r>
+            <a:br>
+              <a:rPr lang="en-US" sz="900" dirty="0">
+                <a:solidFill>
+                  <a:srgbClr val="000000"/>
+                </a:solidFill>
+                <a:latin typeface="Consolas" panose="020B0609020204030204" pitchFamily="49" charset="0"/>
+              </a:rPr>
+            </a:br>
+            <a:r>
+              <a:rPr lang="en-US" sz="900" dirty="0">
+                <a:solidFill>
+                  <a:srgbClr val="000000"/>
+                </a:solidFill>
+                <a:latin typeface="Consolas" panose="020B0609020204030204" pitchFamily="49" charset="0"/>
+              </a:rPr>
+              <a:t>                                       </a:t>
+            </a:r>
+            <a:r>
+              <a:rPr lang="en-US" sz="900" dirty="0" err="1">
+                <a:solidFill>
+                  <a:srgbClr val="660099"/>
+                </a:solidFill>
+                <a:latin typeface="Consolas" panose="020B0609020204030204" pitchFamily="49" charset="0"/>
+              </a:rPr>
+              <a:t>search_distance</a:t>
+            </a:r>
+            <a:r>
+              <a:rPr lang="en-US" sz="900" dirty="0">
+                <a:solidFill>
+                  <a:srgbClr val="000000"/>
+                </a:solidFill>
+                <a:latin typeface="Consolas" panose="020B0609020204030204" pitchFamily="49" charset="0"/>
+              </a:rPr>
+              <a:t>=</a:t>
+            </a:r>
+            <a:r>
+              <a:rPr lang="en-US" sz="900" b="1" dirty="0">
+                <a:solidFill>
+                  <a:srgbClr val="008000"/>
+                </a:solidFill>
+                <a:latin typeface="Consolas" panose="020B0609020204030204" pitchFamily="49" charset="0"/>
+              </a:rPr>
+              <a:t>""</a:t>
+            </a:r>
+            <a:r>
+              <a:rPr lang="en-US" sz="900" dirty="0">
+                <a:solidFill>
+                  <a:srgbClr val="000000"/>
+                </a:solidFill>
+                <a:latin typeface="Consolas" panose="020B0609020204030204" pitchFamily="49" charset="0"/>
+              </a:rPr>
+              <a:t>, </a:t>
+            </a:r>
+            <a:r>
+              <a:rPr lang="en-US" sz="900" dirty="0" err="1">
+                <a:solidFill>
+                  <a:srgbClr val="660099"/>
+                </a:solidFill>
+                <a:latin typeface="Consolas" panose="020B0609020204030204" pitchFamily="49" charset="0"/>
+              </a:rPr>
+              <a:t>selection_type</a:t>
+            </a:r>
+            <a:r>
+              <a:rPr lang="en-US" sz="900" dirty="0">
+                <a:solidFill>
+                  <a:srgbClr val="000000"/>
+                </a:solidFill>
+                <a:latin typeface="Consolas" panose="020B0609020204030204" pitchFamily="49" charset="0"/>
+              </a:rPr>
+              <a:t>=</a:t>
+            </a:r>
+            <a:r>
+              <a:rPr lang="en-US" sz="900" b="1" dirty="0">
+                <a:solidFill>
+                  <a:srgbClr val="008000"/>
+                </a:solidFill>
+                <a:latin typeface="Consolas" panose="020B0609020204030204" pitchFamily="49" charset="0"/>
+              </a:rPr>
+              <a:t>"NEW_SELECTION"</a:t>
+            </a:r>
+            <a:r>
+              <a:rPr lang="en-US" sz="900" dirty="0">
+                <a:solidFill>
+                  <a:srgbClr val="000000"/>
+                </a:solidFill>
+                <a:latin typeface="Consolas" panose="020B0609020204030204" pitchFamily="49" charset="0"/>
+              </a:rPr>
+              <a:t>, </a:t>
+            </a:r>
+            <a:r>
+              <a:rPr lang="en-US" sz="900" dirty="0" err="1">
+                <a:solidFill>
+                  <a:srgbClr val="660099"/>
+                </a:solidFill>
+                <a:latin typeface="Consolas" panose="020B0609020204030204" pitchFamily="49" charset="0"/>
+              </a:rPr>
+              <a:t>invert_spatial_relationship</a:t>
+            </a:r>
+            <a:r>
+              <a:rPr lang="en-US" sz="900" dirty="0">
+                <a:solidFill>
+                  <a:srgbClr val="000000"/>
+                </a:solidFill>
+                <a:latin typeface="Consolas" panose="020B0609020204030204" pitchFamily="49" charset="0"/>
+              </a:rPr>
+              <a:t>=</a:t>
+            </a:r>
+            <a:r>
+              <a:rPr lang="en-US" sz="900" b="1" dirty="0">
+                <a:solidFill>
+                  <a:srgbClr val="008000"/>
+                </a:solidFill>
+                <a:latin typeface="Consolas" panose="020B0609020204030204" pitchFamily="49" charset="0"/>
+              </a:rPr>
+              <a:t>"NOT_INVERT"</a:t>
+            </a:r>
+            <a:r>
+              <a:rPr lang="en-US" sz="900" dirty="0">
+                <a:solidFill>
+                  <a:srgbClr val="000000"/>
+                </a:solidFill>
+                <a:latin typeface="Consolas" panose="020B0609020204030204" pitchFamily="49" charset="0"/>
+              </a:rPr>
+              <a:t>)</a:t>
+            </a:r>
+            <a:br>
+              <a:rPr lang="en-US" sz="900" dirty="0">
+                <a:solidFill>
+                  <a:srgbClr val="000000"/>
+                </a:solidFill>
+                <a:latin typeface="Consolas" panose="020B0609020204030204" pitchFamily="49" charset="0"/>
+              </a:rPr>
+            </a:br>
+            <a:br>
+              <a:rPr lang="en-US" sz="900" dirty="0">
+                <a:solidFill>
+                  <a:srgbClr val="000000"/>
+                </a:solidFill>
+                <a:latin typeface="Consolas" panose="020B0609020204030204" pitchFamily="49" charset="0"/>
+              </a:rPr>
+            </a:br>
+            <a:r>
+              <a:rPr lang="en-US" sz="900" dirty="0" err="1">
+                <a:solidFill>
+                  <a:srgbClr val="000000"/>
+                </a:solidFill>
+                <a:latin typeface="Consolas" panose="020B0609020204030204" pitchFamily="49" charset="0"/>
+              </a:rPr>
+              <a:t>arcpy.CopyFeatures_management</a:t>
+            </a:r>
+            <a:r>
+              <a:rPr lang="en-US" sz="900" dirty="0">
+                <a:solidFill>
+                  <a:srgbClr val="000000"/>
+                </a:solidFill>
+                <a:latin typeface="Consolas" panose="020B0609020204030204" pitchFamily="49" charset="0"/>
+              </a:rPr>
+              <a:t>(</a:t>
+            </a:r>
+            <a:r>
+              <a:rPr lang="en-US" sz="900" b="1" dirty="0">
+                <a:solidFill>
+                  <a:srgbClr val="008000"/>
+                </a:solidFill>
+                <a:latin typeface="Consolas" panose="020B0609020204030204" pitchFamily="49" charset="0"/>
+              </a:rPr>
+              <a:t>"</a:t>
+            </a:r>
+            <a:r>
+              <a:rPr lang="en-US" sz="900" b="1" dirty="0" err="1">
+                <a:solidFill>
+                  <a:srgbClr val="008000"/>
+                </a:solidFill>
+                <a:latin typeface="Consolas" panose="020B0609020204030204" pitchFamily="49" charset="0"/>
+              </a:rPr>
+              <a:t>single_part</a:t>
+            </a:r>
+            <a:r>
+              <a:rPr lang="en-US" sz="900" b="1" dirty="0">
+                <a:solidFill>
+                  <a:srgbClr val="008000"/>
+                </a:solidFill>
+                <a:latin typeface="Consolas" panose="020B0609020204030204" pitchFamily="49" charset="0"/>
+              </a:rPr>
+              <a:t>"</a:t>
+            </a:r>
+            <a:r>
+              <a:rPr lang="en-US" sz="900" dirty="0">
+                <a:solidFill>
+                  <a:srgbClr val="000000"/>
+                </a:solidFill>
+                <a:latin typeface="Consolas" panose="020B0609020204030204" pitchFamily="49" charset="0"/>
+              </a:rPr>
+              <a:t>, </a:t>
+            </a:r>
+            <a:r>
+              <a:rPr lang="en-US" sz="900" b="1" dirty="0">
+                <a:solidFill>
+                  <a:srgbClr val="008000"/>
+                </a:solidFill>
+                <a:latin typeface="Consolas" panose="020B0609020204030204" pitchFamily="49" charset="0"/>
+              </a:rPr>
+              <a:t>"</a:t>
+            </a:r>
+            <a:r>
+              <a:rPr lang="en-US" sz="900" b="1" dirty="0" err="1">
+                <a:solidFill>
+                  <a:srgbClr val="008000"/>
+                </a:solidFill>
+                <a:latin typeface="Consolas" panose="020B0609020204030204" pitchFamily="49" charset="0"/>
+              </a:rPr>
+              <a:t>Single_to_Multi_out_Select_Per_Site.shp</a:t>
+            </a:r>
+            <a:r>
+              <a:rPr lang="en-US" sz="900" b="1" dirty="0">
+                <a:solidFill>
+                  <a:srgbClr val="008000"/>
+                </a:solidFill>
+                <a:latin typeface="Consolas" panose="020B0609020204030204" pitchFamily="49" charset="0"/>
+              </a:rPr>
+              <a:t>"</a:t>
+            </a:r>
+            <a:r>
+              <a:rPr lang="en-US" sz="900" dirty="0">
+                <a:solidFill>
+                  <a:srgbClr val="000000"/>
+                </a:solidFill>
+                <a:latin typeface="Consolas" panose="020B0609020204030204" pitchFamily="49" charset="0"/>
+              </a:rPr>
+              <a:t>)</a:t>
+            </a:r>
+            <a:endParaRPr lang="en-US" sz="900" dirty="0">
+              <a:solidFill>
+                <a:srgbClr val="008000"/>
+              </a:solidFill>
+              <a:effectLst/>
+              <a:latin typeface="Consolas" panose="020B0609020204030204" pitchFamily="49" charset="0"/>
+            </a:endParaRPr>
+          </a:p>
+        </p:txBody>
+      </p:sp>
+      <p:sp>
+        <p:nvSpPr>
+          <p:cNvPr id="13" name="TextBox 12">
+            <a:extLst>
+              <a:ext uri="{FF2B5EF4-FFF2-40B4-BE49-F238E27FC236}">
+                <a16:creationId xmlns:a16="http://schemas.microsoft.com/office/drawing/2014/main" id="{41CD2C0A-F0BC-1542-A320-DD4062544A95}"/>
+              </a:ext>
+            </a:extLst>
+          </p:cNvPr>
+          <p:cNvSpPr txBox="1"/>
+          <p:nvPr/>
+        </p:nvSpPr>
+        <p:spPr>
+          <a:xfrm>
+            <a:off x="8744607" y="1103899"/>
+            <a:ext cx="2333296" cy="830997"/>
+          </a:xfrm>
+          <a:prstGeom prst="rect">
+            <a:avLst/>
+          </a:prstGeom>
+          <a:noFill/>
+        </p:spPr>
+        <p:txBody>
+          <a:bodyPr wrap="square" rtlCol="0">
+            <a:spAutoFit/>
+          </a:bodyPr>
+          <a:lstStyle/>
+          <a:p>
+            <a:r>
+              <a:rPr lang="en-US" sz="1200" dirty="0">
+                <a:solidFill>
+                  <a:srgbClr val="FF0000"/>
+                </a:solidFill>
+              </a:rPr>
+              <a:t>Will cut the line by the coast, but each line will remain connected if it continues after hitting the coastline</a:t>
+            </a:r>
+          </a:p>
+        </p:txBody>
+      </p:sp>
+      <p:cxnSp>
+        <p:nvCxnSpPr>
+          <p:cNvPr id="14" name="Straight Arrow Connector 13">
+            <a:extLst>
+              <a:ext uri="{FF2B5EF4-FFF2-40B4-BE49-F238E27FC236}">
+                <a16:creationId xmlns:a16="http://schemas.microsoft.com/office/drawing/2014/main" id="{20408CDD-60FC-6249-B62F-E7D83AE81125}"/>
+              </a:ext>
+            </a:extLst>
+          </p:cNvPr>
+          <p:cNvCxnSpPr>
+            <a:cxnSpLocks/>
+          </p:cNvCxnSpPr>
+          <p:nvPr/>
+        </p:nvCxnSpPr>
+        <p:spPr>
+          <a:xfrm flipH="1">
+            <a:off x="8321566" y="1849821"/>
+            <a:ext cx="423041" cy="1290163"/>
+          </a:xfrm>
+          <a:prstGeom prst="straightConnector1">
+            <a:avLst/>
+          </a:prstGeom>
+          <a:ln w="57150">
+            <a:solidFill>
+              <a:srgbClr val="FF0000"/>
+            </a:solidFill>
+            <a:tailEnd type="triangle"/>
+          </a:ln>
+        </p:spPr>
+        <p:style>
+          <a:lnRef idx="1">
+            <a:schemeClr val="accent1"/>
+          </a:lnRef>
+          <a:fillRef idx="0">
+            <a:schemeClr val="accent1"/>
+          </a:fillRef>
+          <a:effectRef idx="0">
+            <a:schemeClr val="accent1"/>
+          </a:effectRef>
+          <a:fontRef idx="minor">
+            <a:schemeClr val="tx1"/>
+          </a:fontRef>
+        </p:style>
+      </p:cxnSp>
+      <p:cxnSp>
+        <p:nvCxnSpPr>
+          <p:cNvPr id="16" name="Straight Arrow Connector 15">
+            <a:extLst>
+              <a:ext uri="{FF2B5EF4-FFF2-40B4-BE49-F238E27FC236}">
+                <a16:creationId xmlns:a16="http://schemas.microsoft.com/office/drawing/2014/main" id="{FB09D156-85D1-4D4A-95B1-6FFC2F2B9CA0}"/>
+              </a:ext>
+            </a:extLst>
+          </p:cNvPr>
+          <p:cNvCxnSpPr>
+            <a:cxnSpLocks/>
+          </p:cNvCxnSpPr>
+          <p:nvPr/>
+        </p:nvCxnSpPr>
+        <p:spPr>
+          <a:xfrm>
+            <a:off x="1681655" y="4445215"/>
+            <a:ext cx="798786" cy="0"/>
+          </a:xfrm>
+          <a:prstGeom prst="straightConnector1">
+            <a:avLst/>
+          </a:prstGeom>
+          <a:ln w="57150">
+            <a:solidFill>
+              <a:srgbClr val="FF0000"/>
+            </a:solidFill>
+            <a:tailEnd type="triangle"/>
+          </a:ln>
+        </p:spPr>
+        <p:style>
+          <a:lnRef idx="1">
+            <a:schemeClr val="accent1"/>
+          </a:lnRef>
+          <a:fillRef idx="0">
+            <a:schemeClr val="accent1"/>
+          </a:fillRef>
+          <a:effectRef idx="0">
+            <a:schemeClr val="accent1"/>
+          </a:effectRef>
+          <a:fontRef idx="minor">
+            <a:schemeClr val="tx1"/>
+          </a:fontRef>
+        </p:style>
+      </p:cxnSp>
+      <p:sp>
+        <p:nvSpPr>
+          <p:cNvPr id="18" name="TextBox 17">
+            <a:extLst>
+              <a:ext uri="{FF2B5EF4-FFF2-40B4-BE49-F238E27FC236}">
+                <a16:creationId xmlns:a16="http://schemas.microsoft.com/office/drawing/2014/main" id="{D6385B33-2F95-0E4A-B998-D76FFF6C0797}"/>
+              </a:ext>
+            </a:extLst>
+          </p:cNvPr>
+          <p:cNvSpPr txBox="1"/>
+          <p:nvPr/>
+        </p:nvSpPr>
+        <p:spPr>
+          <a:xfrm>
+            <a:off x="483476" y="4074380"/>
+            <a:ext cx="1292772" cy="646331"/>
+          </a:xfrm>
+          <a:prstGeom prst="rect">
+            <a:avLst/>
+          </a:prstGeom>
+          <a:noFill/>
+        </p:spPr>
+        <p:txBody>
+          <a:bodyPr wrap="square" rtlCol="0">
+            <a:spAutoFit/>
+          </a:bodyPr>
+          <a:lstStyle/>
+          <a:p>
+            <a:r>
+              <a:rPr lang="en-US" sz="1200" dirty="0" err="1">
+                <a:solidFill>
+                  <a:srgbClr val="FF0000"/>
+                </a:solidFill>
+              </a:rPr>
+              <a:t>SelectByLocation</a:t>
+            </a:r>
+            <a:r>
+              <a:rPr lang="en-US" sz="1200" dirty="0">
+                <a:solidFill>
+                  <a:srgbClr val="FF0000"/>
+                </a:solidFill>
+              </a:rPr>
+              <a:t> only works on </a:t>
+            </a:r>
+            <a:r>
+              <a:rPr lang="en-US" sz="1200" dirty="0" err="1">
+                <a:solidFill>
+                  <a:srgbClr val="FF0000"/>
+                </a:solidFill>
+              </a:rPr>
+              <a:t>FeatureLayers</a:t>
+            </a:r>
+            <a:endParaRPr lang="en-US" sz="1200" dirty="0">
+              <a:solidFill>
+                <a:srgbClr val="FF0000"/>
+              </a:solidFill>
+            </a:endParaRPr>
+          </a:p>
+        </p:txBody>
+      </p:sp>
+      <p:cxnSp>
+        <p:nvCxnSpPr>
+          <p:cNvPr id="19" name="Straight Arrow Connector 18">
+            <a:extLst>
+              <a:ext uri="{FF2B5EF4-FFF2-40B4-BE49-F238E27FC236}">
+                <a16:creationId xmlns:a16="http://schemas.microsoft.com/office/drawing/2014/main" id="{BD3F17B9-3E5A-074A-B493-B7AAA1FDACB3}"/>
+              </a:ext>
+            </a:extLst>
+          </p:cNvPr>
+          <p:cNvCxnSpPr>
+            <a:cxnSpLocks/>
+          </p:cNvCxnSpPr>
+          <p:nvPr/>
+        </p:nvCxnSpPr>
+        <p:spPr>
+          <a:xfrm flipV="1">
+            <a:off x="1889235" y="4828843"/>
+            <a:ext cx="633247" cy="331736"/>
+          </a:xfrm>
+          <a:prstGeom prst="straightConnector1">
+            <a:avLst/>
+          </a:prstGeom>
+          <a:ln w="57150">
+            <a:solidFill>
+              <a:srgbClr val="FF0000"/>
+            </a:solidFill>
+            <a:tailEnd type="triangle"/>
+          </a:ln>
+        </p:spPr>
+        <p:style>
+          <a:lnRef idx="1">
+            <a:schemeClr val="accent1"/>
+          </a:lnRef>
+          <a:fillRef idx="0">
+            <a:schemeClr val="accent1"/>
+          </a:fillRef>
+          <a:effectRef idx="0">
+            <a:schemeClr val="accent1"/>
+          </a:effectRef>
+          <a:fontRef idx="minor">
+            <a:schemeClr val="tx1"/>
+          </a:fontRef>
+        </p:style>
+      </p:cxnSp>
+      <p:sp>
+        <p:nvSpPr>
+          <p:cNvPr id="21" name="TextBox 20">
+            <a:extLst>
+              <a:ext uri="{FF2B5EF4-FFF2-40B4-BE49-F238E27FC236}">
+                <a16:creationId xmlns:a16="http://schemas.microsoft.com/office/drawing/2014/main" id="{D2DAC13B-82C8-BD43-A844-90717BDBFC4C}"/>
+              </a:ext>
+            </a:extLst>
+          </p:cNvPr>
+          <p:cNvSpPr txBox="1"/>
+          <p:nvPr/>
+        </p:nvSpPr>
+        <p:spPr>
+          <a:xfrm>
+            <a:off x="729156" y="4784351"/>
+            <a:ext cx="1292772" cy="1200329"/>
+          </a:xfrm>
+          <a:prstGeom prst="rect">
+            <a:avLst/>
+          </a:prstGeom>
+          <a:noFill/>
+        </p:spPr>
+        <p:txBody>
+          <a:bodyPr wrap="square" rtlCol="0">
+            <a:spAutoFit/>
+          </a:bodyPr>
+          <a:lstStyle/>
+          <a:p>
+            <a:r>
+              <a:rPr lang="en-US" sz="1200" dirty="0">
+                <a:solidFill>
+                  <a:srgbClr val="FF0000"/>
+                </a:solidFill>
+              </a:rPr>
+              <a:t>Intersect your buffer with the lines, keeping only lines that cross your individual buffer.</a:t>
+            </a:r>
+          </a:p>
+        </p:txBody>
+      </p:sp>
+      <p:cxnSp>
+        <p:nvCxnSpPr>
+          <p:cNvPr id="22" name="Straight Arrow Connector 21">
+            <a:extLst>
+              <a:ext uri="{FF2B5EF4-FFF2-40B4-BE49-F238E27FC236}">
+                <a16:creationId xmlns:a16="http://schemas.microsoft.com/office/drawing/2014/main" id="{ADD50492-153F-574E-AD38-5E66F5532B3F}"/>
+              </a:ext>
+            </a:extLst>
+          </p:cNvPr>
+          <p:cNvCxnSpPr>
+            <a:cxnSpLocks/>
+          </p:cNvCxnSpPr>
+          <p:nvPr/>
+        </p:nvCxnSpPr>
+        <p:spPr>
+          <a:xfrm flipH="1" flipV="1">
+            <a:off x="8140261" y="5215581"/>
+            <a:ext cx="708136" cy="281329"/>
+          </a:xfrm>
+          <a:prstGeom prst="straightConnector1">
+            <a:avLst/>
+          </a:prstGeom>
+          <a:ln w="57150">
+            <a:solidFill>
+              <a:srgbClr val="FF0000"/>
+            </a:solidFill>
+            <a:tailEnd type="triangle"/>
+          </a:ln>
+        </p:spPr>
+        <p:style>
+          <a:lnRef idx="1">
+            <a:schemeClr val="accent1"/>
+          </a:lnRef>
+          <a:fillRef idx="0">
+            <a:schemeClr val="accent1"/>
+          </a:fillRef>
+          <a:effectRef idx="0">
+            <a:schemeClr val="accent1"/>
+          </a:effectRef>
+          <a:fontRef idx="minor">
+            <a:schemeClr val="tx1"/>
+          </a:fontRef>
+        </p:style>
+      </p:cxnSp>
+      <p:sp>
+        <p:nvSpPr>
+          <p:cNvPr id="23" name="TextBox 22">
+            <a:extLst>
+              <a:ext uri="{FF2B5EF4-FFF2-40B4-BE49-F238E27FC236}">
+                <a16:creationId xmlns:a16="http://schemas.microsoft.com/office/drawing/2014/main" id="{E7AA1BDB-989C-E64E-AC5F-270E299B5158}"/>
+              </a:ext>
+            </a:extLst>
+          </p:cNvPr>
+          <p:cNvSpPr txBox="1"/>
+          <p:nvPr/>
+        </p:nvSpPr>
+        <p:spPr>
+          <a:xfrm>
+            <a:off x="8848397" y="5332140"/>
+            <a:ext cx="1292772" cy="830997"/>
+          </a:xfrm>
+          <a:prstGeom prst="rect">
+            <a:avLst/>
+          </a:prstGeom>
+          <a:noFill/>
+        </p:spPr>
+        <p:txBody>
+          <a:bodyPr wrap="square" rtlCol="0">
+            <a:spAutoFit/>
+          </a:bodyPr>
+          <a:lstStyle/>
+          <a:p>
+            <a:r>
+              <a:rPr lang="en-US" sz="1200" dirty="0">
+                <a:solidFill>
+                  <a:srgbClr val="FF0000"/>
+                </a:solidFill>
+              </a:rPr>
+              <a:t>This is your final output file. You do your stats on this.</a:t>
+            </a:r>
+          </a:p>
+        </p:txBody>
+      </p:sp>
+      <p:cxnSp>
+        <p:nvCxnSpPr>
+          <p:cNvPr id="25" name="Straight Arrow Connector 24">
+            <a:extLst>
+              <a:ext uri="{FF2B5EF4-FFF2-40B4-BE49-F238E27FC236}">
+                <a16:creationId xmlns:a16="http://schemas.microsoft.com/office/drawing/2014/main" id="{075FFCA5-C824-1C4F-BC03-A4F9E5E6A6AF}"/>
+              </a:ext>
+            </a:extLst>
+          </p:cNvPr>
+          <p:cNvCxnSpPr>
+            <a:cxnSpLocks/>
+          </p:cNvCxnSpPr>
+          <p:nvPr/>
+        </p:nvCxnSpPr>
+        <p:spPr>
+          <a:xfrm>
+            <a:off x="1955582" y="3598880"/>
+            <a:ext cx="561644" cy="216255"/>
+          </a:xfrm>
+          <a:prstGeom prst="straightConnector1">
+            <a:avLst/>
+          </a:prstGeom>
+          <a:ln w="57150">
+            <a:solidFill>
+              <a:srgbClr val="FF0000"/>
+            </a:solidFill>
+            <a:tailEnd type="triangle"/>
+          </a:ln>
+        </p:spPr>
+        <p:style>
+          <a:lnRef idx="1">
+            <a:schemeClr val="accent1"/>
+          </a:lnRef>
+          <a:fillRef idx="0">
+            <a:schemeClr val="accent1"/>
+          </a:fillRef>
+          <a:effectRef idx="0">
+            <a:schemeClr val="accent1"/>
+          </a:effectRef>
+          <a:fontRef idx="minor">
+            <a:schemeClr val="tx1"/>
+          </a:fontRef>
+        </p:style>
+      </p:cxnSp>
+      <p:sp>
+        <p:nvSpPr>
+          <p:cNvPr id="26" name="TextBox 25">
+            <a:extLst>
+              <a:ext uri="{FF2B5EF4-FFF2-40B4-BE49-F238E27FC236}">
+                <a16:creationId xmlns:a16="http://schemas.microsoft.com/office/drawing/2014/main" id="{CDD87AD9-A9FB-7F42-948D-B7987CE1A55B}"/>
+              </a:ext>
+            </a:extLst>
+          </p:cNvPr>
+          <p:cNvSpPr txBox="1"/>
+          <p:nvPr/>
+        </p:nvSpPr>
+        <p:spPr>
+          <a:xfrm>
+            <a:off x="310055" y="2954598"/>
+            <a:ext cx="2099441" cy="830997"/>
+          </a:xfrm>
+          <a:prstGeom prst="rect">
+            <a:avLst/>
+          </a:prstGeom>
+          <a:noFill/>
+        </p:spPr>
+        <p:txBody>
+          <a:bodyPr wrap="square" rtlCol="0">
+            <a:spAutoFit/>
+          </a:bodyPr>
+          <a:lstStyle/>
+          <a:p>
+            <a:r>
+              <a:rPr lang="en-US" sz="1200" dirty="0">
+                <a:solidFill>
+                  <a:srgbClr val="FF0000"/>
+                </a:solidFill>
+              </a:rPr>
+              <a:t>I buffer my input sites to help with the </a:t>
+            </a:r>
+            <a:r>
+              <a:rPr lang="en-US" sz="1200" dirty="0" err="1">
+                <a:solidFill>
+                  <a:srgbClr val="FF0000"/>
+                </a:solidFill>
+              </a:rPr>
+              <a:t>SelectByLocation</a:t>
+            </a:r>
+            <a:r>
+              <a:rPr lang="en-US" sz="1200" dirty="0">
+                <a:solidFill>
+                  <a:srgbClr val="FF0000"/>
+                </a:solidFill>
+              </a:rPr>
+              <a:t>. Point to line matching doesn’t work well.</a:t>
+            </a:r>
           </a:p>
         </p:txBody>
       </p:sp>
     </p:spTree>
     <p:extLst>
       <p:ext uri="{BB962C8B-B14F-4D97-AF65-F5344CB8AC3E}">
-        <p14:creationId xmlns:p14="http://schemas.microsoft.com/office/powerpoint/2010/main" val="1377993180"/>
+        <p14:creationId xmlns:p14="http://schemas.microsoft.com/office/powerpoint/2010/main" val="2773395840"/>
       </p:ext>
     </p:extLst>
   </p:cSld>

--- a/Assignments/Coding_Challenges/Challenge_9/Challenge_9_Outline_Guide.pptx
+++ b/Assignments/Coding_Challenges/Challenge_9/Challenge_9_Outline_Guide.pptx
@@ -11,6 +11,7 @@
     <p:sldId id="261" r:id="rId5"/>
     <p:sldId id="262" r:id="rId6"/>
     <p:sldId id="259" r:id="rId7"/>
+    <p:sldId id="264" r:id="rId8"/>
   </p:sldIdLst>
   <p:sldSz cx="12192000" cy="6858000"/>
   <p:notesSz cx="6858000" cy="9144000"/>
@@ -8262,6 +8263,777 @@
 </p:sld>
 </file>
 
+<file path=ppt/slides/slide7.xml><?xml version="1.0" encoding="utf-8"?>
+<p:sld xmlns:a="http://schemas.openxmlformats.org/drawingml/2006/main" xmlns:r="http://schemas.openxmlformats.org/officeDocument/2006/relationships" xmlns:p="http://schemas.openxmlformats.org/presentationml/2006/main">
+  <p:cSld>
+    <p:spTree>
+      <p:nvGrpSpPr>
+        <p:cNvPr id="1" name=""/>
+        <p:cNvGrpSpPr/>
+        <p:nvPr/>
+      </p:nvGrpSpPr>
+      <p:grpSpPr>
+        <a:xfrm>
+          <a:off x="0" y="0"/>
+          <a:ext cx="0" cy="0"/>
+          <a:chOff x="0" y="0"/>
+          <a:chExt cx="0" cy="0"/>
+        </a:xfrm>
+      </p:grpSpPr>
+      <p:sp>
+        <p:nvSpPr>
+          <p:cNvPr id="2" name="Title 1">
+            <a:extLst>
+              <a:ext uri="{FF2B5EF4-FFF2-40B4-BE49-F238E27FC236}">
+                <a16:creationId xmlns:a16="http://schemas.microsoft.com/office/drawing/2014/main" id="{3B8FC017-7479-7340-B28F-693966E76E08}"/>
+              </a:ext>
+            </a:extLst>
+          </p:cNvPr>
+          <p:cNvSpPr>
+            <a:spLocks noGrp="1"/>
+          </p:cNvSpPr>
+          <p:nvPr>
+            <p:ph type="title"/>
+          </p:nvPr>
+        </p:nvSpPr>
+        <p:spPr>
+          <a:xfrm>
+            <a:off x="197069" y="131762"/>
+            <a:ext cx="6687207" cy="549275"/>
+          </a:xfrm>
+        </p:spPr>
+        <p:txBody>
+          <a:bodyPr>
+            <a:normAutofit/>
+          </a:bodyPr>
+          <a:lstStyle/>
+          <a:p>
+            <a:r>
+              <a:rPr lang="en-US" sz="2800" b="1" dirty="0">
+                <a:latin typeface="+mn-lt"/>
+              </a:rPr>
+              <a:t>How to calculate statistics for the lines?</a:t>
+            </a:r>
+          </a:p>
+        </p:txBody>
+      </p:sp>
+      <p:sp>
+        <p:nvSpPr>
+          <p:cNvPr id="3" name="Content Placeholder 2">
+            <a:extLst>
+              <a:ext uri="{FF2B5EF4-FFF2-40B4-BE49-F238E27FC236}">
+                <a16:creationId xmlns:a16="http://schemas.microsoft.com/office/drawing/2014/main" id="{7882ED3F-7AA1-E547-BBFC-5027AD6F53FE}"/>
+              </a:ext>
+            </a:extLst>
+          </p:cNvPr>
+          <p:cNvSpPr>
+            <a:spLocks noGrp="1"/>
+          </p:cNvSpPr>
+          <p:nvPr>
+            <p:ph idx="1"/>
+          </p:nvPr>
+        </p:nvSpPr>
+        <p:spPr>
+          <a:xfrm>
+            <a:off x="197069" y="681037"/>
+            <a:ext cx="3384333" cy="2547008"/>
+          </a:xfrm>
+        </p:spPr>
+        <p:txBody>
+          <a:bodyPr>
+            <a:normAutofit/>
+          </a:bodyPr>
+          <a:lstStyle/>
+          <a:p>
+            <a:pPr marL="0" indent="0">
+              <a:buNone/>
+            </a:pPr>
+            <a:r>
+              <a:rPr lang="en-US" dirty="0"/>
+              <a:t>This assumes that each site has 36 lines and each line has a SITE_ID code for you to sum based on that column.</a:t>
+            </a:r>
+          </a:p>
+        </p:txBody>
+      </p:sp>
+      <p:cxnSp>
+        <p:nvCxnSpPr>
+          <p:cNvPr id="11" name="Straight Arrow Connector 10">
+            <a:extLst>
+              <a:ext uri="{FF2B5EF4-FFF2-40B4-BE49-F238E27FC236}">
+                <a16:creationId xmlns:a16="http://schemas.microsoft.com/office/drawing/2014/main" id="{32A9845D-ECE0-8A41-89D6-C31A60E117A4}"/>
+              </a:ext>
+            </a:extLst>
+          </p:cNvPr>
+          <p:cNvCxnSpPr>
+            <a:cxnSpLocks/>
+          </p:cNvCxnSpPr>
+          <p:nvPr/>
+        </p:nvCxnSpPr>
+        <p:spPr>
+          <a:xfrm flipH="1">
+            <a:off x="9566887" y="1873749"/>
+            <a:ext cx="859066" cy="147792"/>
+          </a:xfrm>
+          <a:prstGeom prst="straightConnector1">
+            <a:avLst/>
+          </a:prstGeom>
+          <a:ln w="57150">
+            <a:solidFill>
+              <a:srgbClr val="FF0000"/>
+            </a:solidFill>
+            <a:tailEnd type="triangle"/>
+          </a:ln>
+        </p:spPr>
+        <p:style>
+          <a:lnRef idx="1">
+            <a:schemeClr val="accent1"/>
+          </a:lnRef>
+          <a:fillRef idx="0">
+            <a:schemeClr val="accent1"/>
+          </a:fillRef>
+          <a:effectRef idx="0">
+            <a:schemeClr val="accent1"/>
+          </a:effectRef>
+          <a:fontRef idx="minor">
+            <a:schemeClr val="tx1"/>
+          </a:fontRef>
+        </p:style>
+      </p:cxnSp>
+      <p:sp>
+        <p:nvSpPr>
+          <p:cNvPr id="12" name="TextBox 11">
+            <a:extLst>
+              <a:ext uri="{FF2B5EF4-FFF2-40B4-BE49-F238E27FC236}">
+                <a16:creationId xmlns:a16="http://schemas.microsoft.com/office/drawing/2014/main" id="{3EDFA0EF-66E4-0941-9CC0-1972277ABA70}"/>
+              </a:ext>
+            </a:extLst>
+          </p:cNvPr>
+          <p:cNvSpPr txBox="1"/>
+          <p:nvPr/>
+        </p:nvSpPr>
+        <p:spPr>
+          <a:xfrm>
+            <a:off x="10425953" y="1458250"/>
+            <a:ext cx="1471448" cy="646331"/>
+          </a:xfrm>
+          <a:prstGeom prst="rect">
+            <a:avLst/>
+          </a:prstGeom>
+          <a:noFill/>
+        </p:spPr>
+        <p:txBody>
+          <a:bodyPr wrap="square" rtlCol="0">
+            <a:spAutoFit/>
+          </a:bodyPr>
+          <a:lstStyle/>
+          <a:p>
+            <a:r>
+              <a:rPr lang="en-US" sz="1200" dirty="0">
+                <a:solidFill>
+                  <a:srgbClr val="FF0000"/>
+                </a:solidFill>
+              </a:rPr>
+              <a:t>Set SITE_ID column to calculate statistics for each site.</a:t>
+            </a:r>
+          </a:p>
+        </p:txBody>
+      </p:sp>
+      <p:sp>
+        <p:nvSpPr>
+          <p:cNvPr id="4" name="Rectangle 3">
+            <a:extLst>
+              <a:ext uri="{FF2B5EF4-FFF2-40B4-BE49-F238E27FC236}">
+                <a16:creationId xmlns:a16="http://schemas.microsoft.com/office/drawing/2014/main" id="{F294F34F-60E6-3B4A-AEA0-C291002E592C}"/>
+              </a:ext>
+            </a:extLst>
+          </p:cNvPr>
+          <p:cNvSpPr/>
+          <p:nvPr/>
+        </p:nvSpPr>
+        <p:spPr>
+          <a:xfrm>
+            <a:off x="4269827" y="938878"/>
+            <a:ext cx="7627573" cy="1869743"/>
+          </a:xfrm>
+          <a:prstGeom prst="rect">
+            <a:avLst/>
+          </a:prstGeom>
+        </p:spPr>
+        <p:txBody>
+          <a:bodyPr wrap="square">
+            <a:spAutoFit/>
+          </a:bodyPr>
+          <a:lstStyle/>
+          <a:p>
+            <a:r>
+              <a:rPr lang="en-US" sz="1050" dirty="0" err="1">
+                <a:latin typeface="Consolas" panose="020B0609020204030204" pitchFamily="49" charset="0"/>
+              </a:rPr>
+              <a:t>arcpy.AddGeometryAttributes_management</a:t>
+            </a:r>
+            <a:r>
+              <a:rPr lang="en-US" sz="1050" dirty="0">
+                <a:latin typeface="Consolas" panose="020B0609020204030204" pitchFamily="49" charset="0"/>
+              </a:rPr>
+              <a:t>(</a:t>
+            </a:r>
+            <a:r>
+              <a:rPr lang="en-US" sz="1050" b="1" dirty="0">
+                <a:solidFill>
+                  <a:srgbClr val="008000"/>
+                </a:solidFill>
+                <a:latin typeface="Consolas" panose="020B0609020204030204" pitchFamily="49" charset="0"/>
+              </a:rPr>
+              <a:t>"</a:t>
+            </a:r>
+            <a:r>
+              <a:rPr lang="en-US" sz="1050" b="1" dirty="0" err="1">
+                <a:solidFill>
+                  <a:srgbClr val="008000"/>
+                </a:solidFill>
+                <a:latin typeface="Consolas" panose="020B0609020204030204" pitchFamily="49" charset="0"/>
+              </a:rPr>
+              <a:t>Radiating_Lines_Per_Site.shp</a:t>
+            </a:r>
+            <a:r>
+              <a:rPr lang="en-US" sz="1050" b="1" dirty="0">
+                <a:solidFill>
+                  <a:srgbClr val="008000"/>
+                </a:solidFill>
+                <a:latin typeface="Consolas" panose="020B0609020204030204" pitchFamily="49" charset="0"/>
+              </a:rPr>
+              <a:t>"</a:t>
+            </a:r>
+            <a:r>
+              <a:rPr lang="en-US" sz="1050" dirty="0">
+                <a:latin typeface="Consolas" panose="020B0609020204030204" pitchFamily="49" charset="0"/>
+              </a:rPr>
+              <a:t>, properties, </a:t>
+            </a:r>
+            <a:r>
+              <a:rPr lang="en-US" sz="1050" dirty="0" err="1">
+                <a:latin typeface="Consolas" panose="020B0609020204030204" pitchFamily="49" charset="0"/>
+              </a:rPr>
+              <a:t>length_unit</a:t>
+            </a:r>
+            <a:r>
+              <a:rPr lang="en-US" sz="1050" dirty="0">
+                <a:latin typeface="Consolas" panose="020B0609020204030204" pitchFamily="49" charset="0"/>
+              </a:rPr>
+              <a:t>, </a:t>
+            </a:r>
+            <a:r>
+              <a:rPr lang="en-US" sz="1050" dirty="0" err="1">
+                <a:latin typeface="Consolas" panose="020B0609020204030204" pitchFamily="49" charset="0"/>
+              </a:rPr>
+              <a:t>area_unit</a:t>
+            </a:r>
+            <a:r>
+              <a:rPr lang="en-US" sz="1050" dirty="0">
+                <a:latin typeface="Consolas" panose="020B0609020204030204" pitchFamily="49" charset="0"/>
+              </a:rPr>
+              <a:t>, </a:t>
+            </a:r>
+            <a:r>
+              <a:rPr lang="en-US" sz="1050" dirty="0" err="1">
+                <a:latin typeface="Consolas" panose="020B0609020204030204" pitchFamily="49" charset="0"/>
+              </a:rPr>
+              <a:t>coordinate_system</a:t>
+            </a:r>
+            <a:r>
+              <a:rPr lang="en-US" sz="1050" dirty="0">
+                <a:latin typeface="Consolas" panose="020B0609020204030204" pitchFamily="49" charset="0"/>
+              </a:rPr>
+              <a:t>)</a:t>
+            </a:r>
+            <a:br>
+              <a:rPr lang="en-US" sz="1050" dirty="0">
+                <a:latin typeface="Consolas" panose="020B0609020204030204" pitchFamily="49" charset="0"/>
+              </a:rPr>
+            </a:br>
+            <a:endParaRPr lang="en-US" sz="1050" dirty="0">
+              <a:latin typeface="Consolas" panose="020B0609020204030204" pitchFamily="49" charset="0"/>
+            </a:endParaRPr>
+          </a:p>
+          <a:p>
+            <a:r>
+              <a:rPr lang="en-US" sz="1050" dirty="0" err="1">
+                <a:latin typeface="Consolas" panose="020B0609020204030204" pitchFamily="49" charset="0"/>
+              </a:rPr>
+              <a:t>out_table</a:t>
+            </a:r>
+            <a:r>
+              <a:rPr lang="en-US" sz="1050" dirty="0">
+                <a:latin typeface="Consolas" panose="020B0609020204030204" pitchFamily="49" charset="0"/>
+              </a:rPr>
+              <a:t> = </a:t>
+            </a:r>
+            <a:r>
+              <a:rPr lang="en-US" sz="1050" b="1" dirty="0">
+                <a:solidFill>
+                  <a:srgbClr val="008000"/>
+                </a:solidFill>
+                <a:latin typeface="Consolas" panose="020B0609020204030204" pitchFamily="49" charset="0"/>
+              </a:rPr>
+              <a:t>"</a:t>
+            </a:r>
+            <a:r>
+              <a:rPr lang="en-US" sz="1050" b="1" dirty="0" err="1">
+                <a:solidFill>
+                  <a:srgbClr val="008000"/>
+                </a:solidFill>
+                <a:latin typeface="Consolas" panose="020B0609020204030204" pitchFamily="49" charset="0"/>
+              </a:rPr>
+              <a:t>stats_table.dbf</a:t>
+            </a:r>
+            <a:r>
+              <a:rPr lang="en-US" sz="1050" b="1" dirty="0">
+                <a:solidFill>
+                  <a:srgbClr val="008000"/>
+                </a:solidFill>
+                <a:latin typeface="Consolas" panose="020B0609020204030204" pitchFamily="49" charset="0"/>
+              </a:rPr>
+              <a:t>”</a:t>
+            </a:r>
+          </a:p>
+          <a:p>
+            <a:r>
+              <a:rPr lang="en-US" sz="1050" dirty="0" err="1">
+                <a:latin typeface="Consolas" panose="020B0609020204030204" pitchFamily="49" charset="0"/>
+              </a:rPr>
+              <a:t>stat_fields</a:t>
+            </a:r>
+            <a:r>
+              <a:rPr lang="en-US" sz="1050" dirty="0">
+                <a:latin typeface="Consolas" panose="020B0609020204030204" pitchFamily="49" charset="0"/>
+              </a:rPr>
+              <a:t> = [[</a:t>
+            </a:r>
+            <a:r>
+              <a:rPr lang="en-US" sz="1050" b="1" dirty="0">
+                <a:solidFill>
+                  <a:srgbClr val="008000"/>
+                </a:solidFill>
+                <a:latin typeface="Consolas" panose="020B0609020204030204" pitchFamily="49" charset="0"/>
+              </a:rPr>
+              <a:t>'LENGTH'</a:t>
+            </a:r>
+            <a:r>
+              <a:rPr lang="en-US" sz="1050" dirty="0">
+                <a:latin typeface="Consolas" panose="020B0609020204030204" pitchFamily="49" charset="0"/>
+              </a:rPr>
+              <a:t>, </a:t>
+            </a:r>
+            <a:r>
+              <a:rPr lang="en-US" sz="1050" b="1" dirty="0">
+                <a:solidFill>
+                  <a:srgbClr val="008000"/>
+                </a:solidFill>
+                <a:latin typeface="Consolas" panose="020B0609020204030204" pitchFamily="49" charset="0"/>
+              </a:rPr>
+              <a:t>'SUM'</a:t>
+            </a:r>
+            <a:r>
+              <a:rPr lang="en-US" sz="1050" dirty="0">
+                <a:latin typeface="Consolas" panose="020B0609020204030204" pitchFamily="49" charset="0"/>
+              </a:rPr>
+              <a:t>], [</a:t>
+            </a:r>
+            <a:r>
+              <a:rPr lang="en-US" sz="1050" b="1" dirty="0">
+                <a:solidFill>
+                  <a:srgbClr val="008000"/>
+                </a:solidFill>
+                <a:latin typeface="Consolas" panose="020B0609020204030204" pitchFamily="49" charset="0"/>
+              </a:rPr>
+              <a:t>'LENGTH'</a:t>
+            </a:r>
+            <a:r>
+              <a:rPr lang="en-US" sz="1050" dirty="0">
+                <a:latin typeface="Consolas" panose="020B0609020204030204" pitchFamily="49" charset="0"/>
+              </a:rPr>
+              <a:t>, </a:t>
+            </a:r>
+            <a:r>
+              <a:rPr lang="en-US" sz="1050" b="1" dirty="0">
+                <a:solidFill>
+                  <a:srgbClr val="008000"/>
+                </a:solidFill>
+                <a:latin typeface="Consolas" panose="020B0609020204030204" pitchFamily="49" charset="0"/>
+              </a:rPr>
+              <a:t>'STD'</a:t>
+            </a:r>
+            <a:r>
+              <a:rPr lang="en-US" sz="1050" dirty="0">
+                <a:latin typeface="Consolas" panose="020B0609020204030204" pitchFamily="49" charset="0"/>
+              </a:rPr>
+              <a:t>]]</a:t>
+            </a:r>
+            <a:br>
+              <a:rPr lang="en-US" sz="1050" dirty="0">
+                <a:latin typeface="Consolas" panose="020B0609020204030204" pitchFamily="49" charset="0"/>
+              </a:rPr>
+            </a:br>
+            <a:br>
+              <a:rPr lang="en-US" sz="1050" dirty="0">
+                <a:latin typeface="Consolas" panose="020B0609020204030204" pitchFamily="49" charset="0"/>
+              </a:rPr>
+            </a:br>
+            <a:r>
+              <a:rPr lang="en-US" sz="1050" dirty="0" err="1">
+                <a:latin typeface="Consolas" panose="020B0609020204030204" pitchFamily="49" charset="0"/>
+              </a:rPr>
+              <a:t>arcpy.Statistics_analysis</a:t>
+            </a:r>
+            <a:r>
+              <a:rPr lang="en-US" sz="1050" dirty="0">
+                <a:latin typeface="Consolas" panose="020B0609020204030204" pitchFamily="49" charset="0"/>
+              </a:rPr>
+              <a:t>(</a:t>
+            </a:r>
+            <a:r>
+              <a:rPr lang="en-US" sz="1050" dirty="0" err="1">
+                <a:latin typeface="Consolas" panose="020B0609020204030204" pitchFamily="49" charset="0"/>
+              </a:rPr>
+              <a:t>in_table</a:t>
+            </a:r>
+            <a:r>
+              <a:rPr lang="en-US" sz="1050" dirty="0">
+                <a:latin typeface="Consolas" panose="020B0609020204030204" pitchFamily="49" charset="0"/>
+              </a:rPr>
+              <a:t>, </a:t>
+            </a:r>
+            <a:r>
+              <a:rPr lang="en-US" sz="1050" dirty="0" err="1">
+                <a:latin typeface="Consolas" panose="020B0609020204030204" pitchFamily="49" charset="0"/>
+              </a:rPr>
+              <a:t>out_table</a:t>
+            </a:r>
+            <a:r>
+              <a:rPr lang="en-US" sz="1050" dirty="0">
+                <a:latin typeface="Consolas" panose="020B0609020204030204" pitchFamily="49" charset="0"/>
+              </a:rPr>
+              <a:t>, </a:t>
+            </a:r>
+            <a:r>
+              <a:rPr lang="en-US" sz="1050" dirty="0" err="1">
+                <a:latin typeface="Consolas" panose="020B0609020204030204" pitchFamily="49" charset="0"/>
+              </a:rPr>
+              <a:t>stat_fields</a:t>
+            </a:r>
+            <a:r>
+              <a:rPr lang="en-US" sz="1050" dirty="0">
+                <a:latin typeface="Consolas" panose="020B0609020204030204" pitchFamily="49" charset="0"/>
+              </a:rPr>
+              <a:t>, </a:t>
+            </a:r>
+            <a:r>
+              <a:rPr lang="en-US" sz="1050" b="1" dirty="0">
+                <a:solidFill>
+                  <a:srgbClr val="008000"/>
+                </a:solidFill>
+                <a:latin typeface="Consolas" panose="020B0609020204030204" pitchFamily="49" charset="0"/>
+              </a:rPr>
+              <a:t>‘SITE_ID'</a:t>
+            </a:r>
+            <a:r>
+              <a:rPr lang="en-US" sz="1050" dirty="0">
+                <a:latin typeface="Consolas" panose="020B0609020204030204" pitchFamily="49" charset="0"/>
+              </a:rPr>
+              <a:t>)</a:t>
+            </a:r>
+            <a:br>
+              <a:rPr lang="en-US" sz="1050" dirty="0">
+                <a:latin typeface="Consolas" panose="020B0609020204030204" pitchFamily="49" charset="0"/>
+              </a:rPr>
+            </a:br>
+            <a:br>
+              <a:rPr lang="en-US" sz="1050" i="1" dirty="0">
+                <a:solidFill>
+                  <a:srgbClr val="808080"/>
+                </a:solidFill>
+                <a:latin typeface="Consolas" panose="020B0609020204030204" pitchFamily="49" charset="0"/>
+              </a:rPr>
+            </a:br>
+            <a:r>
+              <a:rPr lang="en-US" sz="1050" b="1" dirty="0">
+                <a:solidFill>
+                  <a:srgbClr val="000080"/>
+                </a:solidFill>
+                <a:latin typeface="Consolas" panose="020B0609020204030204" pitchFamily="49" charset="0"/>
+              </a:rPr>
+              <a:t>with </a:t>
+            </a:r>
+            <a:r>
+              <a:rPr lang="en-US" sz="1050" dirty="0" err="1">
+                <a:latin typeface="Consolas" panose="020B0609020204030204" pitchFamily="49" charset="0"/>
+              </a:rPr>
+              <a:t>arcpy.da.SearchCursor</a:t>
+            </a:r>
+            <a:r>
+              <a:rPr lang="en-US" sz="1050" dirty="0">
+                <a:latin typeface="Consolas" panose="020B0609020204030204" pitchFamily="49" charset="0"/>
+              </a:rPr>
+              <a:t>(</a:t>
+            </a:r>
+            <a:r>
+              <a:rPr lang="en-US" sz="1050" dirty="0" err="1">
+                <a:latin typeface="Consolas" panose="020B0609020204030204" pitchFamily="49" charset="0"/>
+              </a:rPr>
+              <a:t>out_table</a:t>
+            </a:r>
+            <a:r>
+              <a:rPr lang="en-US" sz="1050" dirty="0">
+                <a:latin typeface="Consolas" panose="020B0609020204030204" pitchFamily="49" charset="0"/>
+              </a:rPr>
+              <a:t>, [</a:t>
+            </a:r>
+            <a:r>
+              <a:rPr lang="en-US" sz="1050" b="1" dirty="0">
+                <a:solidFill>
+                  <a:srgbClr val="008000"/>
+                </a:solidFill>
+                <a:latin typeface="Consolas" panose="020B0609020204030204" pitchFamily="49" charset="0"/>
+              </a:rPr>
+              <a:t>'FREQUENCY'</a:t>
+            </a:r>
+            <a:r>
+              <a:rPr lang="en-US" sz="1050" dirty="0">
+                <a:latin typeface="Consolas" panose="020B0609020204030204" pitchFamily="49" charset="0"/>
+              </a:rPr>
+              <a:t>, </a:t>
+            </a:r>
+            <a:r>
+              <a:rPr lang="en-US" sz="1050" b="1" dirty="0">
+                <a:solidFill>
+                  <a:srgbClr val="008000"/>
+                </a:solidFill>
+                <a:latin typeface="Consolas" panose="020B0609020204030204" pitchFamily="49" charset="0"/>
+              </a:rPr>
+              <a:t>'SUM_LENGTH'</a:t>
+            </a:r>
+            <a:r>
+              <a:rPr lang="en-US" sz="1050" dirty="0">
+                <a:latin typeface="Consolas" panose="020B0609020204030204" pitchFamily="49" charset="0"/>
+              </a:rPr>
+              <a:t>, </a:t>
+            </a:r>
+            <a:r>
+              <a:rPr lang="en-US" sz="1050" b="1" dirty="0">
+                <a:solidFill>
+                  <a:srgbClr val="008000"/>
+                </a:solidFill>
+                <a:latin typeface="Consolas" panose="020B0609020204030204" pitchFamily="49" charset="0"/>
+              </a:rPr>
+              <a:t>'STD_LENGTH'</a:t>
+            </a:r>
+            <a:r>
+              <a:rPr lang="en-US" sz="1050" dirty="0">
+                <a:latin typeface="Consolas" panose="020B0609020204030204" pitchFamily="49" charset="0"/>
+              </a:rPr>
+              <a:t>]) </a:t>
+            </a:r>
+            <a:r>
+              <a:rPr lang="en-US" sz="1050" b="1" dirty="0">
+                <a:solidFill>
+                  <a:srgbClr val="000080"/>
+                </a:solidFill>
+                <a:latin typeface="Consolas" panose="020B0609020204030204" pitchFamily="49" charset="0"/>
+              </a:rPr>
+              <a:t>as </a:t>
+            </a:r>
+            <a:r>
+              <a:rPr lang="en-US" sz="1050" dirty="0">
+                <a:latin typeface="Consolas" panose="020B0609020204030204" pitchFamily="49" charset="0"/>
+              </a:rPr>
+              <a:t>cursor:</a:t>
+            </a:r>
+            <a:br>
+              <a:rPr lang="en-US" sz="1050" dirty="0">
+                <a:latin typeface="Consolas" panose="020B0609020204030204" pitchFamily="49" charset="0"/>
+              </a:rPr>
+            </a:br>
+            <a:r>
+              <a:rPr lang="en-US" sz="1050" dirty="0">
+                <a:latin typeface="Consolas" panose="020B0609020204030204" pitchFamily="49" charset="0"/>
+              </a:rPr>
+              <a:t>        </a:t>
+            </a:r>
+            <a:r>
+              <a:rPr lang="en-US" sz="1050" b="1" dirty="0">
+                <a:solidFill>
+                  <a:srgbClr val="000080"/>
+                </a:solidFill>
+                <a:latin typeface="Consolas" panose="020B0609020204030204" pitchFamily="49" charset="0"/>
+              </a:rPr>
+              <a:t>for </a:t>
+            </a:r>
+            <a:r>
+              <a:rPr lang="en-US" sz="1050" dirty="0">
+                <a:latin typeface="Consolas" panose="020B0609020204030204" pitchFamily="49" charset="0"/>
+              </a:rPr>
+              <a:t>row </a:t>
+            </a:r>
+            <a:r>
+              <a:rPr lang="en-US" sz="1050" b="1" dirty="0">
+                <a:solidFill>
+                  <a:srgbClr val="000080"/>
+                </a:solidFill>
+                <a:latin typeface="Consolas" panose="020B0609020204030204" pitchFamily="49" charset="0"/>
+              </a:rPr>
+              <a:t>in </a:t>
+            </a:r>
+            <a:r>
+              <a:rPr lang="en-US" sz="1050" dirty="0">
+                <a:latin typeface="Consolas" panose="020B0609020204030204" pitchFamily="49" charset="0"/>
+              </a:rPr>
+              <a:t>cursor:</a:t>
+            </a:r>
+            <a:br>
+              <a:rPr lang="en-US" sz="1050" dirty="0">
+                <a:latin typeface="Consolas" panose="020B0609020204030204" pitchFamily="49" charset="0"/>
+              </a:rPr>
+            </a:br>
+            <a:r>
+              <a:rPr lang="en-US" sz="1050" dirty="0">
+                <a:latin typeface="Consolas" panose="020B0609020204030204" pitchFamily="49" charset="0"/>
+              </a:rPr>
+              <a:t>            </a:t>
+            </a:r>
+            <a:r>
+              <a:rPr lang="en-US" sz="1050" b="1" dirty="0">
+                <a:solidFill>
+                  <a:srgbClr val="000080"/>
+                </a:solidFill>
+                <a:latin typeface="Consolas" panose="020B0609020204030204" pitchFamily="49" charset="0"/>
+              </a:rPr>
+              <a:t>print</a:t>
+            </a:r>
+            <a:r>
+              <a:rPr lang="en-US" sz="1050" dirty="0">
+                <a:latin typeface="Consolas" panose="020B0609020204030204" pitchFamily="49" charset="0"/>
+              </a:rPr>
+              <a:t>(row)</a:t>
+            </a:r>
+            <a:endParaRPr lang="en-US" sz="1050" dirty="0">
+              <a:effectLst/>
+              <a:latin typeface="Consolas" panose="020B0609020204030204" pitchFamily="49" charset="0"/>
+            </a:endParaRPr>
+          </a:p>
+        </p:txBody>
+      </p:sp>
+      <p:sp>
+        <p:nvSpPr>
+          <p:cNvPr id="20" name="TextBox 19">
+            <a:extLst>
+              <a:ext uri="{FF2B5EF4-FFF2-40B4-BE49-F238E27FC236}">
+                <a16:creationId xmlns:a16="http://schemas.microsoft.com/office/drawing/2014/main" id="{5C5C09A1-BA51-BA4D-A1B0-F517F30CDAC9}"/>
+              </a:ext>
+            </a:extLst>
+          </p:cNvPr>
+          <p:cNvSpPr txBox="1"/>
+          <p:nvPr/>
+        </p:nvSpPr>
+        <p:spPr>
+          <a:xfrm>
+            <a:off x="10191633" y="2878995"/>
+            <a:ext cx="1471448" cy="1384995"/>
+          </a:xfrm>
+          <a:prstGeom prst="rect">
+            <a:avLst/>
+          </a:prstGeom>
+          <a:noFill/>
+        </p:spPr>
+        <p:txBody>
+          <a:bodyPr wrap="square" rtlCol="0">
+            <a:spAutoFit/>
+          </a:bodyPr>
+          <a:lstStyle/>
+          <a:p>
+            <a:r>
+              <a:rPr lang="en-US" sz="1200" dirty="0">
+                <a:solidFill>
+                  <a:srgbClr val="FF0000"/>
+                </a:solidFill>
+              </a:rPr>
+              <a:t>Prints out the stats for each site, i.e. 36 radiating lines summed and </a:t>
+            </a:r>
+            <a:r>
+              <a:rPr lang="en-US" sz="1200" dirty="0" err="1">
+                <a:solidFill>
+                  <a:srgbClr val="FF0000"/>
+                </a:solidFill>
+              </a:rPr>
+              <a:t>SD’d</a:t>
+            </a:r>
+            <a:r>
+              <a:rPr lang="en-US" sz="1200" dirty="0">
+                <a:solidFill>
+                  <a:srgbClr val="FF0000"/>
+                </a:solidFill>
+              </a:rPr>
+              <a:t>, total of 9 sites should yield 9 rows only.</a:t>
+            </a:r>
+          </a:p>
+        </p:txBody>
+      </p:sp>
+      <p:cxnSp>
+        <p:nvCxnSpPr>
+          <p:cNvPr id="24" name="Straight Arrow Connector 23">
+            <a:extLst>
+              <a:ext uri="{FF2B5EF4-FFF2-40B4-BE49-F238E27FC236}">
+                <a16:creationId xmlns:a16="http://schemas.microsoft.com/office/drawing/2014/main" id="{A3FCC4A0-C7B9-B74A-AADC-5144755220B1}"/>
+              </a:ext>
+            </a:extLst>
+          </p:cNvPr>
+          <p:cNvCxnSpPr>
+            <a:cxnSpLocks/>
+          </p:cNvCxnSpPr>
+          <p:nvPr/>
+        </p:nvCxnSpPr>
+        <p:spPr>
+          <a:xfrm flipH="1" flipV="1">
+            <a:off x="6096000" y="2680447"/>
+            <a:ext cx="3990531" cy="543673"/>
+          </a:xfrm>
+          <a:prstGeom prst="straightConnector1">
+            <a:avLst/>
+          </a:prstGeom>
+          <a:ln w="57150">
+            <a:solidFill>
+              <a:srgbClr val="FF0000"/>
+            </a:solidFill>
+            <a:tailEnd type="triangle"/>
+          </a:ln>
+        </p:spPr>
+        <p:style>
+          <a:lnRef idx="1">
+            <a:schemeClr val="accent1"/>
+          </a:lnRef>
+          <a:fillRef idx="0">
+            <a:schemeClr val="accent1"/>
+          </a:fillRef>
+          <a:effectRef idx="0">
+            <a:schemeClr val="accent1"/>
+          </a:effectRef>
+          <a:fontRef idx="minor">
+            <a:schemeClr val="tx1"/>
+          </a:fontRef>
+        </p:style>
+      </p:cxnSp>
+    </p:spTree>
+    <p:extLst>
+      <p:ext uri="{BB962C8B-B14F-4D97-AF65-F5344CB8AC3E}">
+        <p14:creationId xmlns:p14="http://schemas.microsoft.com/office/powerpoint/2010/main" val="1196198729"/>
+      </p:ext>
+    </p:extLst>
+  </p:cSld>
+  <p:clrMapOvr>
+    <a:masterClrMapping/>
+  </p:clrMapOvr>
+</p:sld>
+</file>
+
 <file path=ppt/theme/theme1.xml><?xml version="1.0" encoding="utf-8"?>
 <a:theme xmlns:a="http://schemas.openxmlformats.org/drawingml/2006/main" name="Office Theme">
   <a:themeElements>
